--- a/paper presentation/Paper Presentation_Group 8.pptx
+++ b/paper presentation/Paper Presentation_Group 8.pptx
@@ -13,8 +13,8 @@
     <p:sldId id="1403" r:id="rId4"/>
     <p:sldId id="1404" r:id="rId5"/>
     <p:sldId id="1407" r:id="rId6"/>
-    <p:sldId id="1408" r:id="rId7"/>
-    <p:sldId id="1405" r:id="rId8"/>
+    <p:sldId id="1405" r:id="rId7"/>
+    <p:sldId id="1410" r:id="rId8"/>
     <p:sldId id="1406" r:id="rId9"/>
     <p:sldId id="1400" r:id="rId10"/>
   </p:sldIdLst>
@@ -3904,7 +3904,7 @@
         </p:nvSpPr>
         <p:spPr>
           <a:xfrm>
-            <a:off x="2177143" y="2798058"/>
+            <a:off x="2177143" y="2521059"/>
             <a:ext cx="7837714" cy="1815882"/>
           </a:xfrm>
           <a:prstGeom prst="rect">
@@ -3923,7 +3923,7 @@
               <a:rPr lang="en-US" sz="3600" b="1" dirty="0">
                 <a:latin typeface=""/>
               </a:rPr>
-              <a:t>Paper Review</a:t>
+              <a:t>18755 – Paper Review Presentation</a:t>
             </a:r>
           </a:p>
           <a:p>
@@ -4144,7 +4144,7 @@
         </p:nvGrpSpPr>
         <p:grpSpPr>
           <a:xfrm>
-            <a:off x="3582410" y="1975870"/>
+            <a:off x="3734814" y="1975870"/>
             <a:ext cx="7390391" cy="2906260"/>
             <a:chOff x="3506208" y="1721970"/>
             <a:chExt cx="7390391" cy="2906260"/>
@@ -4212,7 +4212,7 @@
                 <a:t>3.    Critique – </a:t>
               </a:r>
               <a:r>
-                <a:rPr lang="en-US" sz="2000" b="1" spc="-50">
+                <a:rPr lang="en-US" sz="2000" b="1" spc="-50" dirty="0">
                   <a:solidFill>
                     <a:srgbClr val="000000"/>
                   </a:solidFill>
@@ -6637,7 +6637,7 @@
         <p:spPr>
           <a:xfrm>
             <a:off x="914399" y="2231002"/>
-            <a:ext cx="4650059" cy="1193410"/>
+            <a:ext cx="4650059" cy="1198800"/>
           </a:xfrm>
           <a:prstGeom prst="rect">
             <a:avLst/>
@@ -7139,8 +7139,8 @@
         </p:nvSpPr>
         <p:spPr>
           <a:xfrm>
-            <a:off x="934171" y="3714624"/>
-            <a:ext cx="4877475" cy="1193410"/>
+            <a:off x="934172" y="3714624"/>
+            <a:ext cx="4955000" cy="1198800"/>
           </a:xfrm>
           <a:prstGeom prst="rect">
             <a:avLst/>
@@ -7366,7 +7366,7 @@
                 <a:cs typeface="Frutiger Next Pro Light"/>
                 <a:sym typeface="Gotham Bold" charset="0"/>
               </a:rPr>
-              <a:t>The objective is to investigate optimal allocation and how edges should be connected between networks for maximum robustness.</a:t>
+              <a:t>The objective is to investigate how edges should connect for maximum robustness and the threshold at which networks collapse</a:t>
             </a:r>
           </a:p>
         </p:txBody>
@@ -7636,7 +7636,7 @@
         <p:spPr>
           <a:xfrm>
             <a:off x="934171" y="5198246"/>
-            <a:ext cx="4877475" cy="1193410"/>
+            <a:ext cx="4877475" cy="1198800"/>
           </a:xfrm>
           <a:prstGeom prst="rect">
             <a:avLst/>
@@ -9141,7 +9141,7 @@
           <a:p>
             <a:r>
               <a:rPr lang="en-US" dirty="0"/>
-              <a:t>Key and Results Findings</a:t>
+              <a:t>Key Results and Conclusion</a:t>
             </a:r>
           </a:p>
         </p:txBody>
@@ -9219,6 +9219,701 @@
           </a:extLst>
         </p:spPr>
       </p:pic>
+      <p:sp>
+        <p:nvSpPr>
+          <p:cNvPr id="7" name="Rectangle 6">
+            <a:extLst>
+              <a:ext uri="{FF2B5EF4-FFF2-40B4-BE49-F238E27FC236}">
+                <a16:creationId xmlns:a16="http://schemas.microsoft.com/office/drawing/2014/main" id="{FA97773F-F5C1-CB67-06D7-B4BF511ACE51}"/>
+              </a:ext>
+            </a:extLst>
+          </p:cNvPr>
+          <p:cNvSpPr/>
+          <p:nvPr/>
+        </p:nvSpPr>
+        <p:spPr>
+          <a:xfrm>
+            <a:off x="914397" y="4724319"/>
+            <a:ext cx="97120" cy="457220"/>
+          </a:xfrm>
+          <a:prstGeom prst="rect">
+            <a:avLst/>
+          </a:prstGeom>
+          <a:solidFill>
+            <a:srgbClr val="FF0000"/>
+          </a:solidFill>
+          <a:ln>
+            <a:noFill/>
+          </a:ln>
+          <a:effectLst/>
+        </p:spPr>
+        <p:style>
+          <a:lnRef idx="2">
+            <a:schemeClr val="accent1"/>
+          </a:lnRef>
+          <a:fillRef idx="0">
+            <a:schemeClr val="accent1"/>
+          </a:fillRef>
+          <a:effectRef idx="1">
+            <a:schemeClr val="accent1"/>
+          </a:effectRef>
+          <a:fontRef idx="minor">
+            <a:schemeClr val="tx1"/>
+          </a:fontRef>
+        </p:style>
+        <p:txBody>
+          <a:bodyPr rtlCol="0" anchor="ctr"/>
+          <a:lstStyle/>
+          <a:p>
+            <a:pPr marL="0" marR="0" lvl="0" indent="0" algn="ctr" defTabSz="914400" rtl="0" eaLnBrk="1" fontAlgn="auto" latinLnBrk="0" hangingPunct="1">
+              <a:lnSpc>
+                <a:spcPct val="100000"/>
+              </a:lnSpc>
+              <a:spcBef>
+                <a:spcPts val="0"/>
+              </a:spcBef>
+              <a:spcAft>
+                <a:spcPts val="0"/>
+              </a:spcAft>
+              <a:buClrTx/>
+              <a:buSzTx/>
+              <a:buFontTx/>
+              <a:buNone/>
+              <a:tabLst/>
+              <a:defRPr/>
+            </a:pPr>
+            <a:endParaRPr kumimoji="0" lang="en-US" sz="1800" b="0" i="0" u="none" strike="noStrike" kern="1200" cap="none" spc="0" normalizeH="0" baseline="0" noProof="0">
+              <a:ln>
+                <a:noFill/>
+              </a:ln>
+              <a:solidFill>
+                <a:srgbClr val="000000"/>
+              </a:solidFill>
+              <a:effectLst/>
+              <a:uLnTx/>
+              <a:uFillTx/>
+              <a:latin typeface="Open Sans"/>
+              <a:ea typeface="黑体"/>
+              <a:cs typeface="+mn-cs"/>
+            </a:endParaRPr>
+          </a:p>
+        </p:txBody>
+      </p:sp>
+      <p:sp>
+        <p:nvSpPr>
+          <p:cNvPr id="8" name="Rectangle 7">
+            <a:extLst>
+              <a:ext uri="{FF2B5EF4-FFF2-40B4-BE49-F238E27FC236}">
+                <a16:creationId xmlns:a16="http://schemas.microsoft.com/office/drawing/2014/main" id="{476A6368-C879-841E-0AE3-8765B1E72B16}"/>
+              </a:ext>
+            </a:extLst>
+          </p:cNvPr>
+          <p:cNvSpPr/>
+          <p:nvPr/>
+        </p:nvSpPr>
+        <p:spPr>
+          <a:xfrm>
+            <a:off x="914397" y="4724319"/>
+            <a:ext cx="10559145" cy="1398723"/>
+          </a:xfrm>
+          <a:prstGeom prst="rect">
+            <a:avLst/>
+          </a:prstGeom>
+          <a:noFill/>
+          <a:ln w="3175">
+            <a:solidFill>
+              <a:schemeClr val="bg1">
+                <a:lumMod val="75000"/>
+              </a:schemeClr>
+            </a:solidFill>
+          </a:ln>
+          <a:effectLst/>
+        </p:spPr>
+        <p:style>
+          <a:lnRef idx="2">
+            <a:schemeClr val="accent1"/>
+          </a:lnRef>
+          <a:fillRef idx="0">
+            <a:schemeClr val="accent1"/>
+          </a:fillRef>
+          <a:effectRef idx="1">
+            <a:schemeClr val="accent1"/>
+          </a:effectRef>
+          <a:fontRef idx="minor">
+            <a:schemeClr val="tx1"/>
+          </a:fontRef>
+        </p:style>
+        <p:txBody>
+          <a:bodyPr rtlCol="0" anchor="ctr"/>
+          <a:lstStyle/>
+          <a:p>
+            <a:pPr marL="0" marR="0" lvl="0" indent="0" algn="ctr" defTabSz="914400" rtl="0" eaLnBrk="1" fontAlgn="auto" latinLnBrk="0" hangingPunct="1">
+              <a:lnSpc>
+                <a:spcPct val="100000"/>
+              </a:lnSpc>
+              <a:spcBef>
+                <a:spcPts val="0"/>
+              </a:spcBef>
+              <a:spcAft>
+                <a:spcPts val="0"/>
+              </a:spcAft>
+              <a:buClrTx/>
+              <a:buSzTx/>
+              <a:buFontTx/>
+              <a:buNone/>
+              <a:tabLst/>
+              <a:defRPr/>
+            </a:pPr>
+            <a:endParaRPr kumimoji="0" lang="en-US" sz="1800" b="0" i="0" u="none" strike="noStrike" kern="1200" cap="none" spc="0" normalizeH="0" baseline="0" noProof="0">
+              <a:ln>
+                <a:noFill/>
+              </a:ln>
+              <a:solidFill>
+                <a:srgbClr val="000000"/>
+              </a:solidFill>
+              <a:effectLst/>
+              <a:uLnTx/>
+              <a:uFillTx/>
+              <a:latin typeface="Open Sans"/>
+              <a:ea typeface="黑体"/>
+              <a:cs typeface="+mn-cs"/>
+            </a:endParaRPr>
+          </a:p>
+        </p:txBody>
+      </p:sp>
+      <p:sp>
+        <p:nvSpPr>
+          <p:cNvPr id="9" name="Rectangle 8">
+            <a:extLst>
+              <a:ext uri="{FF2B5EF4-FFF2-40B4-BE49-F238E27FC236}">
+                <a16:creationId xmlns:a16="http://schemas.microsoft.com/office/drawing/2014/main" id="{5E4E21D4-2EDE-06C5-71AA-484C47CA31F8}"/>
+              </a:ext>
+            </a:extLst>
+          </p:cNvPr>
+          <p:cNvSpPr/>
+          <p:nvPr/>
+        </p:nvSpPr>
+        <p:spPr>
+          <a:xfrm>
+            <a:off x="1140704" y="4799551"/>
+            <a:ext cx="9966960" cy="307777"/>
+          </a:xfrm>
+          <a:prstGeom prst="rect">
+            <a:avLst/>
+          </a:prstGeom>
+          <a:ln>
+            <a:noFill/>
+          </a:ln>
+        </p:spPr>
+        <p:txBody>
+          <a:bodyPr wrap="square">
+            <a:spAutoFit/>
+          </a:bodyPr>
+          <a:lstStyle/>
+          <a:p>
+            <a:pPr marL="0" marR="0" lvl="0" indent="0" algn="l" defTabSz="914400" rtl="0" eaLnBrk="1" fontAlgn="auto" latinLnBrk="0" hangingPunct="1">
+              <a:lnSpc>
+                <a:spcPct val="100000"/>
+              </a:lnSpc>
+              <a:spcBef>
+                <a:spcPts val="0"/>
+              </a:spcBef>
+              <a:spcAft>
+                <a:spcPts val="300"/>
+              </a:spcAft>
+              <a:buClrTx/>
+              <a:buSzTx/>
+              <a:buFontTx/>
+              <a:buNone/>
+              <a:tabLst/>
+              <a:defRPr/>
+            </a:pPr>
+            <a:r>
+              <a:rPr lang="en-US" sz="1400" b="1" dirty="0">
+                <a:solidFill>
+                  <a:srgbClr val="000000"/>
+                </a:solidFill>
+                <a:latin typeface="Open Sans"/>
+                <a:ea typeface="Verdana" panose="020B0604030504040204" pitchFamily="34" charset="0"/>
+                <a:cs typeface="Verdana" panose="020B0604030504040204" pitchFamily="34" charset="0"/>
+              </a:rPr>
+              <a:t>Key Findings</a:t>
+            </a:r>
+            <a:endParaRPr kumimoji="0" lang="en-US" sz="1400" b="1" i="0" u="none" strike="noStrike" kern="1200" cap="none" spc="0" normalizeH="0" baseline="0" noProof="0" dirty="0">
+              <a:ln>
+                <a:noFill/>
+              </a:ln>
+              <a:solidFill>
+                <a:srgbClr val="000000"/>
+              </a:solidFill>
+              <a:effectLst/>
+              <a:uLnTx/>
+              <a:uFillTx/>
+              <a:latin typeface="Open Sans"/>
+              <a:ea typeface="Verdana" panose="020B0604030504040204" pitchFamily="34" charset="0"/>
+              <a:cs typeface="Verdana" panose="020B0604030504040204" pitchFamily="34" charset="0"/>
+            </a:endParaRPr>
+          </a:p>
+        </p:txBody>
+      </p:sp>
+      <p:grpSp>
+        <p:nvGrpSpPr>
+          <p:cNvPr id="23" name="Group 22">
+            <a:extLst>
+              <a:ext uri="{FF2B5EF4-FFF2-40B4-BE49-F238E27FC236}">
+                <a16:creationId xmlns:a16="http://schemas.microsoft.com/office/drawing/2014/main" id="{F1129466-16DE-1C54-8B5E-04B447A6BE26}"/>
+              </a:ext>
+            </a:extLst>
+          </p:cNvPr>
+          <p:cNvGrpSpPr/>
+          <p:nvPr/>
+        </p:nvGrpSpPr>
+        <p:grpSpPr>
+          <a:xfrm>
+            <a:off x="2013083" y="1300741"/>
+            <a:ext cx="8165834" cy="3292721"/>
+            <a:chOff x="1942891" y="1300741"/>
+            <a:chExt cx="8165834" cy="3292721"/>
+          </a:xfrm>
+        </p:grpSpPr>
+        <p:pic>
+          <p:nvPicPr>
+            <p:cNvPr id="16" name="Picture 15" descr="Graphical user interface, chart&#10;&#10;Description automatically generated">
+              <a:extLst>
+                <a:ext uri="{FF2B5EF4-FFF2-40B4-BE49-F238E27FC236}">
+                  <a16:creationId xmlns:a16="http://schemas.microsoft.com/office/drawing/2014/main" id="{7B1F7604-17FE-C5F2-1BF1-3DD625B9B6FD}"/>
+                </a:ext>
+              </a:extLst>
+            </p:cNvPr>
+            <p:cNvPicPr>
+              <a:picLocks noChangeAspect="1"/>
+            </p:cNvPicPr>
+            <p:nvPr/>
+          </p:nvPicPr>
+          <p:blipFill>
+            <a:blip r:embed="rId3"/>
+            <a:stretch>
+              <a:fillRect/>
+            </a:stretch>
+          </p:blipFill>
+          <p:spPr>
+            <a:xfrm>
+              <a:off x="1965315" y="1593129"/>
+              <a:ext cx="3540560" cy="3000333"/>
+            </a:xfrm>
+            <a:prstGeom prst="rect">
+              <a:avLst/>
+            </a:prstGeom>
+          </p:spPr>
+        </p:pic>
+        <p:pic>
+          <p:nvPicPr>
+            <p:cNvPr id="18" name="Picture 17" descr="Graphical user interface, chart&#10;&#10;Description automatically generated">
+              <a:extLst>
+                <a:ext uri="{FF2B5EF4-FFF2-40B4-BE49-F238E27FC236}">
+                  <a16:creationId xmlns:a16="http://schemas.microsoft.com/office/drawing/2014/main" id="{17C4F1C9-E44E-3516-1FD3-6079739DFA6C}"/>
+                </a:ext>
+              </a:extLst>
+            </p:cNvPr>
+            <p:cNvPicPr>
+              <a:picLocks noChangeAspect="1"/>
+            </p:cNvPicPr>
+            <p:nvPr/>
+          </p:nvPicPr>
+          <p:blipFill>
+            <a:blip r:embed="rId4"/>
+            <a:stretch>
+              <a:fillRect/>
+            </a:stretch>
+          </p:blipFill>
+          <p:spPr>
+            <a:xfrm>
+              <a:off x="6556921" y="1593129"/>
+              <a:ext cx="3518199" cy="3000333"/>
+            </a:xfrm>
+            <a:prstGeom prst="rect">
+              <a:avLst/>
+            </a:prstGeom>
+          </p:spPr>
+        </p:pic>
+        <p:sp>
+          <p:nvSpPr>
+            <p:cNvPr id="19" name="TextBox 18">
+              <a:extLst>
+                <a:ext uri="{FF2B5EF4-FFF2-40B4-BE49-F238E27FC236}">
+                  <a16:creationId xmlns:a16="http://schemas.microsoft.com/office/drawing/2014/main" id="{F81E99F5-A4BC-C623-746F-B54F3AA70974}"/>
+                </a:ext>
+              </a:extLst>
+            </p:cNvPr>
+            <p:cNvSpPr txBox="1"/>
+            <p:nvPr/>
+          </p:nvSpPr>
+          <p:spPr>
+            <a:xfrm>
+              <a:off x="6523316" y="1300741"/>
+              <a:ext cx="3585409" cy="276999"/>
+            </a:xfrm>
+            <a:prstGeom prst="rect">
+              <a:avLst/>
+            </a:prstGeom>
+            <a:noFill/>
+          </p:spPr>
+          <p:txBody>
+            <a:bodyPr wrap="square" rtlCol="0">
+              <a:spAutoFit/>
+            </a:bodyPr>
+            <a:lstStyle/>
+            <a:p>
+              <a:pPr marL="0" marR="0" lvl="0" indent="0" algn="ctr" defTabSz="914400" rtl="0" eaLnBrk="1" fontAlgn="auto" latinLnBrk="0" hangingPunct="1">
+                <a:lnSpc>
+                  <a:spcPct val="100000"/>
+                </a:lnSpc>
+                <a:spcBef>
+                  <a:spcPts val="0"/>
+                </a:spcBef>
+                <a:spcAft>
+                  <a:spcPts val="0"/>
+                </a:spcAft>
+                <a:buClrTx/>
+                <a:buSzTx/>
+                <a:buFontTx/>
+                <a:buNone/>
+                <a:tabLst/>
+                <a:defRPr/>
+              </a:pPr>
+              <a:r>
+                <a:rPr kumimoji="0" lang="en-US" sz="1200" b="1" i="0" u="none" strike="noStrike" kern="1200" cap="none" spc="0" normalizeH="0" baseline="0" noProof="0" dirty="0">
+                  <a:ln>
+                    <a:noFill/>
+                  </a:ln>
+                  <a:solidFill>
+                    <a:prstClr val="black"/>
+                  </a:solidFill>
+                  <a:effectLst/>
+                  <a:uLnTx/>
+                  <a:uFillTx/>
+                  <a:ea typeface="+mn-ea"/>
+                  <a:cs typeface="+mn-cs"/>
+                </a:rPr>
+                <a:t>Critical Value for Random Allocation</a:t>
+              </a:r>
+            </a:p>
+          </p:txBody>
+        </p:sp>
+        <p:sp>
+          <p:nvSpPr>
+            <p:cNvPr id="20" name="TextBox 19">
+              <a:extLst>
+                <a:ext uri="{FF2B5EF4-FFF2-40B4-BE49-F238E27FC236}">
+                  <a16:creationId xmlns:a16="http://schemas.microsoft.com/office/drawing/2014/main" id="{DA57EDB5-D0F4-4BDD-9747-9236EEB81A4D}"/>
+                </a:ext>
+              </a:extLst>
+            </p:cNvPr>
+            <p:cNvSpPr txBox="1"/>
+            <p:nvPr/>
+          </p:nvSpPr>
+          <p:spPr>
+            <a:xfrm>
+              <a:off x="1942891" y="1300741"/>
+              <a:ext cx="3585409" cy="276999"/>
+            </a:xfrm>
+            <a:prstGeom prst="rect">
+              <a:avLst/>
+            </a:prstGeom>
+            <a:noFill/>
+          </p:spPr>
+          <p:txBody>
+            <a:bodyPr wrap="square" rtlCol="0">
+              <a:spAutoFit/>
+            </a:bodyPr>
+            <a:lstStyle/>
+            <a:p>
+              <a:pPr marL="0" marR="0" lvl="0" indent="0" algn="ctr" defTabSz="914400" rtl="0" eaLnBrk="1" fontAlgn="auto" latinLnBrk="0" hangingPunct="1">
+                <a:lnSpc>
+                  <a:spcPct val="100000"/>
+                </a:lnSpc>
+                <a:spcBef>
+                  <a:spcPts val="0"/>
+                </a:spcBef>
+                <a:spcAft>
+                  <a:spcPts val="0"/>
+                </a:spcAft>
+                <a:buClrTx/>
+                <a:buSzTx/>
+                <a:buFontTx/>
+                <a:buNone/>
+                <a:tabLst/>
+                <a:defRPr/>
+              </a:pPr>
+              <a:r>
+                <a:rPr kumimoji="0" lang="en-US" sz="1200" b="1" i="0" u="none" strike="noStrike" kern="1200" cap="none" spc="0" normalizeH="0" baseline="0" noProof="0" dirty="0">
+                  <a:ln>
+                    <a:noFill/>
+                  </a:ln>
+                  <a:solidFill>
+                    <a:prstClr val="black"/>
+                  </a:solidFill>
+                  <a:effectLst/>
+                  <a:uLnTx/>
+                  <a:uFillTx/>
+                  <a:ea typeface="+mn-ea"/>
+                  <a:cs typeface="+mn-cs"/>
+                </a:rPr>
+                <a:t>Critical Value for Regular Allocation</a:t>
+              </a:r>
+            </a:p>
+          </p:txBody>
+        </p:sp>
+      </p:grpSp>
+      <mc:AlternateContent xmlns:mc="http://schemas.openxmlformats.org/markup-compatibility/2006">
+        <mc:Choice xmlns:a14="http://schemas.microsoft.com/office/drawing/2010/main" Requires="a14">
+          <p:sp>
+            <p:nvSpPr>
+              <p:cNvPr id="21" name="Rectangle 20">
+                <a:extLst>
+                  <a:ext uri="{FF2B5EF4-FFF2-40B4-BE49-F238E27FC236}">
+                    <a16:creationId xmlns:a16="http://schemas.microsoft.com/office/drawing/2014/main" id="{04F13C09-615B-5CA3-7BA8-E9CB4E707FDD}"/>
+                  </a:ext>
+                </a:extLst>
+              </p:cNvPr>
+              <p:cNvSpPr/>
+              <p:nvPr/>
+            </p:nvSpPr>
+            <p:spPr>
+              <a:xfrm>
+                <a:off x="141765" y="6563004"/>
+                <a:ext cx="9966960" cy="246221"/>
+              </a:xfrm>
+              <a:prstGeom prst="rect">
+                <a:avLst/>
+              </a:prstGeom>
+              <a:ln>
+                <a:noFill/>
+              </a:ln>
+            </p:spPr>
+            <p:txBody>
+              <a:bodyPr wrap="square">
+                <a:spAutoFit/>
+              </a:bodyPr>
+              <a:lstStyle/>
+              <a:p>
+                <a:pPr>
+                  <a:spcAft>
+                    <a:spcPts val="300"/>
+                  </a:spcAft>
+                  <a:defRPr/>
+                </a:pPr>
+                <a:r>
+                  <a:rPr lang="en-US" sz="1000" b="0" dirty="0">
+                    <a:solidFill>
+                      <a:srgbClr val="000000"/>
+                    </a:solidFill>
+                    <a:ea typeface="Verdana" panose="020B0604030504040204" pitchFamily="34" charset="0"/>
+                    <a:cs typeface="Verdana" panose="020B0604030504040204" pitchFamily="34" charset="0"/>
+                  </a:rPr>
+                  <a:t>Note: </a:t>
+                </a:r>
+                <a14:m>
+                  <m:oMath xmlns:m="http://schemas.openxmlformats.org/officeDocument/2006/math">
+                    <m:sSub>
+                      <m:sSubPr>
+                        <m:ctrlPr>
+                          <a:rPr lang="en-US" sz="1000" b="0" i="1" smtClean="0">
+                            <a:solidFill>
+                              <a:srgbClr val="000000"/>
+                            </a:solidFill>
+                            <a:latin typeface="Cambria Math" panose="02040503050406030204" pitchFamily="18" charset="0"/>
+                            <a:ea typeface="Verdana" panose="020B0604030504040204" pitchFamily="34" charset="0"/>
+                            <a:cs typeface="Verdana" panose="020B0604030504040204" pitchFamily="34" charset="0"/>
+                          </a:rPr>
+                        </m:ctrlPr>
+                      </m:sSubPr>
+                      <m:e>
+                        <m:r>
+                          <a:rPr lang="en-US" sz="1000" b="0" i="1" smtClean="0">
+                            <a:solidFill>
+                              <a:srgbClr val="000000"/>
+                            </a:solidFill>
+                            <a:latin typeface="Cambria Math" panose="02040503050406030204" pitchFamily="18" charset="0"/>
+                            <a:ea typeface="Verdana" panose="020B0604030504040204" pitchFamily="34" charset="0"/>
+                            <a:cs typeface="Verdana" panose="020B0604030504040204" pitchFamily="34" charset="0"/>
+                          </a:rPr>
+                          <m:t>𝑃</m:t>
+                        </m:r>
+                      </m:e>
+                      <m:sub>
+                        <m:r>
+                          <a:rPr lang="en-US" sz="1000" b="0" i="1" smtClean="0">
+                            <a:solidFill>
+                              <a:srgbClr val="000000"/>
+                            </a:solidFill>
+                            <a:latin typeface="Cambria Math" panose="02040503050406030204" pitchFamily="18" charset="0"/>
+                            <a:ea typeface="Verdana" panose="020B0604030504040204" pitchFamily="34" charset="0"/>
+                            <a:cs typeface="Verdana" panose="020B0604030504040204" pitchFamily="34" charset="0"/>
+                          </a:rPr>
+                          <m:t>𝑐</m:t>
+                        </m:r>
+                      </m:sub>
+                    </m:sSub>
+                  </m:oMath>
+                </a14:m>
+                <a:r>
+                  <a:rPr lang="en-US" sz="1000" dirty="0">
+                    <a:solidFill>
+                      <a:srgbClr val="000000"/>
+                    </a:solidFill>
+                    <a:latin typeface="Open Sans"/>
+                    <a:ea typeface="Verdana" panose="020B0604030504040204" pitchFamily="34" charset="0"/>
+                    <a:cs typeface="Verdana" panose="020B0604030504040204" pitchFamily="34" charset="0"/>
+                  </a:rPr>
+                  <a:t> denotes the threshold below which the network collapses, k the number of nodes in each network, a and b the mean intra-degrees</a:t>
+                </a:r>
+              </a:p>
+            </p:txBody>
+          </p:sp>
+        </mc:Choice>
+        <mc:Fallback>
+          <p:sp>
+            <p:nvSpPr>
+              <p:cNvPr id="21" name="Rectangle 20">
+                <a:extLst>
+                  <a:ext uri="{FF2B5EF4-FFF2-40B4-BE49-F238E27FC236}">
+                    <a16:creationId xmlns:a16="http://schemas.microsoft.com/office/drawing/2014/main" id="{04F13C09-615B-5CA3-7BA8-E9CB4E707FDD}"/>
+                  </a:ext>
+                </a:extLst>
+              </p:cNvPr>
+              <p:cNvSpPr>
+                <a:spLocks noRot="1" noChangeAspect="1" noMove="1" noResize="1" noEditPoints="1" noAdjustHandles="1" noChangeArrowheads="1" noChangeShapeType="1" noTextEdit="1"/>
+              </p:cNvSpPr>
+              <p:nvPr/>
+            </p:nvSpPr>
+            <p:spPr>
+              <a:xfrm>
+                <a:off x="141765" y="6563004"/>
+                <a:ext cx="9966960" cy="246221"/>
+              </a:xfrm>
+              <a:prstGeom prst="rect">
+                <a:avLst/>
+              </a:prstGeom>
+              <a:blipFill>
+                <a:blip r:embed="rId5"/>
+                <a:stretch>
+                  <a:fillRect b="-9524"/>
+                </a:stretch>
+              </a:blipFill>
+              <a:ln>
+                <a:noFill/>
+              </a:ln>
+            </p:spPr>
+            <p:txBody>
+              <a:bodyPr/>
+              <a:lstStyle/>
+              <a:p>
+                <a:r>
+                  <a:rPr lang="en-US">
+                    <a:noFill/>
+                  </a:rPr>
+                  <a:t> </a:t>
+                </a:r>
+              </a:p>
+            </p:txBody>
+          </p:sp>
+        </mc:Fallback>
+      </mc:AlternateContent>
+      <p:sp>
+        <p:nvSpPr>
+          <p:cNvPr id="22" name="Rectangle 21">
+            <a:extLst>
+              <a:ext uri="{FF2B5EF4-FFF2-40B4-BE49-F238E27FC236}">
+                <a16:creationId xmlns:a16="http://schemas.microsoft.com/office/drawing/2014/main" id="{083327C3-77CE-064C-FD4C-9F94067940E8}"/>
+              </a:ext>
+            </a:extLst>
+          </p:cNvPr>
+          <p:cNvSpPr/>
+          <p:nvPr/>
+        </p:nvSpPr>
+        <p:spPr>
+          <a:xfrm>
+            <a:off x="1140704" y="5227074"/>
+            <a:ext cx="9966960" cy="677108"/>
+          </a:xfrm>
+          <a:prstGeom prst="rect">
+            <a:avLst/>
+          </a:prstGeom>
+          <a:ln>
+            <a:noFill/>
+          </a:ln>
+        </p:spPr>
+        <p:txBody>
+          <a:bodyPr wrap="square">
+            <a:spAutoFit/>
+          </a:bodyPr>
+          <a:lstStyle/>
+          <a:p>
+            <a:pPr marL="171450" indent="-171450">
+              <a:spcAft>
+                <a:spcPts val="300"/>
+              </a:spcAft>
+              <a:buFont typeface="Arial" panose="020B0604020202020204" pitchFamily="34" charset="0"/>
+              <a:buChar char="•"/>
+              <a:defRPr/>
+            </a:pPr>
+            <a:r>
+              <a:rPr lang="en-US" sz="1100" dirty="0">
+                <a:solidFill>
+                  <a:srgbClr val="000000"/>
+                </a:solidFill>
+                <a:latin typeface="Open Sans"/>
+                <a:ea typeface="Verdana" panose="020B0604030504040204" pitchFamily="34" charset="0"/>
+                <a:cs typeface="Verdana" panose="020B0604030504040204" pitchFamily="34" charset="0"/>
+              </a:rPr>
+              <a:t>As k increases, the robustness of the system increases for both regular and random allocation</a:t>
+            </a:r>
+          </a:p>
+          <a:p>
+            <a:pPr marL="171450" indent="-171450">
+              <a:spcAft>
+                <a:spcPts val="300"/>
+              </a:spcAft>
+              <a:buFont typeface="Arial" panose="020B0604020202020204" pitchFamily="34" charset="0"/>
+              <a:buChar char="•"/>
+              <a:defRPr/>
+            </a:pPr>
+            <a:r>
+              <a:rPr lang="en-US" sz="1100" dirty="0">
+                <a:solidFill>
+                  <a:srgbClr val="000000"/>
+                </a:solidFill>
+                <a:latin typeface="Open Sans"/>
+                <a:ea typeface="Verdana" panose="020B0604030504040204" pitchFamily="34" charset="0"/>
+                <a:cs typeface="Verdana" panose="020B0604030504040204" pitchFamily="34" charset="0"/>
+              </a:rPr>
+              <a:t>For random allocation, in some cases, the system collapses without attacking any node</a:t>
+            </a:r>
+          </a:p>
+          <a:p>
+            <a:pPr marL="171450" indent="-171450">
+              <a:spcAft>
+                <a:spcPts val="300"/>
+              </a:spcAft>
+              <a:buFont typeface="Arial" panose="020B0604020202020204" pitchFamily="34" charset="0"/>
+              <a:buChar char="•"/>
+              <a:defRPr/>
+            </a:pPr>
+            <a:r>
+              <a:rPr lang="en-US" sz="1100" dirty="0">
+                <a:solidFill>
+                  <a:srgbClr val="000000"/>
+                </a:solidFill>
+                <a:latin typeface="Open Sans"/>
+                <a:ea typeface="Verdana" panose="020B0604030504040204" pitchFamily="34" charset="0"/>
+                <a:cs typeface="Verdana" panose="020B0604030504040204" pitchFamily="34" charset="0"/>
+              </a:rPr>
+              <a:t>The results conclude that regular allocation (i.e., all nodes have same number of bi-directional inter-edges) is more robust than random allocation</a:t>
+            </a:r>
+          </a:p>
+        </p:txBody>
+      </p:sp>
     </p:spTree>
     <p:extLst>
       <p:ext uri="{BB962C8B-B14F-4D97-AF65-F5344CB8AC3E}">
@@ -9266,7 +9961,7 @@
           <a:p>
             <a:r>
               <a:rPr lang="en-US" dirty="0"/>
-              <a:t>Key and Results Findings</a:t>
+              <a:t>Key Results and Conclusion</a:t>
             </a:r>
           </a:p>
         </p:txBody>
@@ -9293,6 +9988,705 @@
                 </a:solidFill>
               </a:rPr>
               <a:t>Key points and impact</a:t>
+            </a:r>
+          </a:p>
+        </p:txBody>
+      </p:sp>
+      <p:pic>
+        <p:nvPicPr>
+          <p:cNvPr id="5" name="Picture 6" descr="Homepage - CMU - Carnegie Mellon University">
+            <a:extLst>
+              <a:ext uri="{FF2B5EF4-FFF2-40B4-BE49-F238E27FC236}">
+                <a16:creationId xmlns:a16="http://schemas.microsoft.com/office/drawing/2014/main" id="{A260E6B7-63BD-91D4-4F37-284CC376BD62}"/>
+              </a:ext>
+            </a:extLst>
+          </p:cNvPr>
+          <p:cNvPicPr>
+            <a:picLocks noChangeAspect="1" noChangeArrowheads="1"/>
+          </p:cNvPicPr>
+          <p:nvPr/>
+        </p:nvPicPr>
+        <p:blipFill>
+          <a:blip r:embed="rId2">
+            <a:extLst>
+              <a:ext uri="{28A0092B-C50C-407E-A947-70E740481C1C}">
+                <a14:useLocalDpi xmlns:a14="http://schemas.microsoft.com/office/drawing/2010/main" val="0"/>
+              </a:ext>
+            </a:extLst>
+          </a:blip>
+          <a:srcRect/>
+          <a:stretch>
+            <a:fillRect/>
+          </a:stretch>
+        </p:blipFill>
+        <p:spPr bwMode="auto">
+          <a:xfrm>
+            <a:off x="9524996" y="6526196"/>
+            <a:ext cx="2547257" cy="233830"/>
+          </a:xfrm>
+          <a:prstGeom prst="rect">
+            <a:avLst/>
+          </a:prstGeom>
+          <a:noFill/>
+          <a:extLst>
+            <a:ext uri="{909E8E84-426E-40DD-AFC4-6F175D3DCCD1}">
+              <a14:hiddenFill xmlns:a14="http://schemas.microsoft.com/office/drawing/2010/main">
+                <a:solidFill>
+                  <a:srgbClr val="FFFFFF"/>
+                </a:solidFill>
+              </a14:hiddenFill>
+            </a:ext>
+          </a:extLst>
+        </p:spPr>
+      </p:pic>
+      <p:pic>
+        <p:nvPicPr>
+          <p:cNvPr id="8" name="Picture 7" descr="Chart, line chart&#10;&#10;Description automatically generated">
+            <a:extLst>
+              <a:ext uri="{FF2B5EF4-FFF2-40B4-BE49-F238E27FC236}">
+                <a16:creationId xmlns:a16="http://schemas.microsoft.com/office/drawing/2014/main" id="{41925E46-586A-D6B9-2ED8-68FF3121ACF3}"/>
+              </a:ext>
+            </a:extLst>
+          </p:cNvPr>
+          <p:cNvPicPr>
+            <a:picLocks noChangeAspect="1"/>
+          </p:cNvPicPr>
+          <p:nvPr/>
+        </p:nvPicPr>
+        <p:blipFill rotWithShape="1">
+          <a:blip r:embed="rId3"/>
+          <a:srcRect r="51562"/>
+          <a:stretch/>
+        </p:blipFill>
+        <p:spPr>
+          <a:xfrm>
+            <a:off x="1925562" y="1577740"/>
+            <a:ext cx="3760449" cy="3016800"/>
+          </a:xfrm>
+          <a:prstGeom prst="rect">
+            <a:avLst/>
+          </a:prstGeom>
+        </p:spPr>
+      </p:pic>
+      <p:sp>
+        <p:nvSpPr>
+          <p:cNvPr id="9" name="Rectangle 8">
+            <a:extLst>
+              <a:ext uri="{FF2B5EF4-FFF2-40B4-BE49-F238E27FC236}">
+                <a16:creationId xmlns:a16="http://schemas.microsoft.com/office/drawing/2014/main" id="{2B9653E8-52F7-8D93-0711-37E72FCC3A10}"/>
+              </a:ext>
+            </a:extLst>
+          </p:cNvPr>
+          <p:cNvSpPr/>
+          <p:nvPr/>
+        </p:nvSpPr>
+        <p:spPr>
+          <a:xfrm>
+            <a:off x="914397" y="4724319"/>
+            <a:ext cx="97120" cy="457220"/>
+          </a:xfrm>
+          <a:prstGeom prst="rect">
+            <a:avLst/>
+          </a:prstGeom>
+          <a:solidFill>
+            <a:srgbClr val="FF0000"/>
+          </a:solidFill>
+          <a:ln>
+            <a:noFill/>
+          </a:ln>
+          <a:effectLst/>
+        </p:spPr>
+        <p:style>
+          <a:lnRef idx="2">
+            <a:schemeClr val="accent1"/>
+          </a:lnRef>
+          <a:fillRef idx="0">
+            <a:schemeClr val="accent1"/>
+          </a:fillRef>
+          <a:effectRef idx="1">
+            <a:schemeClr val="accent1"/>
+          </a:effectRef>
+          <a:fontRef idx="minor">
+            <a:schemeClr val="tx1"/>
+          </a:fontRef>
+        </p:style>
+        <p:txBody>
+          <a:bodyPr rtlCol="0" anchor="ctr"/>
+          <a:lstStyle/>
+          <a:p>
+            <a:pPr marL="0" marR="0" lvl="0" indent="0" algn="ctr" defTabSz="914400" rtl="0" eaLnBrk="1" fontAlgn="auto" latinLnBrk="0" hangingPunct="1">
+              <a:lnSpc>
+                <a:spcPct val="100000"/>
+              </a:lnSpc>
+              <a:spcBef>
+                <a:spcPts val="0"/>
+              </a:spcBef>
+              <a:spcAft>
+                <a:spcPts val="0"/>
+              </a:spcAft>
+              <a:buClrTx/>
+              <a:buSzTx/>
+              <a:buFontTx/>
+              <a:buNone/>
+              <a:tabLst/>
+              <a:defRPr/>
+            </a:pPr>
+            <a:endParaRPr kumimoji="0" lang="en-US" sz="1800" b="0" i="0" u="none" strike="noStrike" kern="1200" cap="none" spc="0" normalizeH="0" baseline="0" noProof="0">
+              <a:ln>
+                <a:noFill/>
+              </a:ln>
+              <a:solidFill>
+                <a:srgbClr val="000000"/>
+              </a:solidFill>
+              <a:effectLst/>
+              <a:uLnTx/>
+              <a:uFillTx/>
+              <a:latin typeface="Open Sans"/>
+              <a:ea typeface="黑体"/>
+              <a:cs typeface="+mn-cs"/>
+            </a:endParaRPr>
+          </a:p>
+        </p:txBody>
+      </p:sp>
+      <p:sp>
+        <p:nvSpPr>
+          <p:cNvPr id="10" name="Rectangle 9">
+            <a:extLst>
+              <a:ext uri="{FF2B5EF4-FFF2-40B4-BE49-F238E27FC236}">
+                <a16:creationId xmlns:a16="http://schemas.microsoft.com/office/drawing/2014/main" id="{490A8ECC-8A6F-EC0D-77F0-EF8306BFF55B}"/>
+              </a:ext>
+            </a:extLst>
+          </p:cNvPr>
+          <p:cNvSpPr/>
+          <p:nvPr/>
+        </p:nvSpPr>
+        <p:spPr>
+          <a:xfrm>
+            <a:off x="914397" y="4724319"/>
+            <a:ext cx="10559145" cy="1398723"/>
+          </a:xfrm>
+          <a:prstGeom prst="rect">
+            <a:avLst/>
+          </a:prstGeom>
+          <a:noFill/>
+          <a:ln w="3175">
+            <a:solidFill>
+              <a:schemeClr val="bg1">
+                <a:lumMod val="75000"/>
+              </a:schemeClr>
+            </a:solidFill>
+          </a:ln>
+          <a:effectLst/>
+        </p:spPr>
+        <p:style>
+          <a:lnRef idx="2">
+            <a:schemeClr val="accent1"/>
+          </a:lnRef>
+          <a:fillRef idx="0">
+            <a:schemeClr val="accent1"/>
+          </a:fillRef>
+          <a:effectRef idx="1">
+            <a:schemeClr val="accent1"/>
+          </a:effectRef>
+          <a:fontRef idx="minor">
+            <a:schemeClr val="tx1"/>
+          </a:fontRef>
+        </p:style>
+        <p:txBody>
+          <a:bodyPr rtlCol="0" anchor="ctr"/>
+          <a:lstStyle/>
+          <a:p>
+            <a:pPr marL="0" marR="0" lvl="0" indent="0" algn="ctr" defTabSz="914400" rtl="0" eaLnBrk="1" fontAlgn="auto" latinLnBrk="0" hangingPunct="1">
+              <a:lnSpc>
+                <a:spcPct val="100000"/>
+              </a:lnSpc>
+              <a:spcBef>
+                <a:spcPts val="0"/>
+              </a:spcBef>
+              <a:spcAft>
+                <a:spcPts val="0"/>
+              </a:spcAft>
+              <a:buClrTx/>
+              <a:buSzTx/>
+              <a:buFontTx/>
+              <a:buNone/>
+              <a:tabLst/>
+              <a:defRPr/>
+            </a:pPr>
+            <a:endParaRPr kumimoji="0" lang="en-US" sz="1800" b="0" i="0" u="none" strike="noStrike" kern="1200" cap="none" spc="0" normalizeH="0" baseline="0" noProof="0">
+              <a:ln>
+                <a:noFill/>
+              </a:ln>
+              <a:solidFill>
+                <a:srgbClr val="000000"/>
+              </a:solidFill>
+              <a:effectLst/>
+              <a:uLnTx/>
+              <a:uFillTx/>
+              <a:latin typeface="Open Sans"/>
+              <a:ea typeface="黑体"/>
+              <a:cs typeface="+mn-cs"/>
+            </a:endParaRPr>
+          </a:p>
+        </p:txBody>
+      </p:sp>
+      <p:sp>
+        <p:nvSpPr>
+          <p:cNvPr id="11" name="Rectangle 10">
+            <a:extLst>
+              <a:ext uri="{FF2B5EF4-FFF2-40B4-BE49-F238E27FC236}">
+                <a16:creationId xmlns:a16="http://schemas.microsoft.com/office/drawing/2014/main" id="{A7EB2E29-579A-29E9-F638-A2B8438FD177}"/>
+              </a:ext>
+            </a:extLst>
+          </p:cNvPr>
+          <p:cNvSpPr/>
+          <p:nvPr/>
+        </p:nvSpPr>
+        <p:spPr>
+          <a:xfrm>
+            <a:off x="1140704" y="4799551"/>
+            <a:ext cx="9966960" cy="307777"/>
+          </a:xfrm>
+          <a:prstGeom prst="rect">
+            <a:avLst/>
+          </a:prstGeom>
+          <a:ln>
+            <a:noFill/>
+          </a:ln>
+        </p:spPr>
+        <p:txBody>
+          <a:bodyPr wrap="square">
+            <a:spAutoFit/>
+          </a:bodyPr>
+          <a:lstStyle/>
+          <a:p>
+            <a:pPr marL="0" marR="0" lvl="0" indent="0" algn="l" defTabSz="914400" rtl="0" eaLnBrk="1" fontAlgn="auto" latinLnBrk="0" hangingPunct="1">
+              <a:lnSpc>
+                <a:spcPct val="100000"/>
+              </a:lnSpc>
+              <a:spcBef>
+                <a:spcPts val="0"/>
+              </a:spcBef>
+              <a:spcAft>
+                <a:spcPts val="300"/>
+              </a:spcAft>
+              <a:buClrTx/>
+              <a:buSzTx/>
+              <a:buFontTx/>
+              <a:buNone/>
+              <a:tabLst/>
+              <a:defRPr/>
+            </a:pPr>
+            <a:r>
+              <a:rPr lang="en-US" sz="1400" b="1" dirty="0">
+                <a:solidFill>
+                  <a:srgbClr val="000000"/>
+                </a:solidFill>
+                <a:latin typeface="Open Sans"/>
+                <a:ea typeface="Verdana" panose="020B0604030504040204" pitchFamily="34" charset="0"/>
+                <a:cs typeface="Verdana" panose="020B0604030504040204" pitchFamily="34" charset="0"/>
+              </a:rPr>
+              <a:t>Key Findings and Impact</a:t>
+            </a:r>
+            <a:endParaRPr kumimoji="0" lang="en-US" sz="1400" b="1" i="0" u="none" strike="noStrike" kern="1200" cap="none" spc="0" normalizeH="0" baseline="0" noProof="0" dirty="0">
+              <a:ln>
+                <a:noFill/>
+              </a:ln>
+              <a:solidFill>
+                <a:srgbClr val="000000"/>
+              </a:solidFill>
+              <a:effectLst/>
+              <a:uLnTx/>
+              <a:uFillTx/>
+              <a:latin typeface="Open Sans"/>
+              <a:ea typeface="Verdana" panose="020B0604030504040204" pitchFamily="34" charset="0"/>
+              <a:cs typeface="Verdana" panose="020B0604030504040204" pitchFamily="34" charset="0"/>
+            </a:endParaRPr>
+          </a:p>
+        </p:txBody>
+      </p:sp>
+      <p:sp>
+        <p:nvSpPr>
+          <p:cNvPr id="12" name="Rectangle 11">
+            <a:extLst>
+              <a:ext uri="{FF2B5EF4-FFF2-40B4-BE49-F238E27FC236}">
+                <a16:creationId xmlns:a16="http://schemas.microsoft.com/office/drawing/2014/main" id="{C4ED2853-476E-0BD1-B7C3-A81D6961E4B1}"/>
+              </a:ext>
+            </a:extLst>
+          </p:cNvPr>
+          <p:cNvSpPr/>
+          <p:nvPr/>
+        </p:nvSpPr>
+        <p:spPr>
+          <a:xfrm>
+            <a:off x="141765" y="6563004"/>
+            <a:ext cx="9966960" cy="246221"/>
+          </a:xfrm>
+          <a:prstGeom prst="rect">
+            <a:avLst/>
+          </a:prstGeom>
+          <a:ln>
+            <a:noFill/>
+          </a:ln>
+        </p:spPr>
+        <p:txBody>
+          <a:bodyPr wrap="square">
+            <a:spAutoFit/>
+          </a:bodyPr>
+          <a:lstStyle/>
+          <a:p>
+            <a:pPr>
+              <a:spcAft>
+                <a:spcPts val="300"/>
+              </a:spcAft>
+              <a:defRPr/>
+            </a:pPr>
+            <a:r>
+              <a:rPr lang="en-US" sz="1000" b="0" dirty="0">
+                <a:solidFill>
+                  <a:srgbClr val="000000"/>
+                </a:solidFill>
+                <a:ea typeface="Verdana" panose="020B0604030504040204" pitchFamily="34" charset="0"/>
+                <a:cs typeface="Verdana" panose="020B0604030504040204" pitchFamily="34" charset="0"/>
+              </a:rPr>
+              <a:t>Note: System 1 denotes the bi-directional inter-edge regular allocation strategy, and system 3 denotes unidirectional inter-edge regular allocation strategy</a:t>
+            </a:r>
+            <a:endParaRPr lang="en-US" sz="1000" dirty="0">
+              <a:solidFill>
+                <a:srgbClr val="000000"/>
+              </a:solidFill>
+              <a:latin typeface="Open Sans"/>
+              <a:ea typeface="Verdana" panose="020B0604030504040204" pitchFamily="34" charset="0"/>
+              <a:cs typeface="Verdana" panose="020B0604030504040204" pitchFamily="34" charset="0"/>
+            </a:endParaRPr>
+          </a:p>
+        </p:txBody>
+      </p:sp>
+      <p:sp>
+        <p:nvSpPr>
+          <p:cNvPr id="13" name="Rectangle 12">
+            <a:extLst>
+              <a:ext uri="{FF2B5EF4-FFF2-40B4-BE49-F238E27FC236}">
+                <a16:creationId xmlns:a16="http://schemas.microsoft.com/office/drawing/2014/main" id="{9C0F7A67-DED6-2E38-6B76-828DEA560842}"/>
+              </a:ext>
+            </a:extLst>
+          </p:cNvPr>
+          <p:cNvSpPr/>
+          <p:nvPr/>
+        </p:nvSpPr>
+        <p:spPr>
+          <a:xfrm>
+            <a:off x="1140704" y="5227074"/>
+            <a:ext cx="9966960" cy="677108"/>
+          </a:xfrm>
+          <a:prstGeom prst="rect">
+            <a:avLst/>
+          </a:prstGeom>
+          <a:ln>
+            <a:noFill/>
+          </a:ln>
+        </p:spPr>
+        <p:txBody>
+          <a:bodyPr wrap="square">
+            <a:spAutoFit/>
+          </a:bodyPr>
+          <a:lstStyle/>
+          <a:p>
+            <a:pPr marL="171450" indent="-171450">
+              <a:spcAft>
+                <a:spcPts val="300"/>
+              </a:spcAft>
+              <a:buFont typeface="Arial" panose="020B0604020202020204" pitchFamily="34" charset="0"/>
+              <a:buChar char="•"/>
+              <a:defRPr/>
+            </a:pPr>
+            <a:r>
+              <a:rPr lang="en-US" sz="1100" dirty="0">
+                <a:solidFill>
+                  <a:srgbClr val="000000"/>
+                </a:solidFill>
+                <a:latin typeface="Open Sans"/>
+                <a:ea typeface="Verdana" panose="020B0604030504040204" pitchFamily="34" charset="0"/>
+                <a:cs typeface="Verdana" panose="020B0604030504040204" pitchFamily="34" charset="0"/>
+              </a:rPr>
+              <a:t>Holding the value of k constant, bi-directional inter-edge yields higher robustness</a:t>
+            </a:r>
+          </a:p>
+          <a:p>
+            <a:pPr marL="171450" indent="-171450">
+              <a:spcAft>
+                <a:spcPts val="300"/>
+              </a:spcAft>
+              <a:buFont typeface="Arial" panose="020B0604020202020204" pitchFamily="34" charset="0"/>
+              <a:buChar char="•"/>
+              <a:defRPr/>
+            </a:pPr>
+            <a:r>
+              <a:rPr lang="en-US" sz="1100" dirty="0">
+                <a:solidFill>
+                  <a:srgbClr val="000000"/>
+                </a:solidFill>
+                <a:latin typeface="Open Sans"/>
+                <a:ea typeface="Verdana" panose="020B0604030504040204" pitchFamily="34" charset="0"/>
+                <a:cs typeface="Verdana" panose="020B0604030504040204" pitchFamily="34" charset="0"/>
+              </a:rPr>
+              <a:t>Holding the values of a and b constant, bi-directional inter-edge yields higher robustness</a:t>
+            </a:r>
+          </a:p>
+          <a:p>
+            <a:pPr marL="171450" indent="-171450">
+              <a:spcAft>
+                <a:spcPts val="300"/>
+              </a:spcAft>
+              <a:buFont typeface="Arial" panose="020B0604020202020204" pitchFamily="34" charset="0"/>
+              <a:buChar char="•"/>
+              <a:defRPr/>
+            </a:pPr>
+            <a:r>
+              <a:rPr lang="en-US" sz="1100" dirty="0">
+                <a:solidFill>
+                  <a:srgbClr val="000000"/>
+                </a:solidFill>
+                <a:latin typeface="Open Sans"/>
+                <a:ea typeface="Verdana" panose="020B0604030504040204" pitchFamily="34" charset="0"/>
+                <a:cs typeface="Verdana" panose="020B0604030504040204" pitchFamily="34" charset="0"/>
+              </a:rPr>
+              <a:t>The result concludes that regular allocation with bi-directional inter-edge is more robust than regular allocation with unidirectional inter-edge</a:t>
+            </a:r>
+          </a:p>
+        </p:txBody>
+      </p:sp>
+      <p:sp>
+        <p:nvSpPr>
+          <p:cNvPr id="19" name="TextBox 18">
+            <a:extLst>
+              <a:ext uri="{FF2B5EF4-FFF2-40B4-BE49-F238E27FC236}">
+                <a16:creationId xmlns:a16="http://schemas.microsoft.com/office/drawing/2014/main" id="{DEE71B6B-93A8-28CD-E3FF-BC743B77D883}"/>
+              </a:ext>
+            </a:extLst>
+          </p:cNvPr>
+          <p:cNvSpPr txBox="1"/>
+          <p:nvPr/>
+        </p:nvSpPr>
+        <p:spPr>
+          <a:xfrm>
+            <a:off x="6593508" y="1300741"/>
+            <a:ext cx="3585409" cy="276999"/>
+          </a:xfrm>
+          <a:prstGeom prst="rect">
+            <a:avLst/>
+          </a:prstGeom>
+          <a:noFill/>
+        </p:spPr>
+        <p:txBody>
+          <a:bodyPr wrap="square" rtlCol="0">
+            <a:spAutoFit/>
+          </a:bodyPr>
+          <a:lstStyle/>
+          <a:p>
+            <a:pPr marL="0" marR="0" lvl="0" indent="0" algn="ctr" defTabSz="914400" rtl="0" eaLnBrk="1" fontAlgn="auto" latinLnBrk="0" hangingPunct="1">
+              <a:lnSpc>
+                <a:spcPct val="100000"/>
+              </a:lnSpc>
+              <a:spcBef>
+                <a:spcPts val="0"/>
+              </a:spcBef>
+              <a:spcAft>
+                <a:spcPts val="0"/>
+              </a:spcAft>
+              <a:buClrTx/>
+              <a:buSzTx/>
+              <a:buFontTx/>
+              <a:buNone/>
+              <a:tabLst/>
+              <a:defRPr/>
+            </a:pPr>
+            <a:r>
+              <a:rPr kumimoji="0" lang="en-US" sz="1200" b="1" i="0" u="none" strike="noStrike" kern="1200" cap="none" spc="0" normalizeH="0" baseline="0" noProof="0" dirty="0">
+                <a:ln>
+                  <a:noFill/>
+                </a:ln>
+                <a:solidFill>
+                  <a:prstClr val="black"/>
+                </a:solidFill>
+                <a:effectLst/>
+                <a:uLnTx/>
+                <a:uFillTx/>
+                <a:ea typeface="+mn-ea"/>
+                <a:cs typeface="+mn-cs"/>
+              </a:rPr>
+              <a:t>Critical Value for Same a, b Value</a:t>
+            </a:r>
+          </a:p>
+        </p:txBody>
+      </p:sp>
+      <p:sp>
+        <p:nvSpPr>
+          <p:cNvPr id="20" name="TextBox 19">
+            <a:extLst>
+              <a:ext uri="{FF2B5EF4-FFF2-40B4-BE49-F238E27FC236}">
+                <a16:creationId xmlns:a16="http://schemas.microsoft.com/office/drawing/2014/main" id="{ECFE7249-580A-CE8C-5985-88530EF3C456}"/>
+              </a:ext>
+            </a:extLst>
+          </p:cNvPr>
+          <p:cNvSpPr txBox="1"/>
+          <p:nvPr/>
+        </p:nvSpPr>
+        <p:spPr>
+          <a:xfrm>
+            <a:off x="2013083" y="1300741"/>
+            <a:ext cx="3585409" cy="276999"/>
+          </a:xfrm>
+          <a:prstGeom prst="rect">
+            <a:avLst/>
+          </a:prstGeom>
+          <a:noFill/>
+        </p:spPr>
+        <p:txBody>
+          <a:bodyPr wrap="square" rtlCol="0">
+            <a:spAutoFit/>
+          </a:bodyPr>
+          <a:lstStyle/>
+          <a:p>
+            <a:pPr marL="0" marR="0" lvl="0" indent="0" algn="ctr" defTabSz="914400" rtl="0" eaLnBrk="1" fontAlgn="auto" latinLnBrk="0" hangingPunct="1">
+              <a:lnSpc>
+                <a:spcPct val="100000"/>
+              </a:lnSpc>
+              <a:spcBef>
+                <a:spcPts val="0"/>
+              </a:spcBef>
+              <a:spcAft>
+                <a:spcPts val="0"/>
+              </a:spcAft>
+              <a:buClrTx/>
+              <a:buSzTx/>
+              <a:buFontTx/>
+              <a:buNone/>
+              <a:tabLst/>
+              <a:defRPr/>
+            </a:pPr>
+            <a:r>
+              <a:rPr kumimoji="0" lang="en-US" sz="1200" b="1" i="0" u="none" strike="noStrike" kern="1200" cap="none" spc="0" normalizeH="0" baseline="0" noProof="0" dirty="0">
+                <a:ln>
+                  <a:noFill/>
+                </a:ln>
+                <a:solidFill>
+                  <a:prstClr val="black"/>
+                </a:solidFill>
+                <a:effectLst/>
+                <a:uLnTx/>
+                <a:uFillTx/>
+                <a:ea typeface="+mn-ea"/>
+                <a:cs typeface="+mn-cs"/>
+              </a:rPr>
+              <a:t>Critical Value for Same k Value</a:t>
+            </a:r>
+          </a:p>
+        </p:txBody>
+      </p:sp>
+      <p:pic>
+        <p:nvPicPr>
+          <p:cNvPr id="21" name="Picture 20" descr="Chart, line chart&#10;&#10;Description automatically generated">
+            <a:extLst>
+              <a:ext uri="{FF2B5EF4-FFF2-40B4-BE49-F238E27FC236}">
+                <a16:creationId xmlns:a16="http://schemas.microsoft.com/office/drawing/2014/main" id="{D08A677A-1CD4-92BC-8B22-543D4150C11A}"/>
+              </a:ext>
+            </a:extLst>
+          </p:cNvPr>
+          <p:cNvPicPr>
+            <a:picLocks noChangeAspect="1"/>
+          </p:cNvPicPr>
+          <p:nvPr/>
+        </p:nvPicPr>
+        <p:blipFill rotWithShape="1">
+          <a:blip r:embed="rId3"/>
+          <a:srcRect l="51562"/>
+          <a:stretch/>
+        </p:blipFill>
+        <p:spPr>
+          <a:xfrm>
+            <a:off x="6505987" y="1577740"/>
+            <a:ext cx="3760449" cy="3016800"/>
+          </a:xfrm>
+          <a:prstGeom prst="rect">
+            <a:avLst/>
+          </a:prstGeom>
+        </p:spPr>
+      </p:pic>
+    </p:spTree>
+    <p:extLst>
+      <p:ext uri="{BB962C8B-B14F-4D97-AF65-F5344CB8AC3E}">
+        <p14:creationId xmlns:p14="http://schemas.microsoft.com/office/powerpoint/2010/main" val="2159817221"/>
+      </p:ext>
+    </p:extLst>
+  </p:cSld>
+  <p:clrMapOvr>
+    <a:masterClrMapping/>
+  </p:clrMapOvr>
+</p:sld>
+</file>
+
+<file path=ppt/slides/slide7.xml><?xml version="1.0" encoding="utf-8"?>
+<p:sld xmlns:a="http://schemas.openxmlformats.org/drawingml/2006/main" xmlns:r="http://schemas.openxmlformats.org/officeDocument/2006/relationships" xmlns:p="http://schemas.openxmlformats.org/presentationml/2006/main">
+  <p:cSld>
+    <p:spTree>
+      <p:nvGrpSpPr>
+        <p:cNvPr id="1" name=""/>
+        <p:cNvGrpSpPr/>
+        <p:nvPr/>
+      </p:nvGrpSpPr>
+      <p:grpSpPr>
+        <a:xfrm>
+          <a:off x="0" y="0"/>
+          <a:ext cx="0" cy="0"/>
+          <a:chOff x="0" y="0"/>
+          <a:chExt cx="0" cy="0"/>
+        </a:xfrm>
+      </p:grpSpPr>
+      <p:sp>
+        <p:nvSpPr>
+          <p:cNvPr id="2" name="Title 1"/>
+          <p:cNvSpPr>
+            <a:spLocks noGrp="1"/>
+          </p:cNvSpPr>
+          <p:nvPr>
+            <p:ph type="title"/>
+          </p:nvPr>
+        </p:nvSpPr>
+        <p:spPr/>
+        <p:txBody>
+          <a:bodyPr/>
+          <a:lstStyle/>
+          <a:p>
+            <a:r>
+              <a:rPr lang="en-US" dirty="0"/>
+              <a:t>Strengths of the Paper</a:t>
+            </a:r>
+          </a:p>
+        </p:txBody>
+      </p:sp>
+      <p:sp>
+        <p:nvSpPr>
+          <p:cNvPr id="4" name="Text Placeholder 3"/>
+          <p:cNvSpPr>
+            <a:spLocks noGrp="1"/>
+          </p:cNvSpPr>
+          <p:nvPr>
+            <p:ph type="body" sz="quarter" idx="15"/>
+          </p:nvPr>
+        </p:nvSpPr>
+        <p:spPr/>
+        <p:txBody>
+          <a:bodyPr/>
+          <a:lstStyle/>
+          <a:p>
+            <a:r>
+              <a:rPr lang="en-US" dirty="0">
+                <a:solidFill>
+                  <a:srgbClr val="F0908D"/>
+                </a:solidFill>
+              </a:rPr>
+              <a:t>Strengths and weaknesses</a:t>
             </a:r>
           </a:p>
         </p:txBody>
@@ -9347,132 +10741,7 @@
     </p:spTree>
     <p:extLst>
       <p:ext uri="{BB962C8B-B14F-4D97-AF65-F5344CB8AC3E}">
-        <p14:creationId xmlns:p14="http://schemas.microsoft.com/office/powerpoint/2010/main" val="3538658443"/>
-      </p:ext>
-    </p:extLst>
-  </p:cSld>
-  <p:clrMapOvr>
-    <a:masterClrMapping/>
-  </p:clrMapOvr>
-</p:sld>
-</file>
-
-<file path=ppt/slides/slide7.xml><?xml version="1.0" encoding="utf-8"?>
-<p:sld xmlns:a="http://schemas.openxmlformats.org/drawingml/2006/main" xmlns:r="http://schemas.openxmlformats.org/officeDocument/2006/relationships" xmlns:p="http://schemas.openxmlformats.org/presentationml/2006/main">
-  <p:cSld>
-    <p:spTree>
-      <p:nvGrpSpPr>
-        <p:cNvPr id="1" name=""/>
-        <p:cNvGrpSpPr/>
-        <p:nvPr/>
-      </p:nvGrpSpPr>
-      <p:grpSpPr>
-        <a:xfrm>
-          <a:off x="0" y="0"/>
-          <a:ext cx="0" cy="0"/>
-          <a:chOff x="0" y="0"/>
-          <a:chExt cx="0" cy="0"/>
-        </a:xfrm>
-      </p:grpSpPr>
-      <p:sp>
-        <p:nvSpPr>
-          <p:cNvPr id="2" name="Title 1"/>
-          <p:cNvSpPr>
-            <a:spLocks noGrp="1"/>
-          </p:cNvSpPr>
-          <p:nvPr>
-            <p:ph type="title"/>
-          </p:nvPr>
-        </p:nvSpPr>
-        <p:spPr/>
-        <p:txBody>
-          <a:bodyPr/>
-          <a:lstStyle/>
-          <a:p>
-            <a:r>
-              <a:rPr lang="en-US" dirty="0"/>
-              <a:t>Strengths of the Paper</a:t>
-            </a:r>
-          </a:p>
-        </p:txBody>
-      </p:sp>
-      <p:sp>
-        <p:nvSpPr>
-          <p:cNvPr id="4" name="Text Placeholder 3"/>
-          <p:cNvSpPr>
-            <a:spLocks noGrp="1"/>
-          </p:cNvSpPr>
-          <p:nvPr>
-            <p:ph type="body" sz="quarter" idx="15"/>
-          </p:nvPr>
-        </p:nvSpPr>
-        <p:spPr/>
-        <p:txBody>
-          <a:bodyPr/>
-          <a:lstStyle/>
-          <a:p>
-            <a:r>
-              <a:rPr lang="en-US" dirty="0">
-                <a:solidFill>
-                  <a:srgbClr val="F0908D"/>
-                </a:solidFill>
-              </a:rPr>
-              <a:t>Strengths and weaknesses</a:t>
-            </a:r>
-          </a:p>
-        </p:txBody>
-      </p:sp>
-      <p:pic>
-        <p:nvPicPr>
-          <p:cNvPr id="5" name="Picture 6" descr="Homepage - CMU - Carnegie Mellon University">
-            <a:extLst>
-              <a:ext uri="{FF2B5EF4-FFF2-40B4-BE49-F238E27FC236}">
-                <a16:creationId xmlns:a16="http://schemas.microsoft.com/office/drawing/2014/main" id="{A260E6B7-63BD-91D4-4F37-284CC376BD62}"/>
-              </a:ext>
-            </a:extLst>
-          </p:cNvPr>
-          <p:cNvPicPr>
-            <a:picLocks noChangeAspect="1" noChangeArrowheads="1"/>
-          </p:cNvPicPr>
-          <p:nvPr/>
-        </p:nvPicPr>
-        <p:blipFill>
-          <a:blip r:embed="rId2">
-            <a:extLst>
-              <a:ext uri="{28A0092B-C50C-407E-A947-70E740481C1C}">
-                <a14:useLocalDpi xmlns:a14="http://schemas.microsoft.com/office/drawing/2010/main" val="0"/>
-              </a:ext>
-            </a:extLst>
-          </a:blip>
-          <a:srcRect/>
-          <a:stretch>
-            <a:fillRect/>
-          </a:stretch>
-        </p:blipFill>
-        <p:spPr bwMode="auto">
-          <a:xfrm>
-            <a:off x="9524996" y="6526196"/>
-            <a:ext cx="2547257" cy="233830"/>
-          </a:xfrm>
-          <a:prstGeom prst="rect">
-            <a:avLst/>
-          </a:prstGeom>
-          <a:noFill/>
-          <a:extLst>
-            <a:ext uri="{909E8E84-426E-40DD-AFC4-6F175D3DCCD1}">
-              <a14:hiddenFill xmlns:a14="http://schemas.microsoft.com/office/drawing/2010/main">
-                <a:solidFill>
-                  <a:srgbClr val="FFFFFF"/>
-                </a:solidFill>
-              </a14:hiddenFill>
-            </a:ext>
-          </a:extLst>
-        </p:spPr>
-      </p:pic>
-    </p:spTree>
-    <p:extLst>
-      <p:ext uri="{BB962C8B-B14F-4D97-AF65-F5344CB8AC3E}">
-        <p14:creationId xmlns:p14="http://schemas.microsoft.com/office/powerpoint/2010/main" val="2159817221"/>
+        <p14:creationId xmlns:p14="http://schemas.microsoft.com/office/powerpoint/2010/main" val="320208216"/>
       </p:ext>
     </p:extLst>
   </p:cSld>

--- a/paper presentation/Paper Presentation_Group 8.pptx
+++ b/paper presentation/Paper Presentation_Group 8.pptx
@@ -205,7 +205,7 @@
           <a:p>
             <a:fld id="{82E487DC-0DC9-3349-94A5-123ECE7EB1D8}" type="datetimeFigureOut">
               <a:rPr lang="en-US" smtClean="0"/>
-              <a:t>11/7/22</a:t>
+              <a:t>11/8/22</a:t>
             </a:fld>
             <a:endParaRPr lang="en-US"/>
           </a:p>
@@ -472,6 +472,177 @@
 </p:notesMaster>
 </file>
 
+<file path=ppt/notesSlides/notesSlide1.xml><?xml version="1.0" encoding="utf-8"?>
+<p:notes xmlns:a="http://schemas.openxmlformats.org/drawingml/2006/main" xmlns:r="http://schemas.openxmlformats.org/officeDocument/2006/relationships" xmlns:p="http://schemas.openxmlformats.org/presentationml/2006/main">
+  <p:cSld>
+    <p:spTree>
+      <p:nvGrpSpPr>
+        <p:cNvPr id="1" name=""/>
+        <p:cNvGrpSpPr/>
+        <p:nvPr/>
+      </p:nvGrpSpPr>
+      <p:grpSpPr>
+        <a:xfrm>
+          <a:off x="0" y="0"/>
+          <a:ext cx="0" cy="0"/>
+          <a:chOff x="0" y="0"/>
+          <a:chExt cx="0" cy="0"/>
+        </a:xfrm>
+      </p:grpSpPr>
+      <p:sp>
+        <p:nvSpPr>
+          <p:cNvPr id="2" name="Slide Image Placeholder 1"/>
+          <p:cNvSpPr>
+            <a:spLocks noGrp="1" noRot="1" noChangeAspect="1"/>
+          </p:cNvSpPr>
+          <p:nvPr>
+            <p:ph type="sldImg"/>
+          </p:nvPr>
+        </p:nvSpPr>
+        <p:spPr/>
+      </p:sp>
+      <p:sp>
+        <p:nvSpPr>
+          <p:cNvPr id="3" name="Notes Placeholder 2"/>
+          <p:cNvSpPr>
+            <a:spLocks noGrp="1"/>
+          </p:cNvSpPr>
+          <p:nvPr>
+            <p:ph type="body" idx="1"/>
+          </p:nvPr>
+        </p:nvSpPr>
+        <p:spPr/>
+        <p:txBody>
+          <a:bodyPr/>
+          <a:lstStyle/>
+          <a:p>
+            <a:endParaRPr lang="en-US" dirty="0"/>
+          </a:p>
+        </p:txBody>
+      </p:sp>
+      <p:sp>
+        <p:nvSpPr>
+          <p:cNvPr id="4" name="Slide Number Placeholder 3"/>
+          <p:cNvSpPr>
+            <a:spLocks noGrp="1"/>
+          </p:cNvSpPr>
+          <p:nvPr>
+            <p:ph type="sldNum" sz="quarter" idx="5"/>
+          </p:nvPr>
+        </p:nvSpPr>
+        <p:spPr/>
+        <p:txBody>
+          <a:bodyPr/>
+          <a:lstStyle/>
+          <a:p>
+            <a:fld id="{FDF1AAF2-9927-AE43-A5A1-58BF43D89C28}" type="slidenum">
+              <a:rPr lang="en-US" smtClean="0"/>
+              <a:t>7</a:t>
+            </a:fld>
+            <a:endParaRPr lang="en-US"/>
+          </a:p>
+        </p:txBody>
+      </p:sp>
+    </p:spTree>
+    <p:extLst>
+      <p:ext uri="{BB962C8B-B14F-4D97-AF65-F5344CB8AC3E}">
+        <p14:creationId xmlns:p14="http://schemas.microsoft.com/office/powerpoint/2010/main" val="2878750407"/>
+      </p:ext>
+    </p:extLst>
+  </p:cSld>
+  <p:clrMapOvr>
+    <a:masterClrMapping/>
+  </p:clrMapOvr>
+</p:notes>
+</file>
+
+<file path=ppt/notesSlides/notesSlide2.xml><?xml version="1.0" encoding="utf-8"?>
+<p:notes xmlns:a="http://schemas.openxmlformats.org/drawingml/2006/main" xmlns:r="http://schemas.openxmlformats.org/officeDocument/2006/relationships" xmlns:p="http://schemas.openxmlformats.org/presentationml/2006/main">
+  <p:cSld>
+    <p:spTree>
+      <p:nvGrpSpPr>
+        <p:cNvPr id="1" name=""/>
+        <p:cNvGrpSpPr/>
+        <p:nvPr/>
+      </p:nvGrpSpPr>
+      <p:grpSpPr>
+        <a:xfrm>
+          <a:off x="0" y="0"/>
+          <a:ext cx="0" cy="0"/>
+          <a:chOff x="0" y="0"/>
+          <a:chExt cx="0" cy="0"/>
+        </a:xfrm>
+      </p:grpSpPr>
+      <p:sp>
+        <p:nvSpPr>
+          <p:cNvPr id="2" name="Slide Image Placeholder 1"/>
+          <p:cNvSpPr>
+            <a:spLocks noGrp="1" noRot="1" noChangeAspect="1"/>
+          </p:cNvSpPr>
+          <p:nvPr>
+            <p:ph type="sldImg"/>
+          </p:nvPr>
+        </p:nvSpPr>
+        <p:spPr/>
+      </p:sp>
+      <p:sp>
+        <p:nvSpPr>
+          <p:cNvPr id="3" name="Notes Placeholder 2"/>
+          <p:cNvSpPr>
+            <a:spLocks noGrp="1"/>
+          </p:cNvSpPr>
+          <p:nvPr>
+            <p:ph type="body" idx="1"/>
+          </p:nvPr>
+        </p:nvSpPr>
+        <p:spPr/>
+        <p:txBody>
+          <a:bodyPr/>
+          <a:lstStyle/>
+          <a:p>
+            <a:r>
+              <a:rPr lang="en-US" dirty="0"/>
+              <a:t>The paper assumes that no topological information about the networks are known</a:t>
+            </a:r>
+          </a:p>
+        </p:txBody>
+      </p:sp>
+      <p:sp>
+        <p:nvSpPr>
+          <p:cNvPr id="4" name="Slide Number Placeholder 3"/>
+          <p:cNvSpPr>
+            <a:spLocks noGrp="1"/>
+          </p:cNvSpPr>
+          <p:nvPr>
+            <p:ph type="sldNum" sz="quarter" idx="5"/>
+          </p:nvPr>
+        </p:nvSpPr>
+        <p:spPr/>
+        <p:txBody>
+          <a:bodyPr/>
+          <a:lstStyle/>
+          <a:p>
+            <a:fld id="{FDF1AAF2-9927-AE43-A5A1-58BF43D89C28}" type="slidenum">
+              <a:rPr lang="en-US" smtClean="0"/>
+              <a:t>8</a:t>
+            </a:fld>
+            <a:endParaRPr lang="en-US"/>
+          </a:p>
+        </p:txBody>
+      </p:sp>
+    </p:spTree>
+    <p:extLst>
+      <p:ext uri="{BB962C8B-B14F-4D97-AF65-F5344CB8AC3E}">
+        <p14:creationId xmlns:p14="http://schemas.microsoft.com/office/powerpoint/2010/main" val="2845564884"/>
+      </p:ext>
+    </p:extLst>
+  </p:cSld>
+  <p:clrMapOvr>
+    <a:masterClrMapping/>
+  </p:clrMapOvr>
+</p:notes>
+</file>
+
 <file path=ppt/slideLayouts/slideLayout1.xml><?xml version="1.0" encoding="utf-8"?>
 <p:sldLayout xmlns:a="http://schemas.openxmlformats.org/drawingml/2006/main" xmlns:r="http://schemas.openxmlformats.org/officeDocument/2006/relationships" xmlns:p="http://schemas.openxmlformats.org/presentationml/2006/main" type="title" preserve="1">
   <p:cSld name="Title Slide">
@@ -619,7 +790,7 @@
           <a:p>
             <a:fld id="{7B59FE10-C4FB-8742-846E-57AF3B0C24E3}" type="datetimeFigureOut">
               <a:rPr lang="en-US" smtClean="0"/>
-              <a:t>11/7/22</a:t>
+              <a:t>11/8/22</a:t>
             </a:fld>
             <a:endParaRPr lang="en-US"/>
           </a:p>
@@ -817,7 +988,7 @@
           <a:p>
             <a:fld id="{7B59FE10-C4FB-8742-846E-57AF3B0C24E3}" type="datetimeFigureOut">
               <a:rPr lang="en-US" smtClean="0"/>
-              <a:t>11/7/22</a:t>
+              <a:t>11/8/22</a:t>
             </a:fld>
             <a:endParaRPr lang="en-US"/>
           </a:p>
@@ -1025,7 +1196,7 @@
           <a:p>
             <a:fld id="{7B59FE10-C4FB-8742-846E-57AF3B0C24E3}" type="datetimeFigureOut">
               <a:rPr lang="en-US" smtClean="0"/>
-              <a:t>11/7/22</a:t>
+              <a:t>11/8/22</a:t>
             </a:fld>
             <a:endParaRPr lang="en-US"/>
           </a:p>
@@ -1379,7 +1550,7 @@
           <a:p>
             <a:fld id="{7B59FE10-C4FB-8742-846E-57AF3B0C24E3}" type="datetimeFigureOut">
               <a:rPr lang="en-US" smtClean="0"/>
-              <a:t>11/7/22</a:t>
+              <a:t>11/8/22</a:t>
             </a:fld>
             <a:endParaRPr lang="en-US"/>
           </a:p>
@@ -1654,7 +1825,7 @@
           <a:p>
             <a:fld id="{7B59FE10-C4FB-8742-846E-57AF3B0C24E3}" type="datetimeFigureOut">
               <a:rPr lang="en-US" smtClean="0"/>
-              <a:t>11/7/22</a:t>
+              <a:t>11/8/22</a:t>
             </a:fld>
             <a:endParaRPr lang="en-US"/>
           </a:p>
@@ -1919,7 +2090,7 @@
           <a:p>
             <a:fld id="{7B59FE10-C4FB-8742-846E-57AF3B0C24E3}" type="datetimeFigureOut">
               <a:rPr lang="en-US" smtClean="0"/>
-              <a:t>11/7/22</a:t>
+              <a:t>11/8/22</a:t>
             </a:fld>
             <a:endParaRPr lang="en-US"/>
           </a:p>
@@ -2331,7 +2502,7 @@
           <a:p>
             <a:fld id="{7B59FE10-C4FB-8742-846E-57AF3B0C24E3}" type="datetimeFigureOut">
               <a:rPr lang="en-US" smtClean="0"/>
-              <a:t>11/7/22</a:t>
+              <a:t>11/8/22</a:t>
             </a:fld>
             <a:endParaRPr lang="en-US"/>
           </a:p>
@@ -2472,7 +2643,7 @@
           <a:p>
             <a:fld id="{7B59FE10-C4FB-8742-846E-57AF3B0C24E3}" type="datetimeFigureOut">
               <a:rPr lang="en-US" smtClean="0"/>
-              <a:t>11/7/22</a:t>
+              <a:t>11/8/22</a:t>
             </a:fld>
             <a:endParaRPr lang="en-US"/>
           </a:p>
@@ -2585,7 +2756,7 @@
           <a:p>
             <a:fld id="{7B59FE10-C4FB-8742-846E-57AF3B0C24E3}" type="datetimeFigureOut">
               <a:rPr lang="en-US" smtClean="0"/>
-              <a:t>11/7/22</a:t>
+              <a:t>11/8/22</a:t>
             </a:fld>
             <a:endParaRPr lang="en-US"/>
           </a:p>
@@ -2896,7 +3067,7 @@
           <a:p>
             <a:fld id="{7B59FE10-C4FB-8742-846E-57AF3B0C24E3}" type="datetimeFigureOut">
               <a:rPr lang="en-US" smtClean="0"/>
-              <a:t>11/7/22</a:t>
+              <a:t>11/8/22</a:t>
             </a:fld>
             <a:endParaRPr lang="en-US"/>
           </a:p>
@@ -3184,7 +3355,7 @@
           <a:p>
             <a:fld id="{7B59FE10-C4FB-8742-846E-57AF3B0C24E3}" type="datetimeFigureOut">
               <a:rPr lang="en-US" smtClean="0"/>
-              <a:t>11/7/22</a:t>
+              <a:t>11/8/22</a:t>
             </a:fld>
             <a:endParaRPr lang="en-US"/>
           </a:p>
@@ -3425,7 +3596,7 @@
           <a:p>
             <a:fld id="{7B59FE10-C4FB-8742-846E-57AF3B0C24E3}" type="datetimeFigureOut">
               <a:rPr lang="en-US" smtClean="0"/>
-              <a:t>11/7/22</a:t>
+              <a:t>11/8/22</a:t>
             </a:fld>
             <a:endParaRPr lang="en-US"/>
           </a:p>
@@ -3904,8 +4075,8 @@
         </p:nvSpPr>
         <p:spPr>
           <a:xfrm>
-            <a:off x="2177143" y="2521059"/>
-            <a:ext cx="7837714" cy="1815882"/>
+            <a:off x="1839686" y="2521059"/>
+            <a:ext cx="8512628" cy="1815882"/>
           </a:xfrm>
           <a:prstGeom prst="rect">
             <a:avLst/>
@@ -3923,7 +4094,7 @@
               <a:rPr lang="en-US" sz="3600" b="1" dirty="0">
                 <a:latin typeface=""/>
               </a:rPr>
-              <a:t>18755 – Paper Review Presentation</a:t>
+              <a:t>18-755 – Paper Review Presentation</a:t>
             </a:r>
           </a:p>
           <a:p>
@@ -5578,7 +5749,7 @@
             </a:ln>
             <a:extLst>
               <a:ext uri="{91240B29-F687-4f45-9708-019B960494DF}">
-                <a14:hiddenLine xmlns:a14="http://schemas.microsoft.com/office/drawing/2010/main" xmlns="" w="9525">
+                <a14:hiddenLine xmlns="" xmlns:a14="http://schemas.microsoft.com/office/drawing/2010/main" w="9525">
                   <a:solidFill>
                     <a:srgbClr val="000000"/>
                   </a:solidFill>
@@ -5710,7 +5881,7 @@
             </a:ln>
             <a:extLst>
               <a:ext uri="{91240B29-F687-4f45-9708-019B960494DF}">
-                <a14:hiddenLine xmlns:a14="http://schemas.microsoft.com/office/drawing/2010/main" xmlns="" w="9525">
+                <a14:hiddenLine xmlns="" xmlns:a14="http://schemas.microsoft.com/office/drawing/2010/main" w="9525">
                   <a:solidFill>
                     <a:srgbClr val="000000"/>
                   </a:solidFill>
@@ -5842,7 +6013,7 @@
             </a:ln>
             <a:extLst>
               <a:ext uri="{91240B29-F687-4f45-9708-019B960494DF}">
-                <a14:hiddenLine xmlns:a14="http://schemas.microsoft.com/office/drawing/2010/main" xmlns="" w="9525">
+                <a14:hiddenLine xmlns="" xmlns:a14="http://schemas.microsoft.com/office/drawing/2010/main" w="9525">
                   <a:solidFill>
                     <a:srgbClr val="000000"/>
                   </a:solidFill>
@@ -5974,7 +6145,7 @@
             </a:ln>
             <a:extLst>
               <a:ext uri="{91240B29-F687-4f45-9708-019B960494DF}">
-                <a14:hiddenLine xmlns:a14="http://schemas.microsoft.com/office/drawing/2010/main" xmlns="" w="9525">
+                <a14:hiddenLine xmlns="" xmlns:a14="http://schemas.microsoft.com/office/drawing/2010/main" w="9525">
                   <a:solidFill>
                     <a:srgbClr val="000000"/>
                   </a:solidFill>
@@ -6106,7 +6277,7 @@
             </a:ln>
             <a:extLst>
               <a:ext uri="{91240B29-F687-4f45-9708-019B960494DF}">
-                <a14:hiddenLine xmlns:a14="http://schemas.microsoft.com/office/drawing/2010/main" xmlns="" w="9525">
+                <a14:hiddenLine xmlns="" xmlns:a14="http://schemas.microsoft.com/office/drawing/2010/main" w="9525">
                   <a:solidFill>
                     <a:srgbClr val="000000"/>
                   </a:solidFill>
@@ -6238,7 +6409,7 @@
             </a:ln>
             <a:extLst>
               <a:ext uri="{91240B29-F687-4f45-9708-019B960494DF}">
-                <a14:hiddenLine xmlns:a14="http://schemas.microsoft.com/office/drawing/2010/main" xmlns="" w="9525">
+                <a14:hiddenLine xmlns="" xmlns:a14="http://schemas.microsoft.com/office/drawing/2010/main" w="9525">
                   <a:solidFill>
                     <a:srgbClr val="000000"/>
                   </a:solidFill>
@@ -6596,7 +6767,7 @@
             </a:ln>
             <a:extLst>
               <a:ext uri="{91240B29-F687-4f45-9708-019B960494DF}">
-                <a14:hiddenLine xmlns:a14="http://schemas.microsoft.com/office/drawing/2010/main" xmlns="" w="9525">
+                <a14:hiddenLine xmlns="" xmlns:a14="http://schemas.microsoft.com/office/drawing/2010/main" w="9525">
                   <a:solidFill>
                     <a:srgbClr val="000000"/>
                   </a:solidFill>
@@ -8481,7 +8652,7 @@
           </a:ln>
           <a:extLst>
             <a:ext uri="{91240B29-F687-4f45-9708-019B960494DF}">
-              <a14:hiddenLine xmlns:a14="http://schemas.microsoft.com/office/drawing/2010/main" xmlns="" w="9525">
+              <a14:hiddenLine xmlns="" xmlns:a14="http://schemas.microsoft.com/office/drawing/2010/main" w="9525">
                 <a:solidFill>
                   <a:srgbClr val="000000"/>
                 </a:solidFill>
@@ -8662,7 +8833,7 @@
             </a:ln>
             <a:extLst>
               <a:ext uri="{91240B29-F687-4f45-9708-019B960494DF}">
-                <a14:hiddenLine xmlns="" xmlns:a14="http://schemas.microsoft.com/office/drawing/2010/main" w="9525">
+                <a14:hiddenLine xmlns:a14="http://schemas.microsoft.com/office/drawing/2010/main" xmlns="" w="9525">
                   <a:solidFill>
                     <a:srgbClr val="000000"/>
                   </a:solidFill>
@@ -9041,7 +9212,7 @@
             </a:ln>
             <a:extLst>
               <a:ext uri="{91240B29-F687-4f45-9708-019B960494DF}">
-                <a14:hiddenLine xmlns="" xmlns:a14="http://schemas.microsoft.com/office/drawing/2010/main" w="9525">
+                <a14:hiddenLine xmlns:a14="http://schemas.microsoft.com/office/drawing/2010/main" xmlns="" w="9525">
                   <a:solidFill>
                     <a:srgbClr val="000000"/>
                   </a:solidFill>
@@ -9437,7 +9608,18 @@
                 <a:ea typeface="Verdana" panose="020B0604030504040204" pitchFamily="34" charset="0"/>
                 <a:cs typeface="Verdana" panose="020B0604030504040204" pitchFamily="34" charset="0"/>
               </a:rPr>
-              <a:t>Key Findings</a:t>
+              <a:t>Key Findings </a:t>
+            </a:r>
+            <a:r>
+              <a:rPr lang="en-US" sz="1400" b="1">
+                <a:solidFill>
+                  <a:srgbClr val="000000"/>
+                </a:solidFill>
+                <a:latin typeface="Open Sans"/>
+                <a:ea typeface="Verdana" panose="020B0604030504040204" pitchFamily="34" charset="0"/>
+                <a:cs typeface="Verdana" panose="020B0604030504040204" pitchFamily="34" charset="0"/>
+              </a:rPr>
+              <a:t>and Impact</a:t>
             </a:r>
             <a:endParaRPr kumimoji="0" lang="en-US" sz="1400" b="1" i="0" u="none" strike="noStrike" kern="1200" cap="none" spc="0" normalizeH="0" baseline="0" noProof="0" dirty="0">
               <a:ln>
@@ -9665,8 +9847,8 @@
           </p:txBody>
         </p:sp>
       </p:grpSp>
-      <mc:AlternateContent xmlns:mc="http://schemas.openxmlformats.org/markup-compatibility/2006">
-        <mc:Choice xmlns:a14="http://schemas.microsoft.com/office/drawing/2010/main" Requires="a14">
+      <mc:AlternateContent xmlns:mc="http://schemas.openxmlformats.org/markup-compatibility/2006" xmlns:a14="http://schemas.microsoft.com/office/drawing/2010/main">
+        <mc:Choice Requires="a14">
           <p:sp>
             <p:nvSpPr>
               <p:cNvPr id="21" name="Rectangle 20">
@@ -9772,7 +9954,7 @@
             </p:txBody>
           </p:sp>
         </mc:Choice>
-        <mc:Fallback>
+        <mc:Fallback xmlns="">
           <p:sp>
             <p:nvSpPr>
               <p:cNvPr id="21" name="Rectangle 20">
@@ -10706,7 +10888,7 @@
           <p:nvPr/>
         </p:nvPicPr>
         <p:blipFill>
-          <a:blip r:embed="rId2">
+          <a:blip r:embed="rId3">
             <a:extLst>
               <a:ext uri="{28A0092B-C50C-407E-A947-70E740481C1C}">
                 <a14:useLocalDpi xmlns:a14="http://schemas.microsoft.com/office/drawing/2010/main" val="0"/>
@@ -10738,6 +10920,635 @@
           </a:extLst>
         </p:spPr>
       </p:pic>
+      <p:pic>
+        <p:nvPicPr>
+          <p:cNvPr id="23" name="Picture 22" descr="Text, letter&#10;&#10;Description automatically generated">
+            <a:extLst>
+              <a:ext uri="{FF2B5EF4-FFF2-40B4-BE49-F238E27FC236}">
+                <a16:creationId xmlns:a16="http://schemas.microsoft.com/office/drawing/2014/main" id="{AA1F9F09-EA17-28CA-764F-5BC06025D3A7}"/>
+              </a:ext>
+            </a:extLst>
+          </p:cNvPr>
+          <p:cNvPicPr>
+            <a:picLocks noChangeAspect="1"/>
+          </p:cNvPicPr>
+          <p:nvPr/>
+        </p:nvPicPr>
+        <p:blipFill>
+          <a:blip r:embed="rId4"/>
+          <a:stretch>
+            <a:fillRect/>
+          </a:stretch>
+        </p:blipFill>
+        <p:spPr>
+          <a:xfrm>
+            <a:off x="6287562" y="2685909"/>
+            <a:ext cx="3524956" cy="1684929"/>
+          </a:xfrm>
+          <a:prstGeom prst="rect">
+            <a:avLst/>
+          </a:prstGeom>
+          <a:ln>
+            <a:solidFill>
+              <a:schemeClr val="bg1">
+                <a:lumMod val="75000"/>
+              </a:schemeClr>
+            </a:solidFill>
+          </a:ln>
+        </p:spPr>
+      </p:pic>
+      <p:sp>
+        <p:nvSpPr>
+          <p:cNvPr id="24" name="TextBox 23">
+            <a:extLst>
+              <a:ext uri="{FF2B5EF4-FFF2-40B4-BE49-F238E27FC236}">
+                <a16:creationId xmlns:a16="http://schemas.microsoft.com/office/drawing/2014/main" id="{C704FA0F-F5D1-AA24-6C1C-5155599477B9}"/>
+              </a:ext>
+            </a:extLst>
+          </p:cNvPr>
+          <p:cNvSpPr txBox="1">
+            <a:spLocks/>
+          </p:cNvSpPr>
+          <p:nvPr/>
+        </p:nvSpPr>
+        <p:spPr>
+          <a:xfrm>
+            <a:off x="1174046" y="4660688"/>
+            <a:ext cx="3612531" cy="1184940"/>
+          </a:xfrm>
+          <a:prstGeom prst="rect">
+            <a:avLst/>
+          </a:prstGeom>
+          <a:noFill/>
+        </p:spPr>
+        <p:txBody>
+          <a:bodyPr wrap="square" rtlCol="0">
+            <a:spAutoFit/>
+          </a:bodyPr>
+          <a:lstStyle/>
+          <a:p>
+            <a:pPr marL="184150" marR="0" lvl="0" indent="-171450" algn="l" defTabSz="914400" rtl="0" eaLnBrk="1" fontAlgn="auto" latinLnBrk="0" hangingPunct="1">
+              <a:lnSpc>
+                <a:spcPct val="100000"/>
+              </a:lnSpc>
+              <a:spcBef>
+                <a:spcPts val="600"/>
+              </a:spcBef>
+              <a:spcAft>
+                <a:spcPts val="0"/>
+              </a:spcAft>
+              <a:buClrTx/>
+              <a:buSzTx/>
+              <a:buFont typeface="Arial" panose="020B0604020202020204" pitchFamily="34" charset="0"/>
+              <a:buChar char="•"/>
+              <a:tabLst/>
+              <a:defRPr/>
+            </a:pPr>
+            <a:r>
+              <a:rPr kumimoji="0" lang="en-US" sz="1100" b="0" i="0" u="none" strike="noStrike" kern="1200" cap="none" spc="0" normalizeH="0" baseline="0" noProof="0" dirty="0">
+                <a:ln>
+                  <a:noFill/>
+                </a:ln>
+                <a:solidFill>
+                  <a:srgbClr val="000000"/>
+                </a:solidFill>
+                <a:effectLst/>
+                <a:uLnTx/>
+                <a:uFillTx/>
+                <a:latin typeface="Open Sans" panose="020B0606030504020204" pitchFamily="34" charset="0"/>
+                <a:ea typeface="Open Sans" panose="020B0606030504020204" pitchFamily="34" charset="0"/>
+                <a:cs typeface="Open Sans" panose="020B0606030504020204" pitchFamily="34" charset="0"/>
+              </a:rPr>
+              <a:t>Previous papers on similar topics use simulation to show the existence of critical threshold</a:t>
+            </a:r>
+          </a:p>
+          <a:p>
+            <a:pPr marL="184150" marR="0" lvl="0" indent="-171450" algn="l" defTabSz="914400" rtl="0" eaLnBrk="1" fontAlgn="auto" latinLnBrk="0" hangingPunct="1">
+              <a:lnSpc>
+                <a:spcPct val="100000"/>
+              </a:lnSpc>
+              <a:spcBef>
+                <a:spcPts val="600"/>
+              </a:spcBef>
+              <a:spcAft>
+                <a:spcPts val="0"/>
+              </a:spcAft>
+              <a:buClrTx/>
+              <a:buSzTx/>
+              <a:buFont typeface="Arial" panose="020B0604020202020204" pitchFamily="34" charset="0"/>
+              <a:buChar char="•"/>
+              <a:tabLst/>
+              <a:defRPr/>
+            </a:pPr>
+            <a:r>
+              <a:rPr kumimoji="0" lang="en-US" sz="1100" b="0" i="0" u="none" strike="noStrike" kern="1200" cap="none" spc="0" normalizeH="0" baseline="0" noProof="0" dirty="0">
+                <a:ln>
+                  <a:noFill/>
+                </a:ln>
+                <a:solidFill>
+                  <a:srgbClr val="000000"/>
+                </a:solidFill>
+                <a:effectLst/>
+                <a:uLnTx/>
+                <a:uFillTx/>
+                <a:latin typeface="Open Sans" panose="020B0606030504020204" pitchFamily="34" charset="0"/>
+                <a:ea typeface="Open Sans" panose="020B0606030504020204" pitchFamily="34" charset="0"/>
+                <a:cs typeface="Open Sans" panose="020B0606030504020204" pitchFamily="34" charset="0"/>
+              </a:rPr>
+              <a:t>This paper leverages the technique of generating function to determine the “equilibrium point,” which can be solved explicitly </a:t>
+            </a:r>
+            <a:r>
+              <a:rPr lang="en-US" sz="1100" dirty="0">
+                <a:solidFill>
+                  <a:srgbClr val="000000"/>
+                </a:solidFill>
+                <a:latin typeface="Open Sans" panose="020B0606030504020204" pitchFamily="34" charset="0"/>
+                <a:ea typeface="Open Sans" panose="020B0606030504020204" pitchFamily="34" charset="0"/>
+                <a:cs typeface="Open Sans" panose="020B0606030504020204" pitchFamily="34" charset="0"/>
+              </a:rPr>
+              <a:t>given the intra-structures of the networks</a:t>
+            </a:r>
+            <a:endParaRPr kumimoji="0" lang="en-US" sz="1100" b="1" i="0" u="none" strike="noStrike" kern="1200" cap="none" spc="0" normalizeH="0" baseline="0" noProof="0" dirty="0">
+              <a:ln>
+                <a:noFill/>
+              </a:ln>
+              <a:solidFill>
+                <a:srgbClr val="000000"/>
+              </a:solidFill>
+              <a:effectLst/>
+              <a:uLnTx/>
+              <a:uFillTx/>
+              <a:latin typeface="Open Sans" panose="020B0606030504020204" pitchFamily="34" charset="0"/>
+              <a:ea typeface="Open Sans" panose="020B0606030504020204" pitchFamily="34" charset="0"/>
+              <a:cs typeface="Open Sans" panose="020B0606030504020204" pitchFamily="34" charset="0"/>
+            </a:endParaRPr>
+          </a:p>
+        </p:txBody>
+      </p:sp>
+      <p:sp>
+        <p:nvSpPr>
+          <p:cNvPr id="25" name="TextBox 24">
+            <a:extLst>
+              <a:ext uri="{FF2B5EF4-FFF2-40B4-BE49-F238E27FC236}">
+                <a16:creationId xmlns:a16="http://schemas.microsoft.com/office/drawing/2014/main" id="{3BA5D611-61CE-A626-AE87-28760259C804}"/>
+              </a:ext>
+            </a:extLst>
+          </p:cNvPr>
+          <p:cNvSpPr txBox="1">
+            <a:spLocks/>
+          </p:cNvSpPr>
+          <p:nvPr/>
+        </p:nvSpPr>
+        <p:spPr>
+          <a:xfrm>
+            <a:off x="1174047" y="1921657"/>
+            <a:ext cx="3534384" cy="600164"/>
+          </a:xfrm>
+          <a:prstGeom prst="rect">
+            <a:avLst/>
+          </a:prstGeom>
+          <a:noFill/>
+        </p:spPr>
+        <p:txBody>
+          <a:bodyPr wrap="square" rtlCol="0">
+            <a:spAutoFit/>
+          </a:bodyPr>
+          <a:lstStyle/>
+          <a:p>
+            <a:pPr marL="0" marR="0" lvl="0" indent="0" algn="l" defTabSz="914400" rtl="0" eaLnBrk="1" fontAlgn="auto" latinLnBrk="0" hangingPunct="1">
+              <a:lnSpc>
+                <a:spcPct val="100000"/>
+              </a:lnSpc>
+              <a:spcBef>
+                <a:spcPts val="0"/>
+              </a:spcBef>
+              <a:spcAft>
+                <a:spcPts val="0"/>
+              </a:spcAft>
+              <a:buClrTx/>
+              <a:buSzTx/>
+              <a:buFontTx/>
+              <a:buNone/>
+              <a:tabLst/>
+              <a:defRPr/>
+            </a:pPr>
+            <a:r>
+              <a:rPr kumimoji="0" lang="en-US" sz="1100" b="1" i="0" u="none" strike="noStrike" kern="1200" cap="none" spc="0" normalizeH="0" baseline="0" noProof="0" dirty="0">
+                <a:ln>
+                  <a:noFill/>
+                </a:ln>
+                <a:solidFill>
+                  <a:prstClr val="black"/>
+                </a:solidFill>
+                <a:effectLst/>
+                <a:uLnTx/>
+                <a:uFillTx/>
+                <a:latin typeface="Open Sans" panose="020B0606030504020204" pitchFamily="34" charset="0"/>
+                <a:ea typeface="Open Sans" panose="020B0606030504020204" pitchFamily="34" charset="0"/>
+                <a:cs typeface="Open Sans" panose="020B0606030504020204" pitchFamily="34" charset="0"/>
+              </a:rPr>
+              <a:t>STRENGTH 1</a:t>
+            </a:r>
+          </a:p>
+          <a:p>
+            <a:pPr marL="0" marR="0" lvl="0" indent="0" algn="l" defTabSz="914400" rtl="0" eaLnBrk="1" fontAlgn="auto" latinLnBrk="0" hangingPunct="1">
+              <a:lnSpc>
+                <a:spcPct val="100000"/>
+              </a:lnSpc>
+              <a:spcBef>
+                <a:spcPts val="0"/>
+              </a:spcBef>
+              <a:spcAft>
+                <a:spcPts val="0"/>
+              </a:spcAft>
+              <a:buClrTx/>
+              <a:buSzTx/>
+              <a:buFontTx/>
+              <a:buNone/>
+              <a:tabLst/>
+              <a:defRPr/>
+            </a:pPr>
+            <a:endParaRPr kumimoji="0" lang="en-US" sz="1100" b="1" i="0" u="none" strike="noStrike" kern="1200" cap="none" spc="0" normalizeH="0" baseline="0" noProof="0" dirty="0">
+              <a:ln>
+                <a:noFill/>
+              </a:ln>
+              <a:solidFill>
+                <a:srgbClr val="000000"/>
+              </a:solidFill>
+              <a:effectLst/>
+              <a:uLnTx/>
+              <a:uFillTx/>
+              <a:latin typeface="Open Sans" panose="020B0606030504020204" pitchFamily="34" charset="0"/>
+              <a:ea typeface="Open Sans" panose="020B0606030504020204" pitchFamily="34" charset="0"/>
+              <a:cs typeface="Open Sans" panose="020B0606030504020204" pitchFamily="34" charset="0"/>
+            </a:endParaRPr>
+          </a:p>
+          <a:p>
+            <a:r>
+              <a:rPr lang="en-US" sz="1100" b="1" dirty="0">
+                <a:latin typeface="Open Sans" panose="020B0606030504020204" pitchFamily="34" charset="0"/>
+                <a:ea typeface="Open Sans" panose="020B0606030504020204" pitchFamily="34" charset="0"/>
+                <a:cs typeface="Open Sans" panose="020B0606030504020204" pitchFamily="34" charset="0"/>
+              </a:rPr>
+              <a:t>Explicit Derivation of the Critical Threshold</a:t>
+            </a:r>
+            <a:endParaRPr lang="en-US" sz="1100" dirty="0">
+              <a:latin typeface="Open Sans" panose="020B0606030504020204" pitchFamily="34" charset="0"/>
+              <a:ea typeface="Open Sans" panose="020B0606030504020204" pitchFamily="34" charset="0"/>
+              <a:cs typeface="Open Sans" panose="020B0606030504020204" pitchFamily="34" charset="0"/>
+            </a:endParaRPr>
+          </a:p>
+        </p:txBody>
+      </p:sp>
+      <p:cxnSp>
+        <p:nvCxnSpPr>
+          <p:cNvPr id="26" name="Straight Connector 25">
+            <a:extLst>
+              <a:ext uri="{FF2B5EF4-FFF2-40B4-BE49-F238E27FC236}">
+                <a16:creationId xmlns:a16="http://schemas.microsoft.com/office/drawing/2014/main" id="{CDF5A0C7-89BC-37E7-B0C1-8BBC934F2A88}"/>
+              </a:ext>
+            </a:extLst>
+          </p:cNvPr>
+          <p:cNvCxnSpPr>
+            <a:cxnSpLocks/>
+          </p:cNvCxnSpPr>
+          <p:nvPr/>
+        </p:nvCxnSpPr>
+        <p:spPr>
+          <a:xfrm>
+            <a:off x="1259747" y="2181499"/>
+            <a:ext cx="979376" cy="0"/>
+          </a:xfrm>
+          <a:prstGeom prst="line">
+            <a:avLst/>
+          </a:prstGeom>
+          <a:ln w="19050">
+            <a:solidFill>
+              <a:srgbClr val="FF0000"/>
+            </a:solidFill>
+          </a:ln>
+        </p:spPr>
+        <p:style>
+          <a:lnRef idx="1">
+            <a:schemeClr val="accent1"/>
+          </a:lnRef>
+          <a:fillRef idx="0">
+            <a:schemeClr val="accent1"/>
+          </a:fillRef>
+          <a:effectRef idx="0">
+            <a:schemeClr val="accent1"/>
+          </a:effectRef>
+          <a:fontRef idx="minor">
+            <a:schemeClr val="tx1"/>
+          </a:fontRef>
+        </p:style>
+      </p:cxnSp>
+      <p:pic>
+        <p:nvPicPr>
+          <p:cNvPr id="27" name="Picture 26" descr="Text, letter&#10;&#10;Description automatically generated">
+            <a:extLst>
+              <a:ext uri="{FF2B5EF4-FFF2-40B4-BE49-F238E27FC236}">
+                <a16:creationId xmlns:a16="http://schemas.microsoft.com/office/drawing/2014/main" id="{6931A5FD-A496-3C1C-A5EE-17709740954F}"/>
+              </a:ext>
+            </a:extLst>
+          </p:cNvPr>
+          <p:cNvPicPr>
+            <a:picLocks noChangeAspect="1"/>
+          </p:cNvPicPr>
+          <p:nvPr/>
+        </p:nvPicPr>
+        <p:blipFill>
+          <a:blip r:embed="rId5"/>
+          <a:stretch>
+            <a:fillRect/>
+          </a:stretch>
+        </p:blipFill>
+        <p:spPr>
+          <a:xfrm>
+            <a:off x="1259747" y="2768944"/>
+            <a:ext cx="3405594" cy="1182781"/>
+          </a:xfrm>
+          <a:prstGeom prst="rect">
+            <a:avLst/>
+          </a:prstGeom>
+          <a:ln>
+            <a:solidFill>
+              <a:schemeClr val="bg1">
+                <a:lumMod val="85000"/>
+              </a:schemeClr>
+            </a:solidFill>
+          </a:ln>
+        </p:spPr>
+      </p:pic>
+      <p:sp>
+        <p:nvSpPr>
+          <p:cNvPr id="34" name="TextBox 33">
+            <a:extLst>
+              <a:ext uri="{FF2B5EF4-FFF2-40B4-BE49-F238E27FC236}">
+                <a16:creationId xmlns:a16="http://schemas.microsoft.com/office/drawing/2014/main" id="{6DFF67F7-7CB1-8F70-5BA8-C09DC4AC3FBD}"/>
+              </a:ext>
+            </a:extLst>
+          </p:cNvPr>
+          <p:cNvSpPr txBox="1">
+            <a:spLocks/>
+          </p:cNvSpPr>
+          <p:nvPr/>
+        </p:nvSpPr>
+        <p:spPr>
+          <a:xfrm>
+            <a:off x="6096000" y="4660688"/>
+            <a:ext cx="3859658" cy="1015663"/>
+          </a:xfrm>
+          <a:prstGeom prst="rect">
+            <a:avLst/>
+          </a:prstGeom>
+          <a:noFill/>
+        </p:spPr>
+        <p:txBody>
+          <a:bodyPr wrap="square" rtlCol="0">
+            <a:spAutoFit/>
+          </a:bodyPr>
+          <a:lstStyle/>
+          <a:p>
+            <a:pPr marL="184150" marR="0" lvl="0" indent="-171450" algn="l" defTabSz="914400" rtl="0" eaLnBrk="1" fontAlgn="auto" latinLnBrk="0" hangingPunct="1">
+              <a:lnSpc>
+                <a:spcPct val="100000"/>
+              </a:lnSpc>
+              <a:spcBef>
+                <a:spcPts val="600"/>
+              </a:spcBef>
+              <a:spcAft>
+                <a:spcPts val="0"/>
+              </a:spcAft>
+              <a:buClrTx/>
+              <a:buSzTx/>
+              <a:buFont typeface="Arial" panose="020B0604020202020204" pitchFamily="34" charset="0"/>
+              <a:buChar char="•"/>
+              <a:tabLst/>
+              <a:defRPr/>
+            </a:pPr>
+            <a:r>
+              <a:rPr kumimoji="0" lang="en-US" sz="1100" b="0" i="0" u="none" strike="noStrike" kern="1200" cap="none" spc="0" normalizeH="0" baseline="0" noProof="0" dirty="0">
+                <a:ln>
+                  <a:noFill/>
+                </a:ln>
+                <a:solidFill>
+                  <a:srgbClr val="000000"/>
+                </a:solidFill>
+                <a:effectLst/>
+                <a:uLnTx/>
+                <a:uFillTx/>
+                <a:latin typeface="Open Sans" panose="020B0606030504020204" pitchFamily="34" charset="0"/>
+                <a:ea typeface="Open Sans" panose="020B0606030504020204" pitchFamily="34" charset="0"/>
+                <a:cs typeface="Open Sans" panose="020B0606030504020204" pitchFamily="34" charset="0"/>
+              </a:rPr>
+              <a:t>The relative robustness between regular and random allocation, and between bi-directional and unidirectional networks are mathematically proven</a:t>
+            </a:r>
+          </a:p>
+          <a:p>
+            <a:pPr marL="184150" marR="0" lvl="0" indent="-171450" algn="l" defTabSz="914400" rtl="0" eaLnBrk="1" fontAlgn="auto" latinLnBrk="0" hangingPunct="1">
+              <a:lnSpc>
+                <a:spcPct val="100000"/>
+              </a:lnSpc>
+              <a:spcBef>
+                <a:spcPts val="600"/>
+              </a:spcBef>
+              <a:spcAft>
+                <a:spcPts val="0"/>
+              </a:spcAft>
+              <a:buClrTx/>
+              <a:buSzTx/>
+              <a:buFont typeface="Arial" panose="020B0604020202020204" pitchFamily="34" charset="0"/>
+              <a:buChar char="•"/>
+              <a:tabLst/>
+              <a:defRPr/>
+            </a:pPr>
+            <a:r>
+              <a:rPr lang="en-US" sz="1100" dirty="0">
+                <a:solidFill>
+                  <a:srgbClr val="000000"/>
+                </a:solidFill>
+                <a:latin typeface="Open Sans" panose="020B0606030504020204" pitchFamily="34" charset="0"/>
+                <a:ea typeface="Open Sans" panose="020B0606030504020204" pitchFamily="34" charset="0"/>
+                <a:cs typeface="Open Sans" panose="020B0606030504020204" pitchFamily="34" charset="0"/>
+              </a:rPr>
+              <a:t>The results are generic and is applicable to other network scenario</a:t>
+            </a:r>
+            <a:endParaRPr kumimoji="0" lang="en-US" sz="1100" b="0" i="0" u="none" strike="noStrike" kern="1200" cap="none" spc="0" normalizeH="0" baseline="0" noProof="0" dirty="0">
+              <a:ln>
+                <a:noFill/>
+              </a:ln>
+              <a:solidFill>
+                <a:srgbClr val="000000"/>
+              </a:solidFill>
+              <a:effectLst/>
+              <a:uLnTx/>
+              <a:uFillTx/>
+              <a:latin typeface="Open Sans" panose="020B0606030504020204" pitchFamily="34" charset="0"/>
+              <a:ea typeface="Open Sans" panose="020B0606030504020204" pitchFamily="34" charset="0"/>
+              <a:cs typeface="Open Sans" panose="020B0606030504020204" pitchFamily="34" charset="0"/>
+            </a:endParaRPr>
+          </a:p>
+        </p:txBody>
+      </p:sp>
+      <p:sp>
+        <p:nvSpPr>
+          <p:cNvPr id="35" name="TextBox 34">
+            <a:extLst>
+              <a:ext uri="{FF2B5EF4-FFF2-40B4-BE49-F238E27FC236}">
+                <a16:creationId xmlns:a16="http://schemas.microsoft.com/office/drawing/2014/main" id="{89D6FFAE-A7AA-CCE4-48BD-7C25D8190C5D}"/>
+              </a:ext>
+            </a:extLst>
+          </p:cNvPr>
+          <p:cNvSpPr txBox="1">
+            <a:spLocks/>
+          </p:cNvSpPr>
+          <p:nvPr/>
+        </p:nvSpPr>
+        <p:spPr>
+          <a:xfrm>
+            <a:off x="6096001" y="1921657"/>
+            <a:ext cx="4639732" cy="600164"/>
+          </a:xfrm>
+          <a:prstGeom prst="rect">
+            <a:avLst/>
+          </a:prstGeom>
+          <a:noFill/>
+        </p:spPr>
+        <p:txBody>
+          <a:bodyPr wrap="square" rtlCol="0">
+            <a:spAutoFit/>
+          </a:bodyPr>
+          <a:lstStyle/>
+          <a:p>
+            <a:pPr marL="0" marR="0" lvl="0" indent="0" algn="l" defTabSz="914400" rtl="0" eaLnBrk="1" fontAlgn="auto" latinLnBrk="0" hangingPunct="1">
+              <a:lnSpc>
+                <a:spcPct val="100000"/>
+              </a:lnSpc>
+              <a:spcBef>
+                <a:spcPts val="0"/>
+              </a:spcBef>
+              <a:spcAft>
+                <a:spcPts val="0"/>
+              </a:spcAft>
+              <a:buClrTx/>
+              <a:buSzTx/>
+              <a:buFontTx/>
+              <a:buNone/>
+              <a:tabLst/>
+              <a:defRPr/>
+            </a:pPr>
+            <a:r>
+              <a:rPr kumimoji="0" lang="en-US" sz="1100" b="1" i="0" u="none" strike="noStrike" kern="1200" cap="none" spc="0" normalizeH="0" baseline="0" noProof="0" dirty="0">
+                <a:ln>
+                  <a:noFill/>
+                </a:ln>
+                <a:solidFill>
+                  <a:prstClr val="black"/>
+                </a:solidFill>
+                <a:effectLst/>
+                <a:uLnTx/>
+                <a:uFillTx/>
+                <a:latin typeface="Open Sans" panose="020B0606030504020204" pitchFamily="34" charset="0"/>
+                <a:ea typeface="Open Sans" panose="020B0606030504020204" pitchFamily="34" charset="0"/>
+                <a:cs typeface="Open Sans" panose="020B0606030504020204" pitchFamily="34" charset="0"/>
+              </a:rPr>
+              <a:t>STRENGTH 2</a:t>
+            </a:r>
+          </a:p>
+          <a:p>
+            <a:pPr marL="0" marR="0" lvl="0" indent="0" algn="l" defTabSz="914400" rtl="0" eaLnBrk="1" fontAlgn="auto" latinLnBrk="0" hangingPunct="1">
+              <a:lnSpc>
+                <a:spcPct val="100000"/>
+              </a:lnSpc>
+              <a:spcBef>
+                <a:spcPts val="0"/>
+              </a:spcBef>
+              <a:spcAft>
+                <a:spcPts val="0"/>
+              </a:spcAft>
+              <a:buClrTx/>
+              <a:buSzTx/>
+              <a:buFontTx/>
+              <a:buNone/>
+              <a:tabLst/>
+              <a:defRPr/>
+            </a:pPr>
+            <a:endParaRPr kumimoji="0" lang="en-US" sz="1100" b="1" i="0" u="none" strike="noStrike" kern="1200" cap="none" spc="0" normalizeH="0" baseline="0" noProof="0" dirty="0">
+              <a:ln>
+                <a:noFill/>
+              </a:ln>
+              <a:solidFill>
+                <a:srgbClr val="000000"/>
+              </a:solidFill>
+              <a:effectLst/>
+              <a:uLnTx/>
+              <a:uFillTx/>
+              <a:latin typeface="Open Sans" panose="020B0606030504020204" pitchFamily="34" charset="0"/>
+              <a:ea typeface="Open Sans" panose="020B0606030504020204" pitchFamily="34" charset="0"/>
+              <a:cs typeface="Open Sans" panose="020B0606030504020204" pitchFamily="34" charset="0"/>
+            </a:endParaRPr>
+          </a:p>
+          <a:p>
+            <a:r>
+              <a:rPr lang="en-US" sz="1100" b="1" dirty="0">
+                <a:latin typeface="Open Sans" panose="020B0606030504020204" pitchFamily="34" charset="0"/>
+                <a:ea typeface="Open Sans" panose="020B0606030504020204" pitchFamily="34" charset="0"/>
+                <a:cs typeface="Open Sans" panose="020B0606030504020204" pitchFamily="34" charset="0"/>
+              </a:rPr>
+              <a:t>Mathematical Proof of Relative Robustness of Networks</a:t>
+            </a:r>
+            <a:endParaRPr lang="en-US" sz="1100" dirty="0">
+              <a:latin typeface="Open Sans" panose="020B0606030504020204" pitchFamily="34" charset="0"/>
+              <a:ea typeface="Open Sans" panose="020B0606030504020204" pitchFamily="34" charset="0"/>
+              <a:cs typeface="Open Sans" panose="020B0606030504020204" pitchFamily="34" charset="0"/>
+            </a:endParaRPr>
+          </a:p>
+        </p:txBody>
+      </p:sp>
+      <p:cxnSp>
+        <p:nvCxnSpPr>
+          <p:cNvPr id="36" name="Straight Connector 35">
+            <a:extLst>
+              <a:ext uri="{FF2B5EF4-FFF2-40B4-BE49-F238E27FC236}">
+                <a16:creationId xmlns:a16="http://schemas.microsoft.com/office/drawing/2014/main" id="{FA6B7A9B-F05F-EBF4-B040-5183A9780659}"/>
+              </a:ext>
+            </a:extLst>
+          </p:cNvPr>
+          <p:cNvCxnSpPr>
+            <a:cxnSpLocks/>
+          </p:cNvCxnSpPr>
+          <p:nvPr/>
+        </p:nvCxnSpPr>
+        <p:spPr>
+          <a:xfrm>
+            <a:off x="6181701" y="2181499"/>
+            <a:ext cx="979376" cy="0"/>
+          </a:xfrm>
+          <a:prstGeom prst="line">
+            <a:avLst/>
+          </a:prstGeom>
+          <a:ln w="19050">
+            <a:solidFill>
+              <a:srgbClr val="FF0000"/>
+            </a:solidFill>
+          </a:ln>
+        </p:spPr>
+        <p:style>
+          <a:lnRef idx="1">
+            <a:schemeClr val="accent1"/>
+          </a:lnRef>
+          <a:fillRef idx="0">
+            <a:schemeClr val="accent1"/>
+          </a:fillRef>
+          <a:effectRef idx="0">
+            <a:schemeClr val="accent1"/>
+          </a:effectRef>
+          <a:fontRef idx="minor">
+            <a:schemeClr val="tx1"/>
+          </a:fontRef>
+        </p:style>
+      </p:cxnSp>
     </p:spTree>
     <p:extLst>
       <p:ext uri="{BB962C8B-B14F-4D97-AF65-F5344CB8AC3E}">
@@ -10778,14 +11589,19 @@
             <p:ph type="title"/>
           </p:nvPr>
         </p:nvSpPr>
-        <p:spPr/>
+        <p:spPr>
+          <a:xfrm>
+            <a:off x="914400" y="514074"/>
+            <a:ext cx="10363200" cy="594360"/>
+          </a:xfrm>
+        </p:spPr>
         <p:txBody>
           <a:bodyPr/>
           <a:lstStyle/>
           <a:p>
             <a:r>
               <a:rPr lang="en-US" dirty="0"/>
-              <a:t>Weaknesses of the Paper</a:t>
+              <a:t>Weaknesses and Future Directions</a:t>
             </a:r>
           </a:p>
         </p:txBody>
@@ -10831,7 +11647,7 @@
           <p:nvPr/>
         </p:nvPicPr>
         <p:blipFill>
-          <a:blip r:embed="rId2">
+          <a:blip r:embed="rId3">
             <a:extLst>
               <a:ext uri="{28A0092B-C50C-407E-A947-70E740481C1C}">
                 <a14:useLocalDpi xmlns:a14="http://schemas.microsoft.com/office/drawing/2010/main" val="0"/>
@@ -10863,6 +11679,1109 @@
           </a:extLst>
         </p:spPr>
       </p:pic>
+      <p:sp>
+        <p:nvSpPr>
+          <p:cNvPr id="3" name="TextBox 2">
+            <a:extLst>
+              <a:ext uri="{FF2B5EF4-FFF2-40B4-BE49-F238E27FC236}">
+                <a16:creationId xmlns:a16="http://schemas.microsoft.com/office/drawing/2014/main" id="{E4A72127-BD96-3C1E-7896-3BC796B52A19}"/>
+              </a:ext>
+            </a:extLst>
+          </p:cNvPr>
+          <p:cNvSpPr txBox="1">
+            <a:spLocks/>
+          </p:cNvSpPr>
+          <p:nvPr/>
+        </p:nvSpPr>
+        <p:spPr>
+          <a:xfrm>
+            <a:off x="914400" y="4804524"/>
+            <a:ext cx="3612531" cy="846386"/>
+          </a:xfrm>
+          <a:prstGeom prst="rect">
+            <a:avLst/>
+          </a:prstGeom>
+          <a:noFill/>
+        </p:spPr>
+        <p:txBody>
+          <a:bodyPr wrap="square" rtlCol="0">
+            <a:spAutoFit/>
+          </a:bodyPr>
+          <a:lstStyle/>
+          <a:p>
+            <a:pPr marL="184150" marR="0" lvl="0" indent="-171450" algn="l" defTabSz="914400" rtl="0" eaLnBrk="1" fontAlgn="auto" latinLnBrk="0" hangingPunct="1">
+              <a:lnSpc>
+                <a:spcPct val="100000"/>
+              </a:lnSpc>
+              <a:spcBef>
+                <a:spcPts val="600"/>
+              </a:spcBef>
+              <a:spcAft>
+                <a:spcPts val="0"/>
+              </a:spcAft>
+              <a:buClrTx/>
+              <a:buSzTx/>
+              <a:buFont typeface="Arial" panose="020B0604020202020204" pitchFamily="34" charset="0"/>
+              <a:buChar char="•"/>
+              <a:tabLst/>
+              <a:defRPr/>
+            </a:pPr>
+            <a:r>
+              <a:rPr kumimoji="0" lang="en-US" sz="1100" b="0" i="0" u="none" strike="noStrike" kern="1200" cap="none" spc="0" normalizeH="0" baseline="0" noProof="0" dirty="0">
+                <a:ln>
+                  <a:noFill/>
+                </a:ln>
+                <a:solidFill>
+                  <a:srgbClr val="000000"/>
+                </a:solidFill>
+                <a:effectLst/>
+                <a:uLnTx/>
+                <a:uFillTx/>
+                <a:latin typeface="Open Sans" panose="020B0606030504020204" pitchFamily="34" charset="0"/>
+                <a:ea typeface="Open Sans" panose="020B0606030504020204" pitchFamily="34" charset="0"/>
+                <a:cs typeface="Open Sans" panose="020B0606030504020204" pitchFamily="34" charset="0"/>
+              </a:rPr>
+              <a:t>The value of k ranges between 0 to 15, while the values of a/b ranges between 3 to 10</a:t>
+            </a:r>
+          </a:p>
+          <a:p>
+            <a:pPr marL="184150" marR="0" lvl="0" indent="-171450" algn="l" defTabSz="914400" rtl="0" eaLnBrk="1" fontAlgn="auto" latinLnBrk="0" hangingPunct="1">
+              <a:lnSpc>
+                <a:spcPct val="100000"/>
+              </a:lnSpc>
+              <a:spcBef>
+                <a:spcPts val="600"/>
+              </a:spcBef>
+              <a:spcAft>
+                <a:spcPts val="0"/>
+              </a:spcAft>
+              <a:buClrTx/>
+              <a:buSzTx/>
+              <a:buFont typeface="Arial" panose="020B0604020202020204" pitchFamily="34" charset="0"/>
+              <a:buChar char="•"/>
+              <a:tabLst/>
+              <a:defRPr/>
+            </a:pPr>
+            <a:r>
+              <a:rPr kumimoji="0" lang="en-US" sz="1100" b="0" i="0" u="none" strike="noStrike" kern="1200" cap="none" spc="0" normalizeH="0" baseline="0" noProof="0" dirty="0">
+                <a:ln>
+                  <a:noFill/>
+                </a:ln>
+                <a:solidFill>
+                  <a:srgbClr val="000000"/>
+                </a:solidFill>
+                <a:effectLst/>
+                <a:uLnTx/>
+                <a:uFillTx/>
+                <a:latin typeface="Open Sans" panose="020B0606030504020204" pitchFamily="34" charset="0"/>
+                <a:ea typeface="Open Sans" panose="020B0606030504020204" pitchFamily="34" charset="0"/>
+                <a:cs typeface="Open Sans" panose="020B0606030504020204" pitchFamily="34" charset="0"/>
+              </a:rPr>
+              <a:t>The networks have relatively small-size and may not be representative of real-world networks</a:t>
+            </a:r>
+          </a:p>
+        </p:txBody>
+      </p:sp>
+      <p:sp>
+        <p:nvSpPr>
+          <p:cNvPr id="6" name="TextBox 5">
+            <a:extLst>
+              <a:ext uri="{FF2B5EF4-FFF2-40B4-BE49-F238E27FC236}">
+                <a16:creationId xmlns:a16="http://schemas.microsoft.com/office/drawing/2014/main" id="{0EF44B43-64AF-8A86-B93E-E8239BF11304}"/>
+              </a:ext>
+            </a:extLst>
+          </p:cNvPr>
+          <p:cNvSpPr txBox="1">
+            <a:spLocks/>
+          </p:cNvSpPr>
+          <p:nvPr/>
+        </p:nvSpPr>
+        <p:spPr>
+          <a:xfrm>
+            <a:off x="914401" y="1921657"/>
+            <a:ext cx="3534384" cy="600164"/>
+          </a:xfrm>
+          <a:prstGeom prst="rect">
+            <a:avLst/>
+          </a:prstGeom>
+          <a:noFill/>
+        </p:spPr>
+        <p:txBody>
+          <a:bodyPr wrap="square" rtlCol="0">
+            <a:spAutoFit/>
+          </a:bodyPr>
+          <a:lstStyle/>
+          <a:p>
+            <a:pPr marL="0" marR="0" lvl="0" indent="0" algn="l" defTabSz="914400" rtl="0" eaLnBrk="1" fontAlgn="auto" latinLnBrk="0" hangingPunct="1">
+              <a:lnSpc>
+                <a:spcPct val="100000"/>
+              </a:lnSpc>
+              <a:spcBef>
+                <a:spcPts val="0"/>
+              </a:spcBef>
+              <a:spcAft>
+                <a:spcPts val="0"/>
+              </a:spcAft>
+              <a:buClrTx/>
+              <a:buSzTx/>
+              <a:buFontTx/>
+              <a:buNone/>
+              <a:tabLst/>
+              <a:defRPr/>
+            </a:pPr>
+            <a:r>
+              <a:rPr lang="en-US" sz="1100" b="1" dirty="0">
+                <a:solidFill>
+                  <a:prstClr val="black"/>
+                </a:solidFill>
+                <a:latin typeface="Open Sans" panose="020B0606030504020204" pitchFamily="34" charset="0"/>
+                <a:ea typeface="Open Sans" panose="020B0606030504020204" pitchFamily="34" charset="0"/>
+                <a:cs typeface="Open Sans" panose="020B0606030504020204" pitchFamily="34" charset="0"/>
+              </a:rPr>
+              <a:t>WEAKNESS 1</a:t>
+            </a:r>
+            <a:endParaRPr kumimoji="0" lang="en-US" sz="1100" b="1" i="0" u="none" strike="noStrike" kern="1200" cap="none" spc="0" normalizeH="0" baseline="0" noProof="0" dirty="0">
+              <a:ln>
+                <a:noFill/>
+              </a:ln>
+              <a:solidFill>
+                <a:prstClr val="black"/>
+              </a:solidFill>
+              <a:effectLst/>
+              <a:uLnTx/>
+              <a:uFillTx/>
+              <a:latin typeface="Open Sans" panose="020B0606030504020204" pitchFamily="34" charset="0"/>
+              <a:ea typeface="Open Sans" panose="020B0606030504020204" pitchFamily="34" charset="0"/>
+              <a:cs typeface="Open Sans" panose="020B0606030504020204" pitchFamily="34" charset="0"/>
+            </a:endParaRPr>
+          </a:p>
+          <a:p>
+            <a:pPr marL="0" marR="0" lvl="0" indent="0" algn="l" defTabSz="914400" rtl="0" eaLnBrk="1" fontAlgn="auto" latinLnBrk="0" hangingPunct="1">
+              <a:lnSpc>
+                <a:spcPct val="100000"/>
+              </a:lnSpc>
+              <a:spcBef>
+                <a:spcPts val="0"/>
+              </a:spcBef>
+              <a:spcAft>
+                <a:spcPts val="0"/>
+              </a:spcAft>
+              <a:buClrTx/>
+              <a:buSzTx/>
+              <a:buFontTx/>
+              <a:buNone/>
+              <a:tabLst/>
+              <a:defRPr/>
+            </a:pPr>
+            <a:endParaRPr kumimoji="0" lang="en-US" sz="1100" b="1" i="0" u="none" strike="noStrike" kern="1200" cap="none" spc="0" normalizeH="0" baseline="0" noProof="0" dirty="0">
+              <a:ln>
+                <a:noFill/>
+              </a:ln>
+              <a:solidFill>
+                <a:srgbClr val="000000"/>
+              </a:solidFill>
+              <a:effectLst/>
+              <a:uLnTx/>
+              <a:uFillTx/>
+              <a:latin typeface="Open Sans" panose="020B0606030504020204" pitchFamily="34" charset="0"/>
+              <a:ea typeface="Open Sans" panose="020B0606030504020204" pitchFamily="34" charset="0"/>
+              <a:cs typeface="Open Sans" panose="020B0606030504020204" pitchFamily="34" charset="0"/>
+            </a:endParaRPr>
+          </a:p>
+          <a:p>
+            <a:r>
+              <a:rPr lang="en-US" sz="1100" b="1" dirty="0">
+                <a:latin typeface="Open Sans" panose="020B0606030504020204" pitchFamily="34" charset="0"/>
+                <a:ea typeface="Open Sans" panose="020B0606030504020204" pitchFamily="34" charset="0"/>
+                <a:cs typeface="Open Sans" panose="020B0606030504020204" pitchFamily="34" charset="0"/>
+              </a:rPr>
+              <a:t>Limited Sets of Parameters were Tested</a:t>
+            </a:r>
+            <a:endParaRPr lang="en-US" sz="1100" dirty="0">
+              <a:latin typeface="Open Sans" panose="020B0606030504020204" pitchFamily="34" charset="0"/>
+              <a:ea typeface="Open Sans" panose="020B0606030504020204" pitchFamily="34" charset="0"/>
+              <a:cs typeface="Open Sans" panose="020B0606030504020204" pitchFamily="34" charset="0"/>
+            </a:endParaRPr>
+          </a:p>
+        </p:txBody>
+      </p:sp>
+      <p:cxnSp>
+        <p:nvCxnSpPr>
+          <p:cNvPr id="7" name="Straight Connector 6">
+            <a:extLst>
+              <a:ext uri="{FF2B5EF4-FFF2-40B4-BE49-F238E27FC236}">
+                <a16:creationId xmlns:a16="http://schemas.microsoft.com/office/drawing/2014/main" id="{CCB7A3CD-D2E7-93D1-2399-15B695513C99}"/>
+              </a:ext>
+            </a:extLst>
+          </p:cNvPr>
+          <p:cNvCxnSpPr>
+            <a:cxnSpLocks/>
+          </p:cNvCxnSpPr>
+          <p:nvPr/>
+        </p:nvCxnSpPr>
+        <p:spPr>
+          <a:xfrm>
+            <a:off x="1000101" y="2181499"/>
+            <a:ext cx="979376" cy="0"/>
+          </a:xfrm>
+          <a:prstGeom prst="line">
+            <a:avLst/>
+          </a:prstGeom>
+          <a:ln w="19050">
+            <a:solidFill>
+              <a:srgbClr val="FF0000"/>
+            </a:solidFill>
+          </a:ln>
+        </p:spPr>
+        <p:style>
+          <a:lnRef idx="1">
+            <a:schemeClr val="accent1"/>
+          </a:lnRef>
+          <a:fillRef idx="0">
+            <a:schemeClr val="accent1"/>
+          </a:fillRef>
+          <a:effectRef idx="0">
+            <a:schemeClr val="accent1"/>
+          </a:effectRef>
+          <a:fontRef idx="minor">
+            <a:schemeClr val="tx1"/>
+          </a:fontRef>
+        </p:style>
+      </p:cxnSp>
+      <p:pic>
+        <p:nvPicPr>
+          <p:cNvPr id="8" name="Picture 7" descr="Graphical user interface, chart&#10;&#10;Description automatically generated">
+            <a:extLst>
+              <a:ext uri="{FF2B5EF4-FFF2-40B4-BE49-F238E27FC236}">
+                <a16:creationId xmlns:a16="http://schemas.microsoft.com/office/drawing/2014/main" id="{8071C8CA-18F4-39B8-E67F-C08CD0C0B7DA}"/>
+              </a:ext>
+            </a:extLst>
+          </p:cNvPr>
+          <p:cNvPicPr>
+            <a:picLocks noChangeAspect="1"/>
+          </p:cNvPicPr>
+          <p:nvPr/>
+        </p:nvPicPr>
+        <p:blipFill>
+          <a:blip r:embed="rId4"/>
+          <a:stretch>
+            <a:fillRect/>
+          </a:stretch>
+        </p:blipFill>
+        <p:spPr>
+          <a:xfrm>
+            <a:off x="1152528" y="2592859"/>
+            <a:ext cx="2408127" cy="2040689"/>
+          </a:xfrm>
+          <a:prstGeom prst="rect">
+            <a:avLst/>
+          </a:prstGeom>
+        </p:spPr>
+      </p:pic>
+      <p:sp>
+        <p:nvSpPr>
+          <p:cNvPr id="13" name="TextBox 12">
+            <a:extLst>
+              <a:ext uri="{FF2B5EF4-FFF2-40B4-BE49-F238E27FC236}">
+                <a16:creationId xmlns:a16="http://schemas.microsoft.com/office/drawing/2014/main" id="{A1393B0B-EC73-31FE-9D1C-4353D107FDB1}"/>
+              </a:ext>
+            </a:extLst>
+          </p:cNvPr>
+          <p:cNvSpPr txBox="1">
+            <a:spLocks/>
+          </p:cNvSpPr>
+          <p:nvPr/>
+        </p:nvSpPr>
+        <p:spPr>
+          <a:xfrm>
+            <a:off x="4645000" y="4804524"/>
+            <a:ext cx="3612531" cy="846386"/>
+          </a:xfrm>
+          <a:prstGeom prst="rect">
+            <a:avLst/>
+          </a:prstGeom>
+          <a:noFill/>
+        </p:spPr>
+        <p:txBody>
+          <a:bodyPr wrap="square" rtlCol="0">
+            <a:spAutoFit/>
+          </a:bodyPr>
+          <a:lstStyle/>
+          <a:p>
+            <a:pPr marL="184150" marR="0" lvl="0" indent="-171450" algn="l" defTabSz="914400" rtl="0" eaLnBrk="1" fontAlgn="auto" latinLnBrk="0" hangingPunct="1">
+              <a:lnSpc>
+                <a:spcPct val="100000"/>
+              </a:lnSpc>
+              <a:spcBef>
+                <a:spcPts val="600"/>
+              </a:spcBef>
+              <a:spcAft>
+                <a:spcPts val="0"/>
+              </a:spcAft>
+              <a:buClrTx/>
+              <a:buSzTx/>
+              <a:buFont typeface="Arial" panose="020B0604020202020204" pitchFamily="34" charset="0"/>
+              <a:buChar char="•"/>
+              <a:tabLst/>
+              <a:defRPr/>
+            </a:pPr>
+            <a:r>
+              <a:rPr kumimoji="0" lang="en-US" sz="1100" b="0" i="0" u="none" strike="noStrike" kern="1200" cap="none" spc="0" normalizeH="0" baseline="0" noProof="0" dirty="0">
+                <a:ln>
+                  <a:noFill/>
+                </a:ln>
+                <a:solidFill>
+                  <a:srgbClr val="000000"/>
+                </a:solidFill>
+                <a:effectLst/>
+                <a:uLnTx/>
+                <a:uFillTx/>
+                <a:latin typeface="Open Sans" panose="020B0606030504020204" pitchFamily="34" charset="0"/>
+                <a:ea typeface="Open Sans" panose="020B0606030504020204" pitchFamily="34" charset="0"/>
+                <a:cs typeface="Open Sans" panose="020B0606030504020204" pitchFamily="34" charset="0"/>
+              </a:rPr>
+              <a:t>This paper</a:t>
+            </a:r>
+            <a:r>
+              <a:rPr lang="en-US" sz="1100" dirty="0">
+                <a:solidFill>
+                  <a:srgbClr val="000000"/>
+                </a:solidFill>
+                <a:latin typeface="Open Sans" panose="020B0606030504020204" pitchFamily="34" charset="0"/>
+                <a:ea typeface="Open Sans" panose="020B0606030504020204" pitchFamily="34" charset="0"/>
+                <a:cs typeface="Open Sans" panose="020B0606030504020204" pitchFamily="34" charset="0"/>
+              </a:rPr>
+              <a:t> assumes the absence of topological information about the networks</a:t>
+            </a:r>
+            <a:endParaRPr kumimoji="0" lang="en-US" sz="1100" b="0" i="0" u="none" strike="noStrike" kern="1200" cap="none" spc="0" normalizeH="0" baseline="0" noProof="0" dirty="0">
+              <a:ln>
+                <a:noFill/>
+              </a:ln>
+              <a:solidFill>
+                <a:srgbClr val="000000"/>
+              </a:solidFill>
+              <a:effectLst/>
+              <a:uLnTx/>
+              <a:uFillTx/>
+              <a:latin typeface="Open Sans" panose="020B0606030504020204" pitchFamily="34" charset="0"/>
+              <a:ea typeface="Open Sans" panose="020B0606030504020204" pitchFamily="34" charset="0"/>
+              <a:cs typeface="Open Sans" panose="020B0606030504020204" pitchFamily="34" charset="0"/>
+            </a:endParaRPr>
+          </a:p>
+          <a:p>
+            <a:pPr marL="184150" marR="0" lvl="0" indent="-171450" algn="l" defTabSz="914400" rtl="0" eaLnBrk="1" fontAlgn="auto" latinLnBrk="0" hangingPunct="1">
+              <a:lnSpc>
+                <a:spcPct val="100000"/>
+              </a:lnSpc>
+              <a:spcBef>
+                <a:spcPts val="600"/>
+              </a:spcBef>
+              <a:spcAft>
+                <a:spcPts val="0"/>
+              </a:spcAft>
+              <a:buClrTx/>
+              <a:buSzTx/>
+              <a:buFont typeface="Arial" panose="020B0604020202020204" pitchFamily="34" charset="0"/>
+              <a:buChar char="•"/>
+              <a:tabLst/>
+              <a:defRPr/>
+            </a:pPr>
+            <a:r>
+              <a:rPr kumimoji="0" lang="en-US" sz="1100" b="0" i="0" u="none" strike="noStrike" kern="1200" cap="none" spc="0" normalizeH="0" baseline="0" noProof="0" dirty="0">
+                <a:ln>
+                  <a:noFill/>
+                </a:ln>
+                <a:solidFill>
+                  <a:srgbClr val="000000"/>
+                </a:solidFill>
+                <a:effectLst/>
+                <a:uLnTx/>
+                <a:uFillTx/>
+                <a:latin typeface="Open Sans" panose="020B0606030504020204" pitchFamily="34" charset="0"/>
+                <a:ea typeface="Open Sans" panose="020B0606030504020204" pitchFamily="34" charset="0"/>
+                <a:cs typeface="Open Sans" panose="020B0606030504020204" pitchFamily="34" charset="0"/>
+              </a:rPr>
+              <a:t>In the presence of information, optimal strategy may be different</a:t>
+            </a:r>
+          </a:p>
+        </p:txBody>
+      </p:sp>
+      <p:sp>
+        <p:nvSpPr>
+          <p:cNvPr id="14" name="TextBox 13">
+            <a:extLst>
+              <a:ext uri="{FF2B5EF4-FFF2-40B4-BE49-F238E27FC236}">
+                <a16:creationId xmlns:a16="http://schemas.microsoft.com/office/drawing/2014/main" id="{22C892B3-AE8A-C0BB-EFE9-B53F0606457A}"/>
+              </a:ext>
+            </a:extLst>
+          </p:cNvPr>
+          <p:cNvSpPr txBox="1">
+            <a:spLocks/>
+          </p:cNvSpPr>
+          <p:nvPr/>
+        </p:nvSpPr>
+        <p:spPr>
+          <a:xfrm>
+            <a:off x="4645001" y="1921657"/>
+            <a:ext cx="3534384" cy="600164"/>
+          </a:xfrm>
+          <a:prstGeom prst="rect">
+            <a:avLst/>
+          </a:prstGeom>
+          <a:noFill/>
+        </p:spPr>
+        <p:txBody>
+          <a:bodyPr wrap="square" rtlCol="0">
+            <a:spAutoFit/>
+          </a:bodyPr>
+          <a:lstStyle/>
+          <a:p>
+            <a:pPr marL="0" marR="0" lvl="0" indent="0" algn="l" defTabSz="914400" rtl="0" eaLnBrk="1" fontAlgn="auto" latinLnBrk="0" hangingPunct="1">
+              <a:lnSpc>
+                <a:spcPct val="100000"/>
+              </a:lnSpc>
+              <a:spcBef>
+                <a:spcPts val="0"/>
+              </a:spcBef>
+              <a:spcAft>
+                <a:spcPts val="0"/>
+              </a:spcAft>
+              <a:buClrTx/>
+              <a:buSzTx/>
+              <a:buFontTx/>
+              <a:buNone/>
+              <a:tabLst/>
+              <a:defRPr/>
+            </a:pPr>
+            <a:r>
+              <a:rPr lang="en-US" sz="1100" b="1" dirty="0">
+                <a:solidFill>
+                  <a:prstClr val="black"/>
+                </a:solidFill>
+                <a:latin typeface="Open Sans" panose="020B0606030504020204" pitchFamily="34" charset="0"/>
+                <a:ea typeface="Open Sans" panose="020B0606030504020204" pitchFamily="34" charset="0"/>
+                <a:cs typeface="Open Sans" panose="020B0606030504020204" pitchFamily="34" charset="0"/>
+              </a:rPr>
+              <a:t>WEAKNESS 2</a:t>
+            </a:r>
+            <a:endParaRPr kumimoji="0" lang="en-US" sz="1100" b="1" i="0" u="none" strike="noStrike" kern="1200" cap="none" spc="0" normalizeH="0" baseline="0" noProof="0" dirty="0">
+              <a:ln>
+                <a:noFill/>
+              </a:ln>
+              <a:solidFill>
+                <a:prstClr val="black"/>
+              </a:solidFill>
+              <a:effectLst/>
+              <a:uLnTx/>
+              <a:uFillTx/>
+              <a:latin typeface="Open Sans" panose="020B0606030504020204" pitchFamily="34" charset="0"/>
+              <a:ea typeface="Open Sans" panose="020B0606030504020204" pitchFamily="34" charset="0"/>
+              <a:cs typeface="Open Sans" panose="020B0606030504020204" pitchFamily="34" charset="0"/>
+            </a:endParaRPr>
+          </a:p>
+          <a:p>
+            <a:pPr marL="0" marR="0" lvl="0" indent="0" algn="l" defTabSz="914400" rtl="0" eaLnBrk="1" fontAlgn="auto" latinLnBrk="0" hangingPunct="1">
+              <a:lnSpc>
+                <a:spcPct val="100000"/>
+              </a:lnSpc>
+              <a:spcBef>
+                <a:spcPts val="0"/>
+              </a:spcBef>
+              <a:spcAft>
+                <a:spcPts val="0"/>
+              </a:spcAft>
+              <a:buClrTx/>
+              <a:buSzTx/>
+              <a:buFontTx/>
+              <a:buNone/>
+              <a:tabLst/>
+              <a:defRPr/>
+            </a:pPr>
+            <a:endParaRPr kumimoji="0" lang="en-US" sz="1100" b="1" i="0" u="none" strike="noStrike" kern="1200" cap="none" spc="0" normalizeH="0" baseline="0" noProof="0" dirty="0">
+              <a:ln>
+                <a:noFill/>
+              </a:ln>
+              <a:solidFill>
+                <a:srgbClr val="000000"/>
+              </a:solidFill>
+              <a:effectLst/>
+              <a:uLnTx/>
+              <a:uFillTx/>
+              <a:latin typeface="Open Sans" panose="020B0606030504020204" pitchFamily="34" charset="0"/>
+              <a:ea typeface="Open Sans" panose="020B0606030504020204" pitchFamily="34" charset="0"/>
+              <a:cs typeface="Open Sans" panose="020B0606030504020204" pitchFamily="34" charset="0"/>
+            </a:endParaRPr>
+          </a:p>
+          <a:p>
+            <a:r>
+              <a:rPr lang="en-US" sz="1100" b="1" dirty="0">
+                <a:latin typeface="Open Sans" panose="020B0606030504020204" pitchFamily="34" charset="0"/>
+                <a:ea typeface="Open Sans" panose="020B0606030504020204" pitchFamily="34" charset="0"/>
+                <a:cs typeface="Open Sans" panose="020B0606030504020204" pitchFamily="34" charset="0"/>
+              </a:rPr>
+              <a:t>Topology Information is not Assumed</a:t>
+            </a:r>
+            <a:endParaRPr lang="en-US" sz="1100" dirty="0">
+              <a:latin typeface="Open Sans" panose="020B0606030504020204" pitchFamily="34" charset="0"/>
+              <a:ea typeface="Open Sans" panose="020B0606030504020204" pitchFamily="34" charset="0"/>
+              <a:cs typeface="Open Sans" panose="020B0606030504020204" pitchFamily="34" charset="0"/>
+            </a:endParaRPr>
+          </a:p>
+        </p:txBody>
+      </p:sp>
+      <p:cxnSp>
+        <p:nvCxnSpPr>
+          <p:cNvPr id="15" name="Straight Connector 14">
+            <a:extLst>
+              <a:ext uri="{FF2B5EF4-FFF2-40B4-BE49-F238E27FC236}">
+                <a16:creationId xmlns:a16="http://schemas.microsoft.com/office/drawing/2014/main" id="{720BA469-7EF1-A81B-BA76-C1F50EC90150}"/>
+              </a:ext>
+            </a:extLst>
+          </p:cNvPr>
+          <p:cNvCxnSpPr>
+            <a:cxnSpLocks/>
+          </p:cNvCxnSpPr>
+          <p:nvPr/>
+        </p:nvCxnSpPr>
+        <p:spPr>
+          <a:xfrm>
+            <a:off x="4730701" y="2181499"/>
+            <a:ext cx="979376" cy="0"/>
+          </a:xfrm>
+          <a:prstGeom prst="line">
+            <a:avLst/>
+          </a:prstGeom>
+          <a:ln w="19050">
+            <a:solidFill>
+              <a:srgbClr val="FF0000"/>
+            </a:solidFill>
+          </a:ln>
+        </p:spPr>
+        <p:style>
+          <a:lnRef idx="1">
+            <a:schemeClr val="accent1"/>
+          </a:lnRef>
+          <a:fillRef idx="0">
+            <a:schemeClr val="accent1"/>
+          </a:fillRef>
+          <a:effectRef idx="0">
+            <a:schemeClr val="accent1"/>
+          </a:effectRef>
+          <a:fontRef idx="minor">
+            <a:schemeClr val="tx1"/>
+          </a:fontRef>
+        </p:style>
+      </p:cxnSp>
+      <p:sp>
+        <p:nvSpPr>
+          <p:cNvPr id="31" name="TextBox 30">
+            <a:extLst>
+              <a:ext uri="{FF2B5EF4-FFF2-40B4-BE49-F238E27FC236}">
+                <a16:creationId xmlns:a16="http://schemas.microsoft.com/office/drawing/2014/main" id="{9F85BF5D-A6EA-4790-4D70-E0648AC80E10}"/>
+              </a:ext>
+            </a:extLst>
+          </p:cNvPr>
+          <p:cNvSpPr txBox="1">
+            <a:spLocks/>
+          </p:cNvSpPr>
+          <p:nvPr/>
+        </p:nvSpPr>
+        <p:spPr>
+          <a:xfrm>
+            <a:off x="8179385" y="4804524"/>
+            <a:ext cx="3612531" cy="846386"/>
+          </a:xfrm>
+          <a:prstGeom prst="rect">
+            <a:avLst/>
+          </a:prstGeom>
+          <a:noFill/>
+        </p:spPr>
+        <p:txBody>
+          <a:bodyPr wrap="square" rtlCol="0">
+            <a:spAutoFit/>
+          </a:bodyPr>
+          <a:lstStyle/>
+          <a:p>
+            <a:pPr marL="184150" marR="0" lvl="0" indent="-171450" algn="l" defTabSz="914400" rtl="0" eaLnBrk="1" fontAlgn="auto" latinLnBrk="0" hangingPunct="1">
+              <a:lnSpc>
+                <a:spcPct val="100000"/>
+              </a:lnSpc>
+              <a:spcBef>
+                <a:spcPts val="600"/>
+              </a:spcBef>
+              <a:spcAft>
+                <a:spcPts val="0"/>
+              </a:spcAft>
+              <a:buClrTx/>
+              <a:buSzTx/>
+              <a:buFont typeface="Arial" panose="020B0604020202020204" pitchFamily="34" charset="0"/>
+              <a:buChar char="•"/>
+              <a:tabLst/>
+              <a:defRPr/>
+            </a:pPr>
+            <a:r>
+              <a:rPr kumimoji="0" lang="en-US" sz="1100" b="0" i="0" u="none" strike="noStrike" kern="1200" cap="none" spc="0" normalizeH="0" baseline="0" noProof="0" dirty="0">
+                <a:ln>
+                  <a:noFill/>
+                </a:ln>
+                <a:solidFill>
+                  <a:srgbClr val="000000"/>
+                </a:solidFill>
+                <a:effectLst/>
+                <a:uLnTx/>
+                <a:uFillTx/>
+                <a:latin typeface="Open Sans" panose="020B0606030504020204" pitchFamily="34" charset="0"/>
+                <a:ea typeface="Open Sans" panose="020B0606030504020204" pitchFamily="34" charset="0"/>
+                <a:cs typeface="Open Sans" panose="020B0606030504020204" pitchFamily="34" charset="0"/>
+              </a:rPr>
+              <a:t>This paper</a:t>
+            </a:r>
+            <a:r>
+              <a:rPr lang="en-US" sz="1100" dirty="0">
+                <a:solidFill>
+                  <a:srgbClr val="000000"/>
+                </a:solidFill>
+                <a:latin typeface="Open Sans" panose="020B0606030504020204" pitchFamily="34" charset="0"/>
+                <a:ea typeface="Open Sans" panose="020B0606030504020204" pitchFamily="34" charset="0"/>
+                <a:cs typeface="Open Sans" panose="020B0606030504020204" pitchFamily="34" charset="0"/>
+              </a:rPr>
+              <a:t> assumes that the intra- and inter-edges carry no weights</a:t>
+            </a:r>
+          </a:p>
+          <a:p>
+            <a:pPr marL="184150" marR="0" lvl="0" indent="-171450" algn="l" defTabSz="914400" rtl="0" eaLnBrk="1" fontAlgn="auto" latinLnBrk="0" hangingPunct="1">
+              <a:lnSpc>
+                <a:spcPct val="100000"/>
+              </a:lnSpc>
+              <a:spcBef>
+                <a:spcPts val="600"/>
+              </a:spcBef>
+              <a:spcAft>
+                <a:spcPts val="0"/>
+              </a:spcAft>
+              <a:buClrTx/>
+              <a:buSzTx/>
+              <a:buFont typeface="Arial" panose="020B0604020202020204" pitchFamily="34" charset="0"/>
+              <a:buChar char="•"/>
+              <a:tabLst/>
+              <a:defRPr/>
+            </a:pPr>
+            <a:r>
+              <a:rPr lang="en-US" sz="1100" dirty="0">
+                <a:solidFill>
+                  <a:srgbClr val="000000"/>
+                </a:solidFill>
+                <a:latin typeface="Open Sans" panose="020B0606030504020204" pitchFamily="34" charset="0"/>
+                <a:ea typeface="Open Sans" panose="020B0606030504020204" pitchFamily="34" charset="0"/>
+                <a:cs typeface="Open Sans" panose="020B0606030504020204" pitchFamily="34" charset="0"/>
+              </a:rPr>
+              <a:t>In real world, edges between systems may be correlated and thus lead to different results</a:t>
+            </a:r>
+            <a:endParaRPr kumimoji="0" lang="en-US" sz="1100" b="0" i="0" u="none" strike="noStrike" kern="1200" cap="none" spc="0" normalizeH="0" baseline="0" noProof="0" dirty="0">
+              <a:ln>
+                <a:noFill/>
+              </a:ln>
+              <a:solidFill>
+                <a:srgbClr val="000000"/>
+              </a:solidFill>
+              <a:effectLst/>
+              <a:uLnTx/>
+              <a:uFillTx/>
+              <a:latin typeface="Open Sans" panose="020B0606030504020204" pitchFamily="34" charset="0"/>
+              <a:ea typeface="Open Sans" panose="020B0606030504020204" pitchFamily="34" charset="0"/>
+              <a:cs typeface="Open Sans" panose="020B0606030504020204" pitchFamily="34" charset="0"/>
+            </a:endParaRPr>
+          </a:p>
+        </p:txBody>
+      </p:sp>
+      <p:sp>
+        <p:nvSpPr>
+          <p:cNvPr id="32" name="TextBox 31">
+            <a:extLst>
+              <a:ext uri="{FF2B5EF4-FFF2-40B4-BE49-F238E27FC236}">
+                <a16:creationId xmlns:a16="http://schemas.microsoft.com/office/drawing/2014/main" id="{3AD554D5-8431-0805-004F-3D1E91611503}"/>
+              </a:ext>
+            </a:extLst>
+          </p:cNvPr>
+          <p:cNvSpPr txBox="1">
+            <a:spLocks/>
+          </p:cNvSpPr>
+          <p:nvPr/>
+        </p:nvSpPr>
+        <p:spPr>
+          <a:xfrm>
+            <a:off x="8179386" y="1921657"/>
+            <a:ext cx="3534384" cy="600164"/>
+          </a:xfrm>
+          <a:prstGeom prst="rect">
+            <a:avLst/>
+          </a:prstGeom>
+          <a:noFill/>
+        </p:spPr>
+        <p:txBody>
+          <a:bodyPr wrap="square" rtlCol="0">
+            <a:spAutoFit/>
+          </a:bodyPr>
+          <a:lstStyle/>
+          <a:p>
+            <a:pPr marL="0" marR="0" lvl="0" indent="0" algn="l" defTabSz="914400" rtl="0" eaLnBrk="1" fontAlgn="auto" latinLnBrk="0" hangingPunct="1">
+              <a:lnSpc>
+                <a:spcPct val="100000"/>
+              </a:lnSpc>
+              <a:spcBef>
+                <a:spcPts val="0"/>
+              </a:spcBef>
+              <a:spcAft>
+                <a:spcPts val="0"/>
+              </a:spcAft>
+              <a:buClrTx/>
+              <a:buSzTx/>
+              <a:buFontTx/>
+              <a:buNone/>
+              <a:tabLst/>
+              <a:defRPr/>
+            </a:pPr>
+            <a:r>
+              <a:rPr lang="en-US" sz="1100" b="1" dirty="0">
+                <a:solidFill>
+                  <a:prstClr val="black"/>
+                </a:solidFill>
+                <a:latin typeface="Open Sans" panose="020B0606030504020204" pitchFamily="34" charset="0"/>
+                <a:ea typeface="Open Sans" panose="020B0606030504020204" pitchFamily="34" charset="0"/>
+                <a:cs typeface="Open Sans" panose="020B0606030504020204" pitchFamily="34" charset="0"/>
+              </a:rPr>
+              <a:t>WEAKNESS 3</a:t>
+            </a:r>
+            <a:endParaRPr kumimoji="0" lang="en-US" sz="1100" b="1" i="0" u="none" strike="noStrike" kern="1200" cap="none" spc="0" normalizeH="0" baseline="0" noProof="0" dirty="0">
+              <a:ln>
+                <a:noFill/>
+              </a:ln>
+              <a:solidFill>
+                <a:prstClr val="black"/>
+              </a:solidFill>
+              <a:effectLst/>
+              <a:uLnTx/>
+              <a:uFillTx/>
+              <a:latin typeface="Open Sans" panose="020B0606030504020204" pitchFamily="34" charset="0"/>
+              <a:ea typeface="Open Sans" panose="020B0606030504020204" pitchFamily="34" charset="0"/>
+              <a:cs typeface="Open Sans" panose="020B0606030504020204" pitchFamily="34" charset="0"/>
+            </a:endParaRPr>
+          </a:p>
+          <a:p>
+            <a:pPr marL="0" marR="0" lvl="0" indent="0" algn="l" defTabSz="914400" rtl="0" eaLnBrk="1" fontAlgn="auto" latinLnBrk="0" hangingPunct="1">
+              <a:lnSpc>
+                <a:spcPct val="100000"/>
+              </a:lnSpc>
+              <a:spcBef>
+                <a:spcPts val="0"/>
+              </a:spcBef>
+              <a:spcAft>
+                <a:spcPts val="0"/>
+              </a:spcAft>
+              <a:buClrTx/>
+              <a:buSzTx/>
+              <a:buFontTx/>
+              <a:buNone/>
+              <a:tabLst/>
+              <a:defRPr/>
+            </a:pPr>
+            <a:endParaRPr kumimoji="0" lang="en-US" sz="1100" b="1" i="0" u="none" strike="noStrike" kern="1200" cap="none" spc="0" normalizeH="0" baseline="0" noProof="0" dirty="0">
+              <a:ln>
+                <a:noFill/>
+              </a:ln>
+              <a:solidFill>
+                <a:srgbClr val="000000"/>
+              </a:solidFill>
+              <a:effectLst/>
+              <a:uLnTx/>
+              <a:uFillTx/>
+              <a:latin typeface="Open Sans" panose="020B0606030504020204" pitchFamily="34" charset="0"/>
+              <a:ea typeface="Open Sans" panose="020B0606030504020204" pitchFamily="34" charset="0"/>
+              <a:cs typeface="Open Sans" panose="020B0606030504020204" pitchFamily="34" charset="0"/>
+            </a:endParaRPr>
+          </a:p>
+          <a:p>
+            <a:r>
+              <a:rPr lang="en-US" sz="1100" b="1" dirty="0">
+                <a:latin typeface="Open Sans" panose="020B0606030504020204" pitchFamily="34" charset="0"/>
+                <a:ea typeface="Open Sans" panose="020B0606030504020204" pitchFamily="34" charset="0"/>
+                <a:cs typeface="Open Sans" panose="020B0606030504020204" pitchFamily="34" charset="0"/>
+              </a:rPr>
+              <a:t>Edges Contain No Information (Unweighted)</a:t>
+            </a:r>
+            <a:endParaRPr lang="en-US" sz="1100" dirty="0">
+              <a:latin typeface="Open Sans" panose="020B0606030504020204" pitchFamily="34" charset="0"/>
+              <a:ea typeface="Open Sans" panose="020B0606030504020204" pitchFamily="34" charset="0"/>
+              <a:cs typeface="Open Sans" panose="020B0606030504020204" pitchFamily="34" charset="0"/>
+            </a:endParaRPr>
+          </a:p>
+        </p:txBody>
+      </p:sp>
+      <p:cxnSp>
+        <p:nvCxnSpPr>
+          <p:cNvPr id="33" name="Straight Connector 32">
+            <a:extLst>
+              <a:ext uri="{FF2B5EF4-FFF2-40B4-BE49-F238E27FC236}">
+                <a16:creationId xmlns:a16="http://schemas.microsoft.com/office/drawing/2014/main" id="{0E202456-BB5F-A761-DB03-4918F930C713}"/>
+              </a:ext>
+            </a:extLst>
+          </p:cNvPr>
+          <p:cNvCxnSpPr>
+            <a:cxnSpLocks/>
+          </p:cNvCxnSpPr>
+          <p:nvPr/>
+        </p:nvCxnSpPr>
+        <p:spPr>
+          <a:xfrm>
+            <a:off x="8265086" y="2181499"/>
+            <a:ext cx="979376" cy="0"/>
+          </a:xfrm>
+          <a:prstGeom prst="line">
+            <a:avLst/>
+          </a:prstGeom>
+          <a:ln w="19050">
+            <a:solidFill>
+              <a:srgbClr val="FF0000"/>
+            </a:solidFill>
+          </a:ln>
+        </p:spPr>
+        <p:style>
+          <a:lnRef idx="1">
+            <a:schemeClr val="accent1"/>
+          </a:lnRef>
+          <a:fillRef idx="0">
+            <a:schemeClr val="accent1"/>
+          </a:fillRef>
+          <a:effectRef idx="0">
+            <a:schemeClr val="accent1"/>
+          </a:effectRef>
+          <a:fontRef idx="minor">
+            <a:schemeClr val="tx1"/>
+          </a:fontRef>
+        </p:style>
+      </p:cxnSp>
+      <p:pic>
+        <p:nvPicPr>
+          <p:cNvPr id="34" name="Picture 33" descr="Diagram&#10;&#10;Description automatically generated">
+            <a:extLst>
+              <a:ext uri="{FF2B5EF4-FFF2-40B4-BE49-F238E27FC236}">
+                <a16:creationId xmlns:a16="http://schemas.microsoft.com/office/drawing/2014/main" id="{AAAFBF60-8D72-A9EF-CF4A-8DE36F904E12}"/>
+              </a:ext>
+            </a:extLst>
+          </p:cNvPr>
+          <p:cNvPicPr>
+            <a:picLocks noChangeAspect="1"/>
+          </p:cNvPicPr>
+          <p:nvPr/>
+        </p:nvPicPr>
+        <p:blipFill>
+          <a:blip r:embed="rId5"/>
+          <a:stretch>
+            <a:fillRect/>
+          </a:stretch>
+        </p:blipFill>
+        <p:spPr>
+          <a:xfrm>
+            <a:off x="8589272" y="2631481"/>
+            <a:ext cx="2054831" cy="1884687"/>
+          </a:xfrm>
+          <a:prstGeom prst="rect">
+            <a:avLst/>
+          </a:prstGeom>
+        </p:spPr>
+      </p:pic>
+      <p:pic>
+        <p:nvPicPr>
+          <p:cNvPr id="36" name="Picture 35" descr="Text&#10;&#10;Description automatically generated">
+            <a:extLst>
+              <a:ext uri="{FF2B5EF4-FFF2-40B4-BE49-F238E27FC236}">
+                <a16:creationId xmlns:a16="http://schemas.microsoft.com/office/drawing/2014/main" id="{BA72DDBB-C3EE-A5CF-4B2B-B50FA8BB8E55}"/>
+              </a:ext>
+            </a:extLst>
+          </p:cNvPr>
+          <p:cNvPicPr>
+            <a:picLocks noChangeAspect="1"/>
+          </p:cNvPicPr>
+          <p:nvPr/>
+        </p:nvPicPr>
+        <p:blipFill rotWithShape="1">
+          <a:blip r:embed="rId6"/>
+          <a:srcRect b="5684"/>
+          <a:stretch/>
+        </p:blipFill>
+        <p:spPr>
+          <a:xfrm>
+            <a:off x="4592625" y="3331919"/>
+            <a:ext cx="3373551" cy="404038"/>
+          </a:xfrm>
+          <a:prstGeom prst="rect">
+            <a:avLst/>
+          </a:prstGeom>
+          <a:ln>
+            <a:solidFill>
+              <a:schemeClr val="bg1">
+                <a:lumMod val="75000"/>
+              </a:schemeClr>
+            </a:solidFill>
+          </a:ln>
+        </p:spPr>
+      </p:pic>
+      <p:sp>
+        <p:nvSpPr>
+          <p:cNvPr id="37" name="Rectangle 36">
+            <a:extLst>
+              <a:ext uri="{FF2B5EF4-FFF2-40B4-BE49-F238E27FC236}">
+                <a16:creationId xmlns:a16="http://schemas.microsoft.com/office/drawing/2014/main" id="{5DE7D355-6E64-20ED-8506-2F731062FEBF}"/>
+              </a:ext>
+            </a:extLst>
+          </p:cNvPr>
+          <p:cNvSpPr/>
+          <p:nvPr/>
+        </p:nvSpPr>
+        <p:spPr>
+          <a:xfrm>
+            <a:off x="2940627" y="2561687"/>
+            <a:ext cx="662102" cy="600164"/>
+          </a:xfrm>
+          <a:prstGeom prst="rect">
+            <a:avLst/>
+          </a:prstGeom>
+          <a:noFill/>
+          <a:ln>
+            <a:solidFill>
+              <a:srgbClr val="FF0000"/>
+            </a:solidFill>
+          </a:ln>
+        </p:spPr>
+        <p:style>
+          <a:lnRef idx="2">
+            <a:schemeClr val="accent1">
+              <a:shade val="50000"/>
+            </a:schemeClr>
+          </a:lnRef>
+          <a:fillRef idx="1">
+            <a:schemeClr val="accent1"/>
+          </a:fillRef>
+          <a:effectRef idx="0">
+            <a:schemeClr val="accent1"/>
+          </a:effectRef>
+          <a:fontRef idx="minor">
+            <a:schemeClr val="lt1"/>
+          </a:fontRef>
+        </p:style>
+        <p:txBody>
+          <a:bodyPr rtlCol="0" anchor="ctr"/>
+          <a:lstStyle/>
+          <a:p>
+            <a:pPr algn="ctr"/>
+            <a:endParaRPr lang="en-US"/>
+          </a:p>
+        </p:txBody>
+      </p:sp>
+      <p:sp>
+        <p:nvSpPr>
+          <p:cNvPr id="38" name="Rectangle 37">
+            <a:extLst>
+              <a:ext uri="{FF2B5EF4-FFF2-40B4-BE49-F238E27FC236}">
+                <a16:creationId xmlns:a16="http://schemas.microsoft.com/office/drawing/2014/main" id="{6B45E1BD-CFA2-5FC5-D4AD-56685951E338}"/>
+              </a:ext>
+            </a:extLst>
+          </p:cNvPr>
+          <p:cNvSpPr/>
+          <p:nvPr/>
+        </p:nvSpPr>
+        <p:spPr>
+          <a:xfrm>
+            <a:off x="1273629" y="4365633"/>
+            <a:ext cx="2329100" cy="338953"/>
+          </a:xfrm>
+          <a:prstGeom prst="rect">
+            <a:avLst/>
+          </a:prstGeom>
+          <a:noFill/>
+          <a:ln>
+            <a:solidFill>
+              <a:srgbClr val="FF0000"/>
+            </a:solidFill>
+          </a:ln>
+        </p:spPr>
+        <p:style>
+          <a:lnRef idx="2">
+            <a:schemeClr val="accent1">
+              <a:shade val="50000"/>
+            </a:schemeClr>
+          </a:lnRef>
+          <a:fillRef idx="1">
+            <a:schemeClr val="accent1"/>
+          </a:fillRef>
+          <a:effectRef idx="0">
+            <a:schemeClr val="accent1"/>
+          </a:effectRef>
+          <a:fontRef idx="minor">
+            <a:schemeClr val="lt1"/>
+          </a:fontRef>
+        </p:style>
+        <p:txBody>
+          <a:bodyPr rtlCol="0" anchor="ctr"/>
+          <a:lstStyle/>
+          <a:p>
+            <a:pPr algn="ctr"/>
+            <a:endParaRPr lang="en-US"/>
+          </a:p>
+        </p:txBody>
+      </p:sp>
+      <p:sp>
+        <p:nvSpPr>
+          <p:cNvPr id="39" name="Rectangle 38">
+            <a:extLst>
+              <a:ext uri="{FF2B5EF4-FFF2-40B4-BE49-F238E27FC236}">
+                <a16:creationId xmlns:a16="http://schemas.microsoft.com/office/drawing/2014/main" id="{15D1211A-3F6E-A690-EB22-56C2967D45E0}"/>
+              </a:ext>
+            </a:extLst>
+          </p:cNvPr>
+          <p:cNvSpPr/>
+          <p:nvPr/>
+        </p:nvSpPr>
+        <p:spPr>
+          <a:xfrm>
+            <a:off x="4557348" y="3591021"/>
+            <a:ext cx="1908766" cy="223333"/>
+          </a:xfrm>
+          <a:prstGeom prst="rect">
+            <a:avLst/>
+          </a:prstGeom>
+          <a:noFill/>
+          <a:ln>
+            <a:solidFill>
+              <a:srgbClr val="FF0000"/>
+            </a:solidFill>
+          </a:ln>
+        </p:spPr>
+        <p:style>
+          <a:lnRef idx="2">
+            <a:schemeClr val="accent1">
+              <a:shade val="50000"/>
+            </a:schemeClr>
+          </a:lnRef>
+          <a:fillRef idx="1">
+            <a:schemeClr val="accent1"/>
+          </a:fillRef>
+          <a:effectRef idx="0">
+            <a:schemeClr val="accent1"/>
+          </a:effectRef>
+          <a:fontRef idx="minor">
+            <a:schemeClr val="lt1"/>
+          </a:fontRef>
+        </p:style>
+        <p:txBody>
+          <a:bodyPr rtlCol="0" anchor="ctr"/>
+          <a:lstStyle/>
+          <a:p>
+            <a:pPr algn="ctr"/>
+            <a:endParaRPr lang="en-US"/>
+          </a:p>
+        </p:txBody>
+      </p:sp>
     </p:spTree>
     <p:extLst>
       <p:ext uri="{BB962C8B-B14F-4D97-AF65-F5344CB8AC3E}">

--- a/paper presentation/Paper Presentation_Group 8.pptx
+++ b/paper presentation/Paper Presentation_Group 8.pptx
@@ -10974,7 +10974,7 @@
         <p:spPr>
           <a:xfrm>
             <a:off x="1174046" y="4660688"/>
-            <a:ext cx="3612531" cy="1184940"/>
+            <a:ext cx="3612531" cy="1015663"/>
           </a:xfrm>
           <a:prstGeom prst="rect">
             <a:avLst/>
@@ -11055,7 +11055,7 @@
                 <a:ea typeface="Open Sans" panose="020B0606030504020204" pitchFamily="34" charset="0"/>
                 <a:cs typeface="Open Sans" panose="020B0606030504020204" pitchFamily="34" charset="0"/>
               </a:rPr>
-              <a:t>This paper leverages the technique of generating function to determine the “equilibrium point,” which can be solved explicitly </a:t>
+              <a:t>This paper mathematically determine the “equilibrium point,” which can be solved explicitly </a:t>
             </a:r>
             <a:r>
               <a:rPr lang="en-US" sz="1100" dirty="0">
@@ -11372,7 +11372,7 @@
                 <a:ea typeface="Open Sans" panose="020B0606030504020204" pitchFamily="34" charset="0"/>
                 <a:cs typeface="Open Sans" panose="020B0606030504020204" pitchFamily="34" charset="0"/>
               </a:rPr>
-              <a:t>The results are generic and is applicable to other network scenario</a:t>
+              <a:t>The results are generic and is applicable to other network scenarios</a:t>
             </a:r>
             <a:endParaRPr kumimoji="0" lang="en-US" sz="1100" b="0" i="0" u="none" strike="noStrike" kern="1200" cap="none" spc="0" normalizeH="0" baseline="0" noProof="0" dirty="0">
               <a:ln>
@@ -11695,7 +11695,7 @@
         </p:nvSpPr>
         <p:spPr>
           <a:xfrm>
-            <a:off x="914400" y="4804524"/>
+            <a:off x="1152528" y="4804524"/>
             <a:ext cx="3612531" cy="846386"/>
           </a:xfrm>
           <a:prstGeom prst="rect">
@@ -11782,172 +11782,6 @@
           </a:p>
         </p:txBody>
       </p:sp>
-      <p:sp>
-        <p:nvSpPr>
-          <p:cNvPr id="6" name="TextBox 5">
-            <a:extLst>
-              <a:ext uri="{FF2B5EF4-FFF2-40B4-BE49-F238E27FC236}">
-                <a16:creationId xmlns:a16="http://schemas.microsoft.com/office/drawing/2014/main" id="{0EF44B43-64AF-8A86-B93E-E8239BF11304}"/>
-              </a:ext>
-            </a:extLst>
-          </p:cNvPr>
-          <p:cNvSpPr txBox="1">
-            <a:spLocks/>
-          </p:cNvSpPr>
-          <p:nvPr/>
-        </p:nvSpPr>
-        <p:spPr>
-          <a:xfrm>
-            <a:off x="914401" y="1921657"/>
-            <a:ext cx="3534384" cy="600164"/>
-          </a:xfrm>
-          <a:prstGeom prst="rect">
-            <a:avLst/>
-          </a:prstGeom>
-          <a:noFill/>
-        </p:spPr>
-        <p:txBody>
-          <a:bodyPr wrap="square" rtlCol="0">
-            <a:spAutoFit/>
-          </a:bodyPr>
-          <a:lstStyle/>
-          <a:p>
-            <a:pPr marL="0" marR="0" lvl="0" indent="0" algn="l" defTabSz="914400" rtl="0" eaLnBrk="1" fontAlgn="auto" latinLnBrk="0" hangingPunct="1">
-              <a:lnSpc>
-                <a:spcPct val="100000"/>
-              </a:lnSpc>
-              <a:spcBef>
-                <a:spcPts val="0"/>
-              </a:spcBef>
-              <a:spcAft>
-                <a:spcPts val="0"/>
-              </a:spcAft>
-              <a:buClrTx/>
-              <a:buSzTx/>
-              <a:buFontTx/>
-              <a:buNone/>
-              <a:tabLst/>
-              <a:defRPr/>
-            </a:pPr>
-            <a:r>
-              <a:rPr lang="en-US" sz="1100" b="1" dirty="0">
-                <a:solidFill>
-                  <a:prstClr val="black"/>
-                </a:solidFill>
-                <a:latin typeface="Open Sans" panose="020B0606030504020204" pitchFamily="34" charset="0"/>
-                <a:ea typeface="Open Sans" panose="020B0606030504020204" pitchFamily="34" charset="0"/>
-                <a:cs typeface="Open Sans" panose="020B0606030504020204" pitchFamily="34" charset="0"/>
-              </a:rPr>
-              <a:t>WEAKNESS 1</a:t>
-            </a:r>
-            <a:endParaRPr kumimoji="0" lang="en-US" sz="1100" b="1" i="0" u="none" strike="noStrike" kern="1200" cap="none" spc="0" normalizeH="0" baseline="0" noProof="0" dirty="0">
-              <a:ln>
-                <a:noFill/>
-              </a:ln>
-              <a:solidFill>
-                <a:prstClr val="black"/>
-              </a:solidFill>
-              <a:effectLst/>
-              <a:uLnTx/>
-              <a:uFillTx/>
-              <a:latin typeface="Open Sans" panose="020B0606030504020204" pitchFamily="34" charset="0"/>
-              <a:ea typeface="Open Sans" panose="020B0606030504020204" pitchFamily="34" charset="0"/>
-              <a:cs typeface="Open Sans" panose="020B0606030504020204" pitchFamily="34" charset="0"/>
-            </a:endParaRPr>
-          </a:p>
-          <a:p>
-            <a:pPr marL="0" marR="0" lvl="0" indent="0" algn="l" defTabSz="914400" rtl="0" eaLnBrk="1" fontAlgn="auto" latinLnBrk="0" hangingPunct="1">
-              <a:lnSpc>
-                <a:spcPct val="100000"/>
-              </a:lnSpc>
-              <a:spcBef>
-                <a:spcPts val="0"/>
-              </a:spcBef>
-              <a:spcAft>
-                <a:spcPts val="0"/>
-              </a:spcAft>
-              <a:buClrTx/>
-              <a:buSzTx/>
-              <a:buFontTx/>
-              <a:buNone/>
-              <a:tabLst/>
-              <a:defRPr/>
-            </a:pPr>
-            <a:endParaRPr kumimoji="0" lang="en-US" sz="1100" b="1" i="0" u="none" strike="noStrike" kern="1200" cap="none" spc="0" normalizeH="0" baseline="0" noProof="0" dirty="0">
-              <a:ln>
-                <a:noFill/>
-              </a:ln>
-              <a:solidFill>
-                <a:srgbClr val="000000"/>
-              </a:solidFill>
-              <a:effectLst/>
-              <a:uLnTx/>
-              <a:uFillTx/>
-              <a:latin typeface="Open Sans" panose="020B0606030504020204" pitchFamily="34" charset="0"/>
-              <a:ea typeface="Open Sans" panose="020B0606030504020204" pitchFamily="34" charset="0"/>
-              <a:cs typeface="Open Sans" panose="020B0606030504020204" pitchFamily="34" charset="0"/>
-            </a:endParaRPr>
-          </a:p>
-          <a:p>
-            <a:r>
-              <a:rPr lang="en-US" sz="1100" b="1" dirty="0">
-                <a:latin typeface="Open Sans" panose="020B0606030504020204" pitchFamily="34" charset="0"/>
-                <a:ea typeface="Open Sans" panose="020B0606030504020204" pitchFamily="34" charset="0"/>
-                <a:cs typeface="Open Sans" panose="020B0606030504020204" pitchFamily="34" charset="0"/>
-              </a:rPr>
-              <a:t>Limited Sets of Parameters were Tested</a:t>
-            </a:r>
-            <a:endParaRPr lang="en-US" sz="1100" dirty="0">
-              <a:latin typeface="Open Sans" panose="020B0606030504020204" pitchFamily="34" charset="0"/>
-              <a:ea typeface="Open Sans" panose="020B0606030504020204" pitchFamily="34" charset="0"/>
-              <a:cs typeface="Open Sans" panose="020B0606030504020204" pitchFamily="34" charset="0"/>
-            </a:endParaRPr>
-          </a:p>
-        </p:txBody>
-      </p:sp>
-      <p:cxnSp>
-        <p:nvCxnSpPr>
-          <p:cNvPr id="7" name="Straight Connector 6">
-            <a:extLst>
-              <a:ext uri="{FF2B5EF4-FFF2-40B4-BE49-F238E27FC236}">
-                <a16:creationId xmlns:a16="http://schemas.microsoft.com/office/drawing/2014/main" id="{CCB7A3CD-D2E7-93D1-2399-15B695513C99}"/>
-              </a:ext>
-            </a:extLst>
-          </p:cNvPr>
-          <p:cNvCxnSpPr>
-            <a:cxnSpLocks/>
-          </p:cNvCxnSpPr>
-          <p:nvPr/>
-        </p:nvCxnSpPr>
-        <p:spPr>
-          <a:xfrm>
-            <a:off x="1000101" y="2181499"/>
-            <a:ext cx="979376" cy="0"/>
-          </a:xfrm>
-          <a:prstGeom prst="line">
-            <a:avLst/>
-          </a:prstGeom>
-          <a:ln w="19050">
-            <a:solidFill>
-              <a:srgbClr val="FF0000"/>
-            </a:solidFill>
-          </a:ln>
-        </p:spPr>
-        <p:style>
-          <a:lnRef idx="1">
-            <a:schemeClr val="accent1"/>
-          </a:lnRef>
-          <a:fillRef idx="0">
-            <a:schemeClr val="accent1"/>
-          </a:fillRef>
-          <a:effectRef idx="0">
-            <a:schemeClr val="accent1"/>
-          </a:effectRef>
-          <a:fontRef idx="minor">
-            <a:schemeClr val="tx1"/>
-          </a:fontRef>
-        </p:style>
-      </p:cxnSp>
       <p:pic>
         <p:nvPicPr>
           <p:cNvPr id="8" name="Picture 7" descr="Graphical user interface, chart&#10;&#10;Description automatically generated">
@@ -11994,8 +11828,8 @@
         </p:nvSpPr>
         <p:spPr>
           <a:xfrm>
-            <a:off x="4645000" y="4804524"/>
-            <a:ext cx="3612531" cy="846386"/>
+            <a:off x="6096000" y="4804524"/>
+            <a:ext cx="3612531" cy="1015663"/>
           </a:xfrm>
           <a:prstGeom prst="rect">
             <a:avLst/>
@@ -12051,7 +11885,7 @@
                 <a:ea typeface="Open Sans" panose="020B0606030504020204" pitchFamily="34" charset="0"/>
                 <a:cs typeface="Open Sans" panose="020B0606030504020204" pitchFamily="34" charset="0"/>
               </a:rPr>
-              <a:t> assumes the absence of topological information about the networks</a:t>
+              <a:t> assumes the absence of topological information about the networks (e.g., the intra- and inter-edges are all equal weighted)</a:t>
             </a:r>
             <a:endParaRPr kumimoji="0" lang="en-US" sz="1100" b="0" i="0" u="none" strike="noStrike" kern="1200" cap="none" spc="0" normalizeH="0" baseline="0" noProof="0" dirty="0">
               <a:ln>
@@ -12106,460 +11940,6 @@
           </a:p>
         </p:txBody>
       </p:sp>
-      <p:sp>
-        <p:nvSpPr>
-          <p:cNvPr id="14" name="TextBox 13">
-            <a:extLst>
-              <a:ext uri="{FF2B5EF4-FFF2-40B4-BE49-F238E27FC236}">
-                <a16:creationId xmlns:a16="http://schemas.microsoft.com/office/drawing/2014/main" id="{22C892B3-AE8A-C0BB-EFE9-B53F0606457A}"/>
-              </a:ext>
-            </a:extLst>
-          </p:cNvPr>
-          <p:cNvSpPr txBox="1">
-            <a:spLocks/>
-          </p:cNvSpPr>
-          <p:nvPr/>
-        </p:nvSpPr>
-        <p:spPr>
-          <a:xfrm>
-            <a:off x="4645001" y="1921657"/>
-            <a:ext cx="3534384" cy="600164"/>
-          </a:xfrm>
-          <a:prstGeom prst="rect">
-            <a:avLst/>
-          </a:prstGeom>
-          <a:noFill/>
-        </p:spPr>
-        <p:txBody>
-          <a:bodyPr wrap="square" rtlCol="0">
-            <a:spAutoFit/>
-          </a:bodyPr>
-          <a:lstStyle/>
-          <a:p>
-            <a:pPr marL="0" marR="0" lvl="0" indent="0" algn="l" defTabSz="914400" rtl="0" eaLnBrk="1" fontAlgn="auto" latinLnBrk="0" hangingPunct="1">
-              <a:lnSpc>
-                <a:spcPct val="100000"/>
-              </a:lnSpc>
-              <a:spcBef>
-                <a:spcPts val="0"/>
-              </a:spcBef>
-              <a:spcAft>
-                <a:spcPts val="0"/>
-              </a:spcAft>
-              <a:buClrTx/>
-              <a:buSzTx/>
-              <a:buFontTx/>
-              <a:buNone/>
-              <a:tabLst/>
-              <a:defRPr/>
-            </a:pPr>
-            <a:r>
-              <a:rPr lang="en-US" sz="1100" b="1" dirty="0">
-                <a:solidFill>
-                  <a:prstClr val="black"/>
-                </a:solidFill>
-                <a:latin typeface="Open Sans" panose="020B0606030504020204" pitchFamily="34" charset="0"/>
-                <a:ea typeface="Open Sans" panose="020B0606030504020204" pitchFamily="34" charset="0"/>
-                <a:cs typeface="Open Sans" panose="020B0606030504020204" pitchFamily="34" charset="0"/>
-              </a:rPr>
-              <a:t>WEAKNESS 2</a:t>
-            </a:r>
-            <a:endParaRPr kumimoji="0" lang="en-US" sz="1100" b="1" i="0" u="none" strike="noStrike" kern="1200" cap="none" spc="0" normalizeH="0" baseline="0" noProof="0" dirty="0">
-              <a:ln>
-                <a:noFill/>
-              </a:ln>
-              <a:solidFill>
-                <a:prstClr val="black"/>
-              </a:solidFill>
-              <a:effectLst/>
-              <a:uLnTx/>
-              <a:uFillTx/>
-              <a:latin typeface="Open Sans" panose="020B0606030504020204" pitchFamily="34" charset="0"/>
-              <a:ea typeface="Open Sans" panose="020B0606030504020204" pitchFamily="34" charset="0"/>
-              <a:cs typeface="Open Sans" panose="020B0606030504020204" pitchFamily="34" charset="0"/>
-            </a:endParaRPr>
-          </a:p>
-          <a:p>
-            <a:pPr marL="0" marR="0" lvl="0" indent="0" algn="l" defTabSz="914400" rtl="0" eaLnBrk="1" fontAlgn="auto" latinLnBrk="0" hangingPunct="1">
-              <a:lnSpc>
-                <a:spcPct val="100000"/>
-              </a:lnSpc>
-              <a:spcBef>
-                <a:spcPts val="0"/>
-              </a:spcBef>
-              <a:spcAft>
-                <a:spcPts val="0"/>
-              </a:spcAft>
-              <a:buClrTx/>
-              <a:buSzTx/>
-              <a:buFontTx/>
-              <a:buNone/>
-              <a:tabLst/>
-              <a:defRPr/>
-            </a:pPr>
-            <a:endParaRPr kumimoji="0" lang="en-US" sz="1100" b="1" i="0" u="none" strike="noStrike" kern="1200" cap="none" spc="0" normalizeH="0" baseline="0" noProof="0" dirty="0">
-              <a:ln>
-                <a:noFill/>
-              </a:ln>
-              <a:solidFill>
-                <a:srgbClr val="000000"/>
-              </a:solidFill>
-              <a:effectLst/>
-              <a:uLnTx/>
-              <a:uFillTx/>
-              <a:latin typeface="Open Sans" panose="020B0606030504020204" pitchFamily="34" charset="0"/>
-              <a:ea typeface="Open Sans" panose="020B0606030504020204" pitchFamily="34" charset="0"/>
-              <a:cs typeface="Open Sans" panose="020B0606030504020204" pitchFamily="34" charset="0"/>
-            </a:endParaRPr>
-          </a:p>
-          <a:p>
-            <a:r>
-              <a:rPr lang="en-US" sz="1100" b="1" dirty="0">
-                <a:latin typeface="Open Sans" panose="020B0606030504020204" pitchFamily="34" charset="0"/>
-                <a:ea typeface="Open Sans" panose="020B0606030504020204" pitchFamily="34" charset="0"/>
-                <a:cs typeface="Open Sans" panose="020B0606030504020204" pitchFamily="34" charset="0"/>
-              </a:rPr>
-              <a:t>Topology Information is not Assumed</a:t>
-            </a:r>
-            <a:endParaRPr lang="en-US" sz="1100" dirty="0">
-              <a:latin typeface="Open Sans" panose="020B0606030504020204" pitchFamily="34" charset="0"/>
-              <a:ea typeface="Open Sans" panose="020B0606030504020204" pitchFamily="34" charset="0"/>
-              <a:cs typeface="Open Sans" panose="020B0606030504020204" pitchFamily="34" charset="0"/>
-            </a:endParaRPr>
-          </a:p>
-        </p:txBody>
-      </p:sp>
-      <p:cxnSp>
-        <p:nvCxnSpPr>
-          <p:cNvPr id="15" name="Straight Connector 14">
-            <a:extLst>
-              <a:ext uri="{FF2B5EF4-FFF2-40B4-BE49-F238E27FC236}">
-                <a16:creationId xmlns:a16="http://schemas.microsoft.com/office/drawing/2014/main" id="{720BA469-7EF1-A81B-BA76-C1F50EC90150}"/>
-              </a:ext>
-            </a:extLst>
-          </p:cNvPr>
-          <p:cNvCxnSpPr>
-            <a:cxnSpLocks/>
-          </p:cNvCxnSpPr>
-          <p:nvPr/>
-        </p:nvCxnSpPr>
-        <p:spPr>
-          <a:xfrm>
-            <a:off x="4730701" y="2181499"/>
-            <a:ext cx="979376" cy="0"/>
-          </a:xfrm>
-          <a:prstGeom prst="line">
-            <a:avLst/>
-          </a:prstGeom>
-          <a:ln w="19050">
-            <a:solidFill>
-              <a:srgbClr val="FF0000"/>
-            </a:solidFill>
-          </a:ln>
-        </p:spPr>
-        <p:style>
-          <a:lnRef idx="1">
-            <a:schemeClr val="accent1"/>
-          </a:lnRef>
-          <a:fillRef idx="0">
-            <a:schemeClr val="accent1"/>
-          </a:fillRef>
-          <a:effectRef idx="0">
-            <a:schemeClr val="accent1"/>
-          </a:effectRef>
-          <a:fontRef idx="minor">
-            <a:schemeClr val="tx1"/>
-          </a:fontRef>
-        </p:style>
-      </p:cxnSp>
-      <p:sp>
-        <p:nvSpPr>
-          <p:cNvPr id="31" name="TextBox 30">
-            <a:extLst>
-              <a:ext uri="{FF2B5EF4-FFF2-40B4-BE49-F238E27FC236}">
-                <a16:creationId xmlns:a16="http://schemas.microsoft.com/office/drawing/2014/main" id="{9F85BF5D-A6EA-4790-4D70-E0648AC80E10}"/>
-              </a:ext>
-            </a:extLst>
-          </p:cNvPr>
-          <p:cNvSpPr txBox="1">
-            <a:spLocks/>
-          </p:cNvSpPr>
-          <p:nvPr/>
-        </p:nvSpPr>
-        <p:spPr>
-          <a:xfrm>
-            <a:off x="8179385" y="4804524"/>
-            <a:ext cx="3612531" cy="846386"/>
-          </a:xfrm>
-          <a:prstGeom prst="rect">
-            <a:avLst/>
-          </a:prstGeom>
-          <a:noFill/>
-        </p:spPr>
-        <p:txBody>
-          <a:bodyPr wrap="square" rtlCol="0">
-            <a:spAutoFit/>
-          </a:bodyPr>
-          <a:lstStyle/>
-          <a:p>
-            <a:pPr marL="184150" marR="0" lvl="0" indent="-171450" algn="l" defTabSz="914400" rtl="0" eaLnBrk="1" fontAlgn="auto" latinLnBrk="0" hangingPunct="1">
-              <a:lnSpc>
-                <a:spcPct val="100000"/>
-              </a:lnSpc>
-              <a:spcBef>
-                <a:spcPts val="600"/>
-              </a:spcBef>
-              <a:spcAft>
-                <a:spcPts val="0"/>
-              </a:spcAft>
-              <a:buClrTx/>
-              <a:buSzTx/>
-              <a:buFont typeface="Arial" panose="020B0604020202020204" pitchFamily="34" charset="0"/>
-              <a:buChar char="•"/>
-              <a:tabLst/>
-              <a:defRPr/>
-            </a:pPr>
-            <a:r>
-              <a:rPr kumimoji="0" lang="en-US" sz="1100" b="0" i="0" u="none" strike="noStrike" kern="1200" cap="none" spc="0" normalizeH="0" baseline="0" noProof="0" dirty="0">
-                <a:ln>
-                  <a:noFill/>
-                </a:ln>
-                <a:solidFill>
-                  <a:srgbClr val="000000"/>
-                </a:solidFill>
-                <a:effectLst/>
-                <a:uLnTx/>
-                <a:uFillTx/>
-                <a:latin typeface="Open Sans" panose="020B0606030504020204" pitchFamily="34" charset="0"/>
-                <a:ea typeface="Open Sans" panose="020B0606030504020204" pitchFamily="34" charset="0"/>
-                <a:cs typeface="Open Sans" panose="020B0606030504020204" pitchFamily="34" charset="0"/>
-              </a:rPr>
-              <a:t>This paper</a:t>
-            </a:r>
-            <a:r>
-              <a:rPr lang="en-US" sz="1100" dirty="0">
-                <a:solidFill>
-                  <a:srgbClr val="000000"/>
-                </a:solidFill>
-                <a:latin typeface="Open Sans" panose="020B0606030504020204" pitchFamily="34" charset="0"/>
-                <a:ea typeface="Open Sans" panose="020B0606030504020204" pitchFamily="34" charset="0"/>
-                <a:cs typeface="Open Sans" panose="020B0606030504020204" pitchFamily="34" charset="0"/>
-              </a:rPr>
-              <a:t> assumes that the intra- and inter-edges carry no weights</a:t>
-            </a:r>
-          </a:p>
-          <a:p>
-            <a:pPr marL="184150" marR="0" lvl="0" indent="-171450" algn="l" defTabSz="914400" rtl="0" eaLnBrk="1" fontAlgn="auto" latinLnBrk="0" hangingPunct="1">
-              <a:lnSpc>
-                <a:spcPct val="100000"/>
-              </a:lnSpc>
-              <a:spcBef>
-                <a:spcPts val="600"/>
-              </a:spcBef>
-              <a:spcAft>
-                <a:spcPts val="0"/>
-              </a:spcAft>
-              <a:buClrTx/>
-              <a:buSzTx/>
-              <a:buFont typeface="Arial" panose="020B0604020202020204" pitchFamily="34" charset="0"/>
-              <a:buChar char="•"/>
-              <a:tabLst/>
-              <a:defRPr/>
-            </a:pPr>
-            <a:r>
-              <a:rPr lang="en-US" sz="1100" dirty="0">
-                <a:solidFill>
-                  <a:srgbClr val="000000"/>
-                </a:solidFill>
-                <a:latin typeface="Open Sans" panose="020B0606030504020204" pitchFamily="34" charset="0"/>
-                <a:ea typeface="Open Sans" panose="020B0606030504020204" pitchFamily="34" charset="0"/>
-                <a:cs typeface="Open Sans" panose="020B0606030504020204" pitchFamily="34" charset="0"/>
-              </a:rPr>
-              <a:t>In real world, edges between systems may be correlated and thus lead to different results</a:t>
-            </a:r>
-            <a:endParaRPr kumimoji="0" lang="en-US" sz="1100" b="0" i="0" u="none" strike="noStrike" kern="1200" cap="none" spc="0" normalizeH="0" baseline="0" noProof="0" dirty="0">
-              <a:ln>
-                <a:noFill/>
-              </a:ln>
-              <a:solidFill>
-                <a:srgbClr val="000000"/>
-              </a:solidFill>
-              <a:effectLst/>
-              <a:uLnTx/>
-              <a:uFillTx/>
-              <a:latin typeface="Open Sans" panose="020B0606030504020204" pitchFamily="34" charset="0"/>
-              <a:ea typeface="Open Sans" panose="020B0606030504020204" pitchFamily="34" charset="0"/>
-              <a:cs typeface="Open Sans" panose="020B0606030504020204" pitchFamily="34" charset="0"/>
-            </a:endParaRPr>
-          </a:p>
-        </p:txBody>
-      </p:sp>
-      <p:sp>
-        <p:nvSpPr>
-          <p:cNvPr id="32" name="TextBox 31">
-            <a:extLst>
-              <a:ext uri="{FF2B5EF4-FFF2-40B4-BE49-F238E27FC236}">
-                <a16:creationId xmlns:a16="http://schemas.microsoft.com/office/drawing/2014/main" id="{3AD554D5-8431-0805-004F-3D1E91611503}"/>
-              </a:ext>
-            </a:extLst>
-          </p:cNvPr>
-          <p:cNvSpPr txBox="1">
-            <a:spLocks/>
-          </p:cNvSpPr>
-          <p:nvPr/>
-        </p:nvSpPr>
-        <p:spPr>
-          <a:xfrm>
-            <a:off x="8179386" y="1921657"/>
-            <a:ext cx="3534384" cy="600164"/>
-          </a:xfrm>
-          <a:prstGeom prst="rect">
-            <a:avLst/>
-          </a:prstGeom>
-          <a:noFill/>
-        </p:spPr>
-        <p:txBody>
-          <a:bodyPr wrap="square" rtlCol="0">
-            <a:spAutoFit/>
-          </a:bodyPr>
-          <a:lstStyle/>
-          <a:p>
-            <a:pPr marL="0" marR="0" lvl="0" indent="0" algn="l" defTabSz="914400" rtl="0" eaLnBrk="1" fontAlgn="auto" latinLnBrk="0" hangingPunct="1">
-              <a:lnSpc>
-                <a:spcPct val="100000"/>
-              </a:lnSpc>
-              <a:spcBef>
-                <a:spcPts val="0"/>
-              </a:spcBef>
-              <a:spcAft>
-                <a:spcPts val="0"/>
-              </a:spcAft>
-              <a:buClrTx/>
-              <a:buSzTx/>
-              <a:buFontTx/>
-              <a:buNone/>
-              <a:tabLst/>
-              <a:defRPr/>
-            </a:pPr>
-            <a:r>
-              <a:rPr lang="en-US" sz="1100" b="1" dirty="0">
-                <a:solidFill>
-                  <a:prstClr val="black"/>
-                </a:solidFill>
-                <a:latin typeface="Open Sans" panose="020B0606030504020204" pitchFamily="34" charset="0"/>
-                <a:ea typeface="Open Sans" panose="020B0606030504020204" pitchFamily="34" charset="0"/>
-                <a:cs typeface="Open Sans" panose="020B0606030504020204" pitchFamily="34" charset="0"/>
-              </a:rPr>
-              <a:t>WEAKNESS 3</a:t>
-            </a:r>
-            <a:endParaRPr kumimoji="0" lang="en-US" sz="1100" b="1" i="0" u="none" strike="noStrike" kern="1200" cap="none" spc="0" normalizeH="0" baseline="0" noProof="0" dirty="0">
-              <a:ln>
-                <a:noFill/>
-              </a:ln>
-              <a:solidFill>
-                <a:prstClr val="black"/>
-              </a:solidFill>
-              <a:effectLst/>
-              <a:uLnTx/>
-              <a:uFillTx/>
-              <a:latin typeface="Open Sans" panose="020B0606030504020204" pitchFamily="34" charset="0"/>
-              <a:ea typeface="Open Sans" panose="020B0606030504020204" pitchFamily="34" charset="0"/>
-              <a:cs typeface="Open Sans" panose="020B0606030504020204" pitchFamily="34" charset="0"/>
-            </a:endParaRPr>
-          </a:p>
-          <a:p>
-            <a:pPr marL="0" marR="0" lvl="0" indent="0" algn="l" defTabSz="914400" rtl="0" eaLnBrk="1" fontAlgn="auto" latinLnBrk="0" hangingPunct="1">
-              <a:lnSpc>
-                <a:spcPct val="100000"/>
-              </a:lnSpc>
-              <a:spcBef>
-                <a:spcPts val="0"/>
-              </a:spcBef>
-              <a:spcAft>
-                <a:spcPts val="0"/>
-              </a:spcAft>
-              <a:buClrTx/>
-              <a:buSzTx/>
-              <a:buFontTx/>
-              <a:buNone/>
-              <a:tabLst/>
-              <a:defRPr/>
-            </a:pPr>
-            <a:endParaRPr kumimoji="0" lang="en-US" sz="1100" b="1" i="0" u="none" strike="noStrike" kern="1200" cap="none" spc="0" normalizeH="0" baseline="0" noProof="0" dirty="0">
-              <a:ln>
-                <a:noFill/>
-              </a:ln>
-              <a:solidFill>
-                <a:srgbClr val="000000"/>
-              </a:solidFill>
-              <a:effectLst/>
-              <a:uLnTx/>
-              <a:uFillTx/>
-              <a:latin typeface="Open Sans" panose="020B0606030504020204" pitchFamily="34" charset="0"/>
-              <a:ea typeface="Open Sans" panose="020B0606030504020204" pitchFamily="34" charset="0"/>
-              <a:cs typeface="Open Sans" panose="020B0606030504020204" pitchFamily="34" charset="0"/>
-            </a:endParaRPr>
-          </a:p>
-          <a:p>
-            <a:r>
-              <a:rPr lang="en-US" sz="1100" b="1" dirty="0">
-                <a:latin typeface="Open Sans" panose="020B0606030504020204" pitchFamily="34" charset="0"/>
-                <a:ea typeface="Open Sans" panose="020B0606030504020204" pitchFamily="34" charset="0"/>
-                <a:cs typeface="Open Sans" panose="020B0606030504020204" pitchFamily="34" charset="0"/>
-              </a:rPr>
-              <a:t>Edges Contain No Information (Unweighted)</a:t>
-            </a:r>
-            <a:endParaRPr lang="en-US" sz="1100" dirty="0">
-              <a:latin typeface="Open Sans" panose="020B0606030504020204" pitchFamily="34" charset="0"/>
-              <a:ea typeface="Open Sans" panose="020B0606030504020204" pitchFamily="34" charset="0"/>
-              <a:cs typeface="Open Sans" panose="020B0606030504020204" pitchFamily="34" charset="0"/>
-            </a:endParaRPr>
-          </a:p>
-        </p:txBody>
-      </p:sp>
-      <p:cxnSp>
-        <p:nvCxnSpPr>
-          <p:cNvPr id="33" name="Straight Connector 32">
-            <a:extLst>
-              <a:ext uri="{FF2B5EF4-FFF2-40B4-BE49-F238E27FC236}">
-                <a16:creationId xmlns:a16="http://schemas.microsoft.com/office/drawing/2014/main" id="{0E202456-BB5F-A761-DB03-4918F930C713}"/>
-              </a:ext>
-            </a:extLst>
-          </p:cNvPr>
-          <p:cNvCxnSpPr>
-            <a:cxnSpLocks/>
-          </p:cNvCxnSpPr>
-          <p:nvPr/>
-        </p:nvCxnSpPr>
-        <p:spPr>
-          <a:xfrm>
-            <a:off x="8265086" y="2181499"/>
-            <a:ext cx="979376" cy="0"/>
-          </a:xfrm>
-          <a:prstGeom prst="line">
-            <a:avLst/>
-          </a:prstGeom>
-          <a:ln w="19050">
-            <a:solidFill>
-              <a:srgbClr val="FF0000"/>
-            </a:solidFill>
-          </a:ln>
-        </p:spPr>
-        <p:style>
-          <a:lnRef idx="1">
-            <a:schemeClr val="accent1"/>
-          </a:lnRef>
-          <a:fillRef idx="0">
-            <a:schemeClr val="accent1"/>
-          </a:fillRef>
-          <a:effectRef idx="0">
-            <a:schemeClr val="accent1"/>
-          </a:effectRef>
-          <a:fontRef idx="minor">
-            <a:schemeClr val="tx1"/>
-          </a:fontRef>
-        </p:style>
-      </p:cxnSp>
       <p:pic>
         <p:nvPicPr>
           <p:cNvPr id="34" name="Picture 33" descr="Diagram&#10;&#10;Description automatically generated">
@@ -12582,48 +11962,12 @@
         </p:blipFill>
         <p:spPr>
           <a:xfrm>
-            <a:off x="8589272" y="2631481"/>
+            <a:off x="6210255" y="2631481"/>
             <a:ext cx="2054831" cy="1884687"/>
           </a:xfrm>
           <a:prstGeom prst="rect">
             <a:avLst/>
           </a:prstGeom>
-        </p:spPr>
-      </p:pic>
-      <p:pic>
-        <p:nvPicPr>
-          <p:cNvPr id="36" name="Picture 35" descr="Text&#10;&#10;Description automatically generated">
-            <a:extLst>
-              <a:ext uri="{FF2B5EF4-FFF2-40B4-BE49-F238E27FC236}">
-                <a16:creationId xmlns:a16="http://schemas.microsoft.com/office/drawing/2014/main" id="{BA72DDBB-C3EE-A5CF-4B2B-B50FA8BB8E55}"/>
-              </a:ext>
-            </a:extLst>
-          </p:cNvPr>
-          <p:cNvPicPr>
-            <a:picLocks noChangeAspect="1"/>
-          </p:cNvPicPr>
-          <p:nvPr/>
-        </p:nvPicPr>
-        <p:blipFill rotWithShape="1">
-          <a:blip r:embed="rId6"/>
-          <a:srcRect b="5684"/>
-          <a:stretch/>
-        </p:blipFill>
-        <p:spPr>
-          <a:xfrm>
-            <a:off x="4592625" y="3331919"/>
-            <a:ext cx="3373551" cy="404038"/>
-          </a:xfrm>
-          <a:prstGeom prst="rect">
-            <a:avLst/>
-          </a:prstGeom>
-          <a:ln>
-            <a:solidFill>
-              <a:schemeClr val="bg1">
-                <a:lumMod val="75000"/>
-              </a:schemeClr>
-            </a:solidFill>
-          </a:ln>
         </p:spPr>
       </p:pic>
       <p:sp>
@@ -12732,56 +12076,336 @@
       </p:sp>
       <p:sp>
         <p:nvSpPr>
-          <p:cNvPr id="39" name="Rectangle 38">
+          <p:cNvPr id="9" name="TextBox 8">
             <a:extLst>
               <a:ext uri="{FF2B5EF4-FFF2-40B4-BE49-F238E27FC236}">
-                <a16:creationId xmlns:a16="http://schemas.microsoft.com/office/drawing/2014/main" id="{15D1211A-3F6E-A690-EB22-56C2967D45E0}"/>
+                <a16:creationId xmlns:a16="http://schemas.microsoft.com/office/drawing/2014/main" id="{D06926CE-4D48-9572-042C-9C3380BD5D21}"/>
               </a:ext>
             </a:extLst>
           </p:cNvPr>
-          <p:cNvSpPr/>
+          <p:cNvSpPr txBox="1">
+            <a:spLocks/>
+          </p:cNvSpPr>
           <p:nvPr/>
         </p:nvSpPr>
         <p:spPr>
           <a:xfrm>
-            <a:off x="4557348" y="3591021"/>
-            <a:ext cx="1908766" cy="223333"/>
+            <a:off x="1174047" y="1921657"/>
+            <a:ext cx="3534384" cy="600164"/>
           </a:xfrm>
           <a:prstGeom prst="rect">
             <a:avLst/>
           </a:prstGeom>
           <a:noFill/>
-          <a:ln>
+        </p:spPr>
+        <p:txBody>
+          <a:bodyPr wrap="square" rtlCol="0">
+            <a:spAutoFit/>
+          </a:bodyPr>
+          <a:lstStyle/>
+          <a:p>
+            <a:pPr marL="0" marR="0" lvl="0" indent="0" algn="l" defTabSz="914400" rtl="0" eaLnBrk="1" fontAlgn="auto" latinLnBrk="0" hangingPunct="1">
+              <a:lnSpc>
+                <a:spcPct val="100000"/>
+              </a:lnSpc>
+              <a:spcBef>
+                <a:spcPts val="0"/>
+              </a:spcBef>
+              <a:spcAft>
+                <a:spcPts val="0"/>
+              </a:spcAft>
+              <a:buClrTx/>
+              <a:buSzTx/>
+              <a:buFontTx/>
+              <a:buNone/>
+              <a:tabLst/>
+              <a:defRPr/>
+            </a:pPr>
+            <a:r>
+              <a:rPr lang="en-US" sz="1100" b="1" dirty="0">
+                <a:solidFill>
+                  <a:prstClr val="black"/>
+                </a:solidFill>
+                <a:latin typeface="Open Sans" panose="020B0606030504020204" pitchFamily="34" charset="0"/>
+                <a:ea typeface="Open Sans" panose="020B0606030504020204" pitchFamily="34" charset="0"/>
+                <a:cs typeface="Open Sans" panose="020B0606030504020204" pitchFamily="34" charset="0"/>
+              </a:rPr>
+              <a:t>WEAKNESS 1</a:t>
+            </a:r>
+            <a:endParaRPr kumimoji="0" lang="en-US" sz="1100" b="1" i="0" u="none" strike="noStrike" kern="1200" cap="none" spc="0" normalizeH="0" baseline="0" noProof="0" dirty="0">
+              <a:ln>
+                <a:noFill/>
+              </a:ln>
+              <a:solidFill>
+                <a:prstClr val="black"/>
+              </a:solidFill>
+              <a:effectLst/>
+              <a:uLnTx/>
+              <a:uFillTx/>
+              <a:latin typeface="Open Sans" panose="020B0606030504020204" pitchFamily="34" charset="0"/>
+              <a:ea typeface="Open Sans" panose="020B0606030504020204" pitchFamily="34" charset="0"/>
+              <a:cs typeface="Open Sans" panose="020B0606030504020204" pitchFamily="34" charset="0"/>
+            </a:endParaRPr>
+          </a:p>
+          <a:p>
+            <a:pPr marL="0" marR="0" lvl="0" indent="0" algn="l" defTabSz="914400" rtl="0" eaLnBrk="1" fontAlgn="auto" latinLnBrk="0" hangingPunct="1">
+              <a:lnSpc>
+                <a:spcPct val="100000"/>
+              </a:lnSpc>
+              <a:spcBef>
+                <a:spcPts val="0"/>
+              </a:spcBef>
+              <a:spcAft>
+                <a:spcPts val="0"/>
+              </a:spcAft>
+              <a:buClrTx/>
+              <a:buSzTx/>
+              <a:buFontTx/>
+              <a:buNone/>
+              <a:tabLst/>
+              <a:defRPr/>
+            </a:pPr>
+            <a:endParaRPr kumimoji="0" lang="en-US" sz="1100" b="1" i="0" u="none" strike="noStrike" kern="1200" cap="none" spc="0" normalizeH="0" baseline="0" noProof="0" dirty="0">
+              <a:ln>
+                <a:noFill/>
+              </a:ln>
+              <a:solidFill>
+                <a:srgbClr val="000000"/>
+              </a:solidFill>
+              <a:effectLst/>
+              <a:uLnTx/>
+              <a:uFillTx/>
+              <a:latin typeface="Open Sans" panose="020B0606030504020204" pitchFamily="34" charset="0"/>
+              <a:ea typeface="Open Sans" panose="020B0606030504020204" pitchFamily="34" charset="0"/>
+              <a:cs typeface="Open Sans" panose="020B0606030504020204" pitchFamily="34" charset="0"/>
+            </a:endParaRPr>
+          </a:p>
+          <a:p>
+            <a:r>
+              <a:rPr lang="en-US" sz="1100" b="1" dirty="0">
+                <a:latin typeface="Open Sans" panose="020B0606030504020204" pitchFamily="34" charset="0"/>
+                <a:ea typeface="Open Sans" panose="020B0606030504020204" pitchFamily="34" charset="0"/>
+                <a:cs typeface="Open Sans" panose="020B0606030504020204" pitchFamily="34" charset="0"/>
+              </a:rPr>
+              <a:t>Limited Sets of Parameters were Tested</a:t>
+            </a:r>
+            <a:endParaRPr lang="en-US" sz="1100" dirty="0">
+              <a:latin typeface="Open Sans" panose="020B0606030504020204" pitchFamily="34" charset="0"/>
+              <a:ea typeface="Open Sans" panose="020B0606030504020204" pitchFamily="34" charset="0"/>
+              <a:cs typeface="Open Sans" panose="020B0606030504020204" pitchFamily="34" charset="0"/>
+            </a:endParaRPr>
+          </a:p>
+        </p:txBody>
+      </p:sp>
+      <p:cxnSp>
+        <p:nvCxnSpPr>
+          <p:cNvPr id="10" name="Straight Connector 9">
+            <a:extLst>
+              <a:ext uri="{FF2B5EF4-FFF2-40B4-BE49-F238E27FC236}">
+                <a16:creationId xmlns:a16="http://schemas.microsoft.com/office/drawing/2014/main" id="{7EE44FEF-307A-2800-DD79-FB2719B49C72}"/>
+              </a:ext>
+            </a:extLst>
+          </p:cNvPr>
+          <p:cNvCxnSpPr>
+            <a:cxnSpLocks/>
+          </p:cNvCxnSpPr>
+          <p:nvPr/>
+        </p:nvCxnSpPr>
+        <p:spPr>
+          <a:xfrm>
+            <a:off x="1259747" y="2181499"/>
+            <a:ext cx="979376" cy="0"/>
+          </a:xfrm>
+          <a:prstGeom prst="line">
+            <a:avLst/>
+          </a:prstGeom>
+          <a:ln w="19050">
             <a:solidFill>
               <a:srgbClr val="FF0000"/>
             </a:solidFill>
           </a:ln>
         </p:spPr>
         <p:style>
-          <a:lnRef idx="2">
-            <a:schemeClr val="accent1">
-              <a:shade val="50000"/>
-            </a:schemeClr>
+          <a:lnRef idx="1">
+            <a:schemeClr val="accent1"/>
           </a:lnRef>
-          <a:fillRef idx="1">
+          <a:fillRef idx="0">
             <a:schemeClr val="accent1"/>
           </a:fillRef>
           <a:effectRef idx="0">
             <a:schemeClr val="accent1"/>
           </a:effectRef>
           <a:fontRef idx="minor">
-            <a:schemeClr val="lt1"/>
+            <a:schemeClr val="tx1"/>
           </a:fontRef>
         </p:style>
+      </p:cxnSp>
+      <p:sp>
+        <p:nvSpPr>
+          <p:cNvPr id="11" name="TextBox 10">
+            <a:extLst>
+              <a:ext uri="{FF2B5EF4-FFF2-40B4-BE49-F238E27FC236}">
+                <a16:creationId xmlns:a16="http://schemas.microsoft.com/office/drawing/2014/main" id="{09B91EAE-E319-A4AE-7959-745D5BF5BA28}"/>
+              </a:ext>
+            </a:extLst>
+          </p:cNvPr>
+          <p:cNvSpPr txBox="1">
+            <a:spLocks/>
+          </p:cNvSpPr>
+          <p:nvPr/>
+        </p:nvSpPr>
+        <p:spPr>
+          <a:xfrm>
+            <a:off x="6096001" y="1921657"/>
+            <a:ext cx="4639732" cy="600164"/>
+          </a:xfrm>
+          <a:prstGeom prst="rect">
+            <a:avLst/>
+          </a:prstGeom>
+          <a:noFill/>
+        </p:spPr>
         <p:txBody>
-          <a:bodyPr rtlCol="0" anchor="ctr"/>
+          <a:bodyPr wrap="square" rtlCol="0">
+            <a:spAutoFit/>
+          </a:bodyPr>
           <a:lstStyle/>
           <a:p>
-            <a:pPr algn="ctr"/>
-            <a:endParaRPr lang="en-US"/>
+            <a:pPr marL="0" marR="0" lvl="0" indent="0" algn="l" defTabSz="914400" rtl="0" eaLnBrk="1" fontAlgn="auto" latinLnBrk="0" hangingPunct="1">
+              <a:lnSpc>
+                <a:spcPct val="100000"/>
+              </a:lnSpc>
+              <a:spcBef>
+                <a:spcPts val="0"/>
+              </a:spcBef>
+              <a:spcAft>
+                <a:spcPts val="0"/>
+              </a:spcAft>
+              <a:buClrTx/>
+              <a:buSzTx/>
+              <a:buFontTx/>
+              <a:buNone/>
+              <a:tabLst/>
+              <a:defRPr/>
+            </a:pPr>
+            <a:r>
+              <a:rPr lang="en-US" sz="1100" b="1" dirty="0">
+                <a:solidFill>
+                  <a:prstClr val="black"/>
+                </a:solidFill>
+                <a:latin typeface="Open Sans" panose="020B0606030504020204" pitchFamily="34" charset="0"/>
+                <a:ea typeface="Open Sans" panose="020B0606030504020204" pitchFamily="34" charset="0"/>
+                <a:cs typeface="Open Sans" panose="020B0606030504020204" pitchFamily="34" charset="0"/>
+              </a:rPr>
+              <a:t>WEAKNESS 2</a:t>
+            </a:r>
+            <a:endParaRPr kumimoji="0" lang="en-US" sz="1100" b="1" i="0" u="none" strike="noStrike" kern="1200" cap="none" spc="0" normalizeH="0" baseline="0" noProof="0" dirty="0">
+              <a:ln>
+                <a:noFill/>
+              </a:ln>
+              <a:solidFill>
+                <a:prstClr val="black"/>
+              </a:solidFill>
+              <a:effectLst/>
+              <a:uLnTx/>
+              <a:uFillTx/>
+              <a:latin typeface="Open Sans" panose="020B0606030504020204" pitchFamily="34" charset="0"/>
+              <a:ea typeface="Open Sans" panose="020B0606030504020204" pitchFamily="34" charset="0"/>
+              <a:cs typeface="Open Sans" panose="020B0606030504020204" pitchFamily="34" charset="0"/>
+            </a:endParaRPr>
+          </a:p>
+          <a:p>
+            <a:pPr marL="0" marR="0" lvl="0" indent="0" algn="l" defTabSz="914400" rtl="0" eaLnBrk="1" fontAlgn="auto" latinLnBrk="0" hangingPunct="1">
+              <a:lnSpc>
+                <a:spcPct val="100000"/>
+              </a:lnSpc>
+              <a:spcBef>
+                <a:spcPts val="0"/>
+              </a:spcBef>
+              <a:spcAft>
+                <a:spcPts val="0"/>
+              </a:spcAft>
+              <a:buClrTx/>
+              <a:buSzTx/>
+              <a:buFontTx/>
+              <a:buNone/>
+              <a:tabLst/>
+              <a:defRPr/>
+            </a:pPr>
+            <a:endParaRPr kumimoji="0" lang="en-US" sz="1100" b="1" i="0" u="none" strike="noStrike" kern="1200" cap="none" spc="0" normalizeH="0" baseline="0" noProof="0" dirty="0">
+              <a:ln>
+                <a:noFill/>
+              </a:ln>
+              <a:solidFill>
+                <a:srgbClr val="000000"/>
+              </a:solidFill>
+              <a:effectLst/>
+              <a:uLnTx/>
+              <a:uFillTx/>
+              <a:latin typeface="Open Sans" panose="020B0606030504020204" pitchFamily="34" charset="0"/>
+              <a:ea typeface="Open Sans" panose="020B0606030504020204" pitchFamily="34" charset="0"/>
+              <a:cs typeface="Open Sans" panose="020B0606030504020204" pitchFamily="34" charset="0"/>
+            </a:endParaRPr>
+          </a:p>
+          <a:p>
+            <a:r>
+              <a:rPr lang="en-US" sz="1100" b="1" dirty="0">
+                <a:latin typeface="Open Sans" panose="020B0606030504020204" pitchFamily="34" charset="0"/>
+                <a:ea typeface="Open Sans" panose="020B0606030504020204" pitchFamily="34" charset="0"/>
+                <a:cs typeface="Open Sans" panose="020B0606030504020204" pitchFamily="34" charset="0"/>
+              </a:rPr>
+              <a:t>Topology Information is not Assumed</a:t>
+            </a:r>
+            <a:endParaRPr lang="en-US" sz="1100" dirty="0">
+              <a:latin typeface="Open Sans" panose="020B0606030504020204" pitchFamily="34" charset="0"/>
+              <a:ea typeface="Open Sans" panose="020B0606030504020204" pitchFamily="34" charset="0"/>
+              <a:cs typeface="Open Sans" panose="020B0606030504020204" pitchFamily="34" charset="0"/>
+            </a:endParaRPr>
           </a:p>
         </p:txBody>
       </p:sp>
+      <p:cxnSp>
+        <p:nvCxnSpPr>
+          <p:cNvPr id="12" name="Straight Connector 11">
+            <a:extLst>
+              <a:ext uri="{FF2B5EF4-FFF2-40B4-BE49-F238E27FC236}">
+                <a16:creationId xmlns:a16="http://schemas.microsoft.com/office/drawing/2014/main" id="{208BE626-0617-26D8-04FA-193274929D6F}"/>
+              </a:ext>
+            </a:extLst>
+          </p:cNvPr>
+          <p:cNvCxnSpPr>
+            <a:cxnSpLocks/>
+          </p:cNvCxnSpPr>
+          <p:nvPr/>
+        </p:nvCxnSpPr>
+        <p:spPr>
+          <a:xfrm>
+            <a:off x="6181701" y="2181499"/>
+            <a:ext cx="979376" cy="0"/>
+          </a:xfrm>
+          <a:prstGeom prst="line">
+            <a:avLst/>
+          </a:prstGeom>
+          <a:ln w="19050">
+            <a:solidFill>
+              <a:srgbClr val="FF0000"/>
+            </a:solidFill>
+          </a:ln>
+        </p:spPr>
+        <p:style>
+          <a:lnRef idx="1">
+            <a:schemeClr val="accent1"/>
+          </a:lnRef>
+          <a:fillRef idx="0">
+            <a:schemeClr val="accent1"/>
+          </a:fillRef>
+          <a:effectRef idx="0">
+            <a:schemeClr val="accent1"/>
+          </a:effectRef>
+          <a:fontRef idx="minor">
+            <a:schemeClr val="tx1"/>
+          </a:fontRef>
+        </p:style>
+      </p:cxnSp>
     </p:spTree>
     <p:extLst>
       <p:ext uri="{BB962C8B-B14F-4D97-AF65-F5344CB8AC3E}">
